--- a/Visão/Documentação/Projeto_Fatequino_-_Visão.pptx
+++ b/Visão/Documentação/Projeto_Fatequino_-_Visão.pptx
@@ -9,17 +9,18 @@
     <p:sldId id="257" r:id="rId3"/>
     <p:sldId id="269" r:id="rId4"/>
     <p:sldId id="270" r:id="rId5"/>
-    <p:sldId id="258" r:id="rId6"/>
-    <p:sldId id="266" r:id="rId7"/>
-    <p:sldId id="267" r:id="rId8"/>
-    <p:sldId id="259" r:id="rId9"/>
-    <p:sldId id="260" r:id="rId10"/>
-    <p:sldId id="261" r:id="rId11"/>
-    <p:sldId id="262" r:id="rId12"/>
-    <p:sldId id="264" r:id="rId13"/>
-    <p:sldId id="263" r:id="rId14"/>
-    <p:sldId id="268" r:id="rId15"/>
-    <p:sldId id="265" r:id="rId16"/>
+    <p:sldId id="271" r:id="rId6"/>
+    <p:sldId id="258" r:id="rId7"/>
+    <p:sldId id="266" r:id="rId8"/>
+    <p:sldId id="267" r:id="rId9"/>
+    <p:sldId id="259" r:id="rId10"/>
+    <p:sldId id="260" r:id="rId11"/>
+    <p:sldId id="261" r:id="rId12"/>
+    <p:sldId id="262" r:id="rId13"/>
+    <p:sldId id="264" r:id="rId14"/>
+    <p:sldId id="263" r:id="rId15"/>
+    <p:sldId id="268" r:id="rId16"/>
+    <p:sldId id="265" r:id="rId17"/>
   </p:sldIdLst>
   <p:sldSz cx="12192000" cy="6858000"/>
   <p:notesSz cx="6858000" cy="9144000"/>
@@ -352,7 +353,7 @@
           <a:p>
             <a:fld id="{7B80C244-2F3C-46BC-A8E2-1D0AC31487F9}" type="datetimeFigureOut">
               <a:rPr lang="pt-BR" smtClean="0"/>
-              <a:t>13/05/2020</a:t>
+              <a:t>17/06/2020</a:t>
             </a:fld>
             <a:endParaRPr lang="pt-BR"/>
           </a:p>
@@ -560,7 +561,7 @@
           <a:p>
             <a:fld id="{7B80C244-2F3C-46BC-A8E2-1D0AC31487F9}" type="datetimeFigureOut">
               <a:rPr lang="pt-BR" smtClean="0"/>
-              <a:t>13/05/2020</a:t>
+              <a:t>17/06/2020</a:t>
             </a:fld>
             <a:endParaRPr lang="pt-BR"/>
           </a:p>
@@ -816,7 +817,7 @@
           <a:p>
             <a:fld id="{7B80C244-2F3C-46BC-A8E2-1D0AC31487F9}" type="datetimeFigureOut">
               <a:rPr lang="pt-BR" smtClean="0"/>
-              <a:t>13/05/2020</a:t>
+              <a:t>17/06/2020</a:t>
             </a:fld>
             <a:endParaRPr lang="pt-BR"/>
           </a:p>
@@ -990,7 +991,7 @@
           <a:p>
             <a:fld id="{7B80C244-2F3C-46BC-A8E2-1D0AC31487F9}" type="datetimeFigureOut">
               <a:rPr lang="pt-BR" smtClean="0"/>
-              <a:t>13/05/2020</a:t>
+              <a:t>17/06/2020</a:t>
             </a:fld>
             <a:endParaRPr lang="pt-BR"/>
           </a:p>
@@ -1333,7 +1334,7 @@
           <a:p>
             <a:fld id="{7B80C244-2F3C-46BC-A8E2-1D0AC31487F9}" type="datetimeFigureOut">
               <a:rPr lang="pt-BR" smtClean="0"/>
-              <a:t>13/05/2020</a:t>
+              <a:t>17/06/2020</a:t>
             </a:fld>
             <a:endParaRPr lang="pt-BR"/>
           </a:p>
@@ -1608,7 +1609,7 @@
           <a:p>
             <a:fld id="{7B80C244-2F3C-46BC-A8E2-1D0AC31487F9}" type="datetimeFigureOut">
               <a:rPr lang="pt-BR" smtClean="0"/>
-              <a:t>13/05/2020</a:t>
+              <a:t>17/06/2020</a:t>
             </a:fld>
             <a:endParaRPr lang="pt-BR"/>
           </a:p>
@@ -1987,7 +1988,7 @@
           <a:p>
             <a:fld id="{7B80C244-2F3C-46BC-A8E2-1D0AC31487F9}" type="datetimeFigureOut">
               <a:rPr lang="pt-BR" smtClean="0"/>
-              <a:t>13/05/2020</a:t>
+              <a:t>17/06/2020</a:t>
             </a:fld>
             <a:endParaRPr lang="pt-BR"/>
           </a:p>
@@ -2105,7 +2106,7 @@
           <a:p>
             <a:fld id="{7B80C244-2F3C-46BC-A8E2-1D0AC31487F9}" type="datetimeFigureOut">
               <a:rPr lang="pt-BR" smtClean="0"/>
-              <a:t>13/05/2020</a:t>
+              <a:t>17/06/2020</a:t>
             </a:fld>
             <a:endParaRPr lang="pt-BR"/>
           </a:p>
@@ -2276,7 +2277,7 @@
           <a:p>
             <a:fld id="{7B80C244-2F3C-46BC-A8E2-1D0AC31487F9}" type="datetimeFigureOut">
               <a:rPr lang="pt-BR" smtClean="0"/>
-              <a:t>13/05/2020</a:t>
+              <a:t>17/06/2020</a:t>
             </a:fld>
             <a:endParaRPr lang="pt-BR"/>
           </a:p>
@@ -2630,7 +2631,7 @@
           <a:p>
             <a:fld id="{7B80C244-2F3C-46BC-A8E2-1D0AC31487F9}" type="datetimeFigureOut">
               <a:rPr lang="pt-BR" smtClean="0"/>
-              <a:t>13/05/2020</a:t>
+              <a:t>17/06/2020</a:t>
             </a:fld>
             <a:endParaRPr lang="pt-BR"/>
           </a:p>
@@ -3012,7 +3013,7 @@
           <a:p>
             <a:fld id="{7B80C244-2F3C-46BC-A8E2-1D0AC31487F9}" type="datetimeFigureOut">
               <a:rPr lang="pt-BR" smtClean="0"/>
-              <a:t>13/05/2020</a:t>
+              <a:t>17/06/2020</a:t>
             </a:fld>
             <a:endParaRPr lang="pt-BR"/>
           </a:p>
@@ -3299,7 +3300,7 @@
           <a:p>
             <a:fld id="{7B80C244-2F3C-46BC-A8E2-1D0AC31487F9}" type="datetimeFigureOut">
               <a:rPr lang="pt-BR" smtClean="0"/>
-              <a:t>13/05/2020</a:t>
+              <a:t>17/06/2020</a:t>
             </a:fld>
             <a:endParaRPr lang="pt-BR"/>
           </a:p>
@@ -4271,7 +4272,7 @@
           <p:cNvPr id="2" name="Título 1">
             <a:extLst>
               <a:ext uri="{FF2B5EF4-FFF2-40B4-BE49-F238E27FC236}">
-                <a16:creationId xmlns:a16="http://schemas.microsoft.com/office/drawing/2014/main" id="{8CBB496D-66CF-4899-A90C-A16384199B6A}"/>
+                <a16:creationId xmlns:a16="http://schemas.microsoft.com/office/drawing/2014/main" id="{7CF622F5-B13D-4417-AEC6-AC1C808D4F4F}"/>
               </a:ext>
             </a:extLst>
           </p:cNvPr>
@@ -4284,8 +4285,8 @@
         </p:nvSpPr>
         <p:spPr>
           <a:xfrm>
-            <a:off x="1097280" y="988906"/>
-            <a:ext cx="10058400" cy="748454"/>
+            <a:off x="1097280" y="1006162"/>
+            <a:ext cx="10058400" cy="731198"/>
           </a:xfrm>
         </p:spPr>
         <p:txBody>
@@ -4298,7 +4299,7 @@
                   <a:schemeClr val="tx1"/>
                 </a:solidFill>
               </a:rPr>
-              <a:t>Tipos de Segmentação</a:t>
+              <a:t>O que é Segmentação</a:t>
             </a:r>
           </a:p>
         </p:txBody>
@@ -4308,7 +4309,7 @@
           <p:cNvPr id="3" name="Espaço Reservado para Conteúdo 2">
             <a:extLst>
               <a:ext uri="{FF2B5EF4-FFF2-40B4-BE49-F238E27FC236}">
-                <a16:creationId xmlns:a16="http://schemas.microsoft.com/office/drawing/2014/main" id="{A7FB77B7-B45D-488F-8A7D-2CAC7D665A4D}"/>
+                <a16:creationId xmlns:a16="http://schemas.microsoft.com/office/drawing/2014/main" id="{8483478B-9051-4A28-A4A9-060E706ED9E0}"/>
               </a:ext>
             </a:extLst>
           </p:cNvPr>
@@ -4319,7 +4320,12 @@
             <p:ph idx="1"/>
           </p:nvPr>
         </p:nvSpPr>
-        <p:spPr/>
+        <p:spPr>
+          <a:xfrm>
+            <a:off x="1097280" y="2133600"/>
+            <a:ext cx="10058400" cy="4281268"/>
+          </a:xfrm>
+        </p:spPr>
         <p:txBody>
           <a:bodyPr>
             <a:normAutofit/>
@@ -4333,7 +4339,23 @@
                   <a:schemeClr val="tx1"/>
                 </a:solidFill>
               </a:rPr>
-              <a:t>A segmentação pode seguir duas estratégias genéricas:</a:t>
+              <a:t>Em visão computacional, segmentação se refere ao processo de dividir uma imagem digital em múltiplas regiões (conjunto de pixels) ou objetos, com o objetivo de simplificar e/ou mudar a representação de uma imagem para facilitar a sua análise. Segmentação de imagens é tipicamente usada para localizar objetos e formas (linhas, curvas, </a:t>
+            </a:r>
+            <a:r>
+              <a:rPr lang="pt-BR" dirty="0" err="1">
+                <a:solidFill>
+                  <a:schemeClr val="tx1"/>
+                </a:solidFill>
+              </a:rPr>
+              <a:t>etc</a:t>
+            </a:r>
+            <a:r>
+              <a:rPr lang="pt-BR" dirty="0">
+                <a:solidFill>
+                  <a:schemeClr val="tx1"/>
+                </a:solidFill>
+              </a:rPr>
+              <a:t>) em imagens.</a:t>
             </a:r>
           </a:p>
           <a:p>
@@ -4345,81 +4367,14 @@
             </a:endParaRPr>
           </a:p>
           <a:p>
-            <a:pPr algn="just" fontAlgn="base"/>
+            <a:pPr algn="just"/>
             <a:r>
               <a:rPr lang="pt-BR" dirty="0">
                 <a:solidFill>
                   <a:schemeClr val="tx1"/>
                 </a:solidFill>
               </a:rPr>
-              <a:t>Descontinuidade: A partição da imagem é efetuada com base nas alterações bruscas de intensidade (</a:t>
-            </a:r>
-            <a:r>
-              <a:rPr lang="pt-BR" dirty="0" err="1">
-                <a:solidFill>
-                  <a:schemeClr val="tx1"/>
-                </a:solidFill>
-              </a:rPr>
-              <a:t>ex</a:t>
-            </a:r>
-            <a:r>
-              <a:rPr lang="pt-BR" dirty="0">
-                <a:solidFill>
-                  <a:schemeClr val="tx1"/>
-                </a:solidFill>
-              </a:rPr>
-              <a:t>: detecção de contornos).</a:t>
-            </a:r>
-          </a:p>
-          <a:p>
-            <a:pPr algn="just" fontAlgn="base"/>
-            <a:endParaRPr lang="pt-BR" dirty="0">
-              <a:solidFill>
-                <a:schemeClr val="tx1"/>
-              </a:solidFill>
-            </a:endParaRPr>
-          </a:p>
-          <a:p>
-            <a:pPr algn="just" fontAlgn="base"/>
-            <a:r>
-              <a:rPr lang="pt-BR" dirty="0">
-                <a:solidFill>
-                  <a:schemeClr val="tx1"/>
-                </a:solidFill>
-              </a:rPr>
-              <a:t>Similaridade: A partição é efetuada com base na similaridade entre pixels, seguindo um determinado critério (</a:t>
-            </a:r>
-            <a:r>
-              <a:rPr lang="pt-BR" dirty="0" err="1">
-                <a:solidFill>
-                  <a:schemeClr val="tx1"/>
-                </a:solidFill>
-              </a:rPr>
-              <a:t>ex</a:t>
-            </a:r>
-            <a:r>
-              <a:rPr lang="pt-BR" dirty="0">
-                <a:solidFill>
-                  <a:schemeClr val="tx1"/>
-                </a:solidFill>
-              </a:rPr>
-              <a:t>: </a:t>
-            </a:r>
-            <a:r>
-              <a:rPr lang="pt-BR" dirty="0" err="1">
-                <a:solidFill>
-                  <a:schemeClr val="tx1"/>
-                </a:solidFill>
-              </a:rPr>
-              <a:t>binarização</a:t>
-            </a:r>
-            <a:r>
-              <a:rPr lang="pt-BR" dirty="0">
-                <a:solidFill>
-                  <a:schemeClr val="tx1"/>
-                </a:solidFill>
-              </a:rPr>
-              <a:t>, crescimento de regiões, divisão e junção de regiões).</a:t>
+              <a:t>O resultado da segmentação de imagens é um conjunto de regiões/objetos ou um conjunto de contornos extraídos da imagem (ver detecção de borda). Como resultado, cada um dos pixels em uma mesma região é similar com referência a alguma característica ou propriedade computacional, tais como cor, intensidade, textura ou continuidade. Regiões adjacentes devem possuir diferenças significativas com respeito a mesma característica(s).</a:t>
             </a:r>
           </a:p>
         </p:txBody>
@@ -4429,7 +4384,7 @@
           <p:cNvPr id="5" name="Picture 2" descr="https://lh4.googleusercontent.com/5Rwe-hedv2zoUCJ7yVpYSv5dHvCHmP7_N-VQn_XWiI_mGPc7hzOabq8GesVXalU4R6t1mtMjZ6muxkuoLuxr_Bu2t0KDQWAgGThdKNWV1l_u8wpZm2I61j6SBhNGJl0XNTZYsvHI">
             <a:extLst>
               <a:ext uri="{FF2B5EF4-FFF2-40B4-BE49-F238E27FC236}">
-                <a16:creationId xmlns:a16="http://schemas.microsoft.com/office/drawing/2014/main" id="{8C5CA62D-3AC7-4ADB-BFC2-E34814CC4863}"/>
+                <a16:creationId xmlns:a16="http://schemas.microsoft.com/office/drawing/2014/main" id="{9F3BD1B3-FF39-4380-A472-FE83C7D52FBA}"/>
               </a:ext>
             </a:extLst>
           </p:cNvPr>
@@ -4518,7 +4473,7 @@
           <p:cNvPr id="7" name="Picture 4" descr="Caracas Geek Fest">
             <a:extLst>
               <a:ext uri="{FF2B5EF4-FFF2-40B4-BE49-F238E27FC236}">
-                <a16:creationId xmlns:a16="http://schemas.microsoft.com/office/drawing/2014/main" id="{88CC4087-95D0-42EE-A8C8-E0B3D52A35D5}"/>
+                <a16:creationId xmlns:a16="http://schemas.microsoft.com/office/drawing/2014/main" id="{A7947242-7D45-4E9E-B61A-EB6B360063BD}"/>
               </a:ext>
             </a:extLst>
           </p:cNvPr>
@@ -4561,7 +4516,7 @@
     </p:spTree>
     <p:extLst>
       <p:ext uri="{BB962C8B-B14F-4D97-AF65-F5344CB8AC3E}">
-        <p14:creationId xmlns:p14="http://schemas.microsoft.com/office/powerpoint/2010/main" val="2191901093"/>
+        <p14:creationId xmlns:p14="http://schemas.microsoft.com/office/powerpoint/2010/main" val="4165188233"/>
       </p:ext>
     </p:extLst>
   </p:cSld>
@@ -4593,7 +4548,7 @@
           <p:cNvPr id="2" name="Título 1">
             <a:extLst>
               <a:ext uri="{FF2B5EF4-FFF2-40B4-BE49-F238E27FC236}">
-                <a16:creationId xmlns:a16="http://schemas.microsoft.com/office/drawing/2014/main" id="{E6A39F73-565B-4156-83D0-91D6087C98BD}"/>
+                <a16:creationId xmlns:a16="http://schemas.microsoft.com/office/drawing/2014/main" id="{8CBB496D-66CF-4899-A90C-A16384199B6A}"/>
               </a:ext>
             </a:extLst>
           </p:cNvPr>
@@ -4606,8 +4561,8 @@
         </p:nvSpPr>
         <p:spPr>
           <a:xfrm>
-            <a:off x="1097280" y="1006162"/>
-            <a:ext cx="10058400" cy="731198"/>
+            <a:off x="1097280" y="988906"/>
+            <a:ext cx="10058400" cy="748454"/>
           </a:xfrm>
         </p:spPr>
         <p:txBody>
@@ -4620,7 +4575,7 @@
                   <a:schemeClr val="tx1"/>
                 </a:solidFill>
               </a:rPr>
-              <a:t>Segmentação de Movimento</a:t>
+              <a:t>Tipos de Segmentação</a:t>
             </a:r>
           </a:p>
         </p:txBody>
@@ -4630,7 +4585,7 @@
           <p:cNvPr id="3" name="Espaço Reservado para Conteúdo 2">
             <a:extLst>
               <a:ext uri="{FF2B5EF4-FFF2-40B4-BE49-F238E27FC236}">
-                <a16:creationId xmlns:a16="http://schemas.microsoft.com/office/drawing/2014/main" id="{1BC1A8A2-95DB-4E8D-BC3F-460669A77B82}"/>
+                <a16:creationId xmlns:a16="http://schemas.microsoft.com/office/drawing/2014/main" id="{A7FB77B7-B45D-488F-8A7D-2CAC7D665A4D}"/>
               </a:ext>
             </a:extLst>
           </p:cNvPr>
@@ -4641,12 +4596,7 @@
             <p:ph idx="1"/>
           </p:nvPr>
         </p:nvSpPr>
-        <p:spPr>
-          <a:xfrm>
-            <a:off x="1097280" y="1905000"/>
-            <a:ext cx="10058400" cy="4953000"/>
-          </a:xfrm>
-        </p:spPr>
+        <p:spPr/>
         <p:txBody>
           <a:bodyPr>
             <a:normAutofit/>
@@ -4660,25 +4610,8 @@
                   <a:schemeClr val="tx1"/>
                 </a:solidFill>
               </a:rPr>
-              <a:t>O movimento é uma poderosa pista usada por seres humanos e animais para a extração de um objeto de interesse de um fundo de detalhes irrelevantes, logo também é muito utilizada na segmentação. O modelo utilizado mais básico consiste na comparação pixel a pixel entre duas imagens, subsequentes, capturadas de um mesmo ambiente. Tal diferença pode ser expressa como:</a:t>
-            </a:r>
-          </a:p>
-          <a:p>
-            <a:pPr marL="0" indent="0" algn="just">
-              <a:buNone/>
-            </a:pPr>
-            <a:br>
-              <a:rPr lang="pt-BR" dirty="0">
-                <a:solidFill>
-                  <a:schemeClr val="tx1"/>
-                </a:solidFill>
-              </a:rPr>
-            </a:br>
-            <a:endParaRPr lang="pt-BR" dirty="0">
-              <a:solidFill>
-                <a:schemeClr val="tx1"/>
-              </a:solidFill>
-            </a:endParaRPr>
+              <a:t>A segmentação pode seguir duas estratégias genéricas:</a:t>
+            </a:r>
           </a:p>
           <a:p>
             <a:pPr algn="just"/>
@@ -4689,9 +4622,18 @@
             </a:endParaRPr>
           </a:p>
           <a:p>
-            <a:pPr marL="0" indent="0" algn="just">
-              <a:buNone/>
-            </a:pPr>
+            <a:pPr algn="just" fontAlgn="base"/>
+            <a:r>
+              <a:rPr lang="pt-BR" dirty="0">
+                <a:solidFill>
+                  <a:schemeClr val="tx1"/>
+                </a:solidFill>
+              </a:rPr>
+              <a:t>Descontinuidade: A partição da imagem é efetuada com base nas alterações bruscas de intensidade (ex: detecção de contornos).</a:t>
+            </a:r>
+          </a:p>
+          <a:p>
+            <a:pPr algn="just" fontAlgn="base"/>
             <a:endParaRPr lang="pt-BR" dirty="0">
               <a:solidFill>
                 <a:schemeClr val="tx1"/>
@@ -4699,72 +4641,24 @@
             </a:endParaRPr>
           </a:p>
           <a:p>
-            <a:pPr algn="just"/>
+            <a:pPr algn="just" fontAlgn="base"/>
             <a:r>
               <a:rPr lang="pt-BR" dirty="0">
                 <a:solidFill>
                   <a:schemeClr val="tx1"/>
                 </a:solidFill>
               </a:rPr>
-              <a:t>onde, </a:t>
-            </a:r>
-            <a:r>
-              <a:rPr lang="pt-BR" b="1" i="1" dirty="0">
-                <a:solidFill>
-                  <a:schemeClr val="tx1"/>
-                </a:solidFill>
-              </a:rPr>
-              <a:t>0 </a:t>
-            </a:r>
-            <a:r>
-              <a:rPr lang="pt-BR" dirty="0">
-                <a:solidFill>
-                  <a:schemeClr val="tx1"/>
-                </a:solidFill>
-              </a:rPr>
-              <a:t>é o limiar entre os tons de cinza, isto é na imagem obtida </a:t>
-            </a:r>
-            <a:r>
-              <a:rPr lang="pt-BR" b="1" i="1" dirty="0" err="1">
-                <a:solidFill>
-                  <a:schemeClr val="tx1"/>
-                </a:solidFill>
-              </a:rPr>
-              <a:t>dij</a:t>
-            </a:r>
-            <a:r>
-              <a:rPr lang="pt-BR" dirty="0">
-                <a:solidFill>
-                  <a:schemeClr val="tx1"/>
-                </a:solidFill>
-              </a:rPr>
-              <a:t> , só existiam os pixels que apresentaram uma diferença de cor maior que </a:t>
-            </a:r>
-            <a:r>
-              <a:rPr lang="pt-BR" b="1" i="1" dirty="0">
-                <a:solidFill>
-                  <a:schemeClr val="tx1"/>
-                </a:solidFill>
-              </a:rPr>
-              <a:t>0</a:t>
-            </a:r>
-            <a:r>
-              <a:rPr lang="pt-BR" dirty="0">
-                <a:solidFill>
-                  <a:schemeClr val="tx1"/>
-                </a:solidFill>
-              </a:rPr>
-              <a:t>. Com isso a imagem obtida será apenas a silhueta do objeto que se movimentou, porque o ambiente permanecerá o mesmo e será apagado com a diferença.</a:t>
+              <a:t>Similaridade: A partição é efetuada com base na similaridade entre pixels, seguindo um determinado critério (ex: binarização, crescimento de regiões, divisão e junção de regiões).</a:t>
             </a:r>
           </a:p>
         </p:txBody>
       </p:sp>
       <p:pic>
         <p:nvPicPr>
-          <p:cNvPr id="1032" name="Picture 8">
+          <p:cNvPr id="5" name="Picture 2" descr="https://lh4.googleusercontent.com/5Rwe-hedv2zoUCJ7yVpYSv5dHvCHmP7_N-VQn_XWiI_mGPc7hzOabq8GesVXalU4R6t1mtMjZ6muxkuoLuxr_Bu2t0KDQWAgGThdKNWV1l_u8wpZm2I61j6SBhNGJl0XNTZYsvHI">
             <a:extLst>
               <a:ext uri="{FF2B5EF4-FFF2-40B4-BE49-F238E27FC236}">
-                <a16:creationId xmlns:a16="http://schemas.microsoft.com/office/drawing/2014/main" id="{99B82FFF-89E8-48D4-8EE6-4751F31AC1E9}"/>
+                <a16:creationId xmlns:a16="http://schemas.microsoft.com/office/drawing/2014/main" id="{8C5CA62D-3AC7-4ADB-BFC2-E34814CC4863}"/>
               </a:ext>
             </a:extLst>
           </p:cNvPr>
@@ -4774,54 +4668,7 @@
           <p:nvPr/>
         </p:nvPicPr>
         <p:blipFill>
-          <a:blip r:embed="rId2">
-            <a:extLst>
-              <a:ext uri="{28A0092B-C50C-407E-A947-70E740481C1C}">
-                <a14:useLocalDpi xmlns:a14="http://schemas.microsoft.com/office/drawing/2010/main" val="0"/>
-              </a:ext>
-            </a:extLst>
-          </a:blip>
-          <a:srcRect/>
-          <a:stretch>
-            <a:fillRect/>
-          </a:stretch>
-        </p:blipFill>
-        <p:spPr bwMode="auto">
-          <a:xfrm>
-            <a:off x="2620315" y="3429000"/>
-            <a:ext cx="7012330" cy="1280890"/>
-          </a:xfrm>
-          <a:prstGeom prst="rect">
-            <a:avLst/>
-          </a:prstGeom>
-          <a:noFill/>
-          <a:extLst>
-            <a:ext uri="{909E8E84-426E-40DD-AFC4-6F175D3DCCD1}">
-              <a14:hiddenFill xmlns:a14="http://schemas.microsoft.com/office/drawing/2010/main">
-                <a:solidFill>
-                  <a:srgbClr val="FFFFFF"/>
-                </a:solidFill>
-              </a14:hiddenFill>
-            </a:ext>
-          </a:extLst>
-        </p:spPr>
-      </p:pic>
-      <p:pic>
-        <p:nvPicPr>
-          <p:cNvPr id="4" name="Picture 2" descr="https://lh4.googleusercontent.com/5Rwe-hedv2zoUCJ7yVpYSv5dHvCHmP7_N-VQn_XWiI_mGPc7hzOabq8GesVXalU4R6t1mtMjZ6muxkuoLuxr_Bu2t0KDQWAgGThdKNWV1l_u8wpZm2I61j6SBhNGJl0XNTZYsvHI">
-            <a:extLst>
-              <a:ext uri="{FF2B5EF4-FFF2-40B4-BE49-F238E27FC236}">
-                <a16:creationId xmlns:a16="http://schemas.microsoft.com/office/drawing/2014/main" id="{872749D5-6C41-4C5A-86AA-8FEF0B526DF2}"/>
-              </a:ext>
-            </a:extLst>
-          </p:cNvPr>
-          <p:cNvPicPr>
-            <a:picLocks noChangeAspect="1" noChangeArrowheads="1"/>
-          </p:cNvPicPr>
-          <p:nvPr/>
-        </p:nvPicPr>
-        <p:blipFill>
-          <a:blip r:embed="rId3" cstate="print">
+          <a:blip r:embed="rId2" cstate="print">
             <a:extLst>
               <a:ext uri="{28A0092B-C50C-407E-A947-70E740481C1C}">
                 <a14:useLocalDpi xmlns:a14="http://schemas.microsoft.com/office/drawing/2010/main" val="0"/>
@@ -4897,10 +4744,10 @@
       </p:pic>
       <p:pic>
         <p:nvPicPr>
-          <p:cNvPr id="6" name="Picture 4" descr="Caracas Geek Fest">
+          <p:cNvPr id="7" name="Picture 4" descr="Caracas Geek Fest">
             <a:extLst>
               <a:ext uri="{FF2B5EF4-FFF2-40B4-BE49-F238E27FC236}">
-                <a16:creationId xmlns:a16="http://schemas.microsoft.com/office/drawing/2014/main" id="{77203E2C-5F0C-4588-98EC-8224FBC009C9}"/>
+                <a16:creationId xmlns:a16="http://schemas.microsoft.com/office/drawing/2014/main" id="{88CC4087-95D0-42EE-A8C8-E0B3D52A35D5}"/>
               </a:ext>
             </a:extLst>
           </p:cNvPr>
@@ -4910,7 +4757,7 @@
           <p:nvPr/>
         </p:nvPicPr>
         <p:blipFill rotWithShape="1">
-          <a:blip r:embed="rId4">
+          <a:blip r:embed="rId3">
             <a:extLst>
               <a:ext uri="{28A0092B-C50C-407E-A947-70E740481C1C}">
                 <a14:useLocalDpi xmlns:a14="http://schemas.microsoft.com/office/drawing/2010/main" val="0"/>
@@ -4943,7 +4790,7 @@
     </p:spTree>
     <p:extLst>
       <p:ext uri="{BB962C8B-B14F-4D97-AF65-F5344CB8AC3E}">
-        <p14:creationId xmlns:p14="http://schemas.microsoft.com/office/powerpoint/2010/main" val="3395151100"/>
+        <p14:creationId xmlns:p14="http://schemas.microsoft.com/office/powerpoint/2010/main" val="2191901093"/>
       </p:ext>
     </p:extLst>
   </p:cSld>
@@ -4975,7 +4822,7 @@
           <p:cNvPr id="2" name="Título 1">
             <a:extLst>
               <a:ext uri="{FF2B5EF4-FFF2-40B4-BE49-F238E27FC236}">
-                <a16:creationId xmlns:a16="http://schemas.microsoft.com/office/drawing/2014/main" id="{25857D81-A9B6-49D1-9574-CE1E8E7E43EC}"/>
+                <a16:creationId xmlns:a16="http://schemas.microsoft.com/office/drawing/2014/main" id="{E6A39F73-565B-4156-83D0-91D6087C98BD}"/>
               </a:ext>
             </a:extLst>
           </p:cNvPr>
@@ -4986,7 +4833,12 @@
             <p:ph type="title"/>
           </p:nvPr>
         </p:nvSpPr>
-        <p:spPr/>
+        <p:spPr>
+          <a:xfrm>
+            <a:off x="1097280" y="1006162"/>
+            <a:ext cx="10058400" cy="731198"/>
+          </a:xfrm>
+        </p:spPr>
         <p:txBody>
           <a:bodyPr/>
           <a:lstStyle/>
@@ -4997,17 +4849,151 @@
                   <a:schemeClr val="tx1"/>
                 </a:solidFill>
               </a:rPr>
-              <a:t>Exemplo de Imagem Segmentada</a:t>
+              <a:t>Segmentação de Movimento</a:t>
+            </a:r>
+          </a:p>
+        </p:txBody>
+      </p:sp>
+      <p:sp>
+        <p:nvSpPr>
+          <p:cNvPr id="3" name="Espaço Reservado para Conteúdo 2">
+            <a:extLst>
+              <a:ext uri="{FF2B5EF4-FFF2-40B4-BE49-F238E27FC236}">
+                <a16:creationId xmlns:a16="http://schemas.microsoft.com/office/drawing/2014/main" id="{1BC1A8A2-95DB-4E8D-BC3F-460669A77B82}"/>
+              </a:ext>
+            </a:extLst>
+          </p:cNvPr>
+          <p:cNvSpPr>
+            <a:spLocks noGrp="1"/>
+          </p:cNvSpPr>
+          <p:nvPr>
+            <p:ph idx="1"/>
+          </p:nvPr>
+        </p:nvSpPr>
+        <p:spPr>
+          <a:xfrm>
+            <a:off x="1097280" y="1905000"/>
+            <a:ext cx="10058400" cy="4953000"/>
+          </a:xfrm>
+        </p:spPr>
+        <p:txBody>
+          <a:bodyPr>
+            <a:normAutofit/>
+          </a:bodyPr>
+          <a:lstStyle/>
+          <a:p>
+            <a:pPr algn="just"/>
+            <a:r>
+              <a:rPr lang="pt-BR" dirty="0">
+                <a:solidFill>
+                  <a:schemeClr val="tx1"/>
+                </a:solidFill>
+              </a:rPr>
+              <a:t>O movimento é uma poderosa pista usada por seres humanos e animais para a extração de um objeto de interesse de um fundo de detalhes irrelevantes, logo também é muito utilizada na segmentação. O modelo utilizado mais básico consiste na comparação pixel a pixel entre duas imagens, subsequentes, capturadas de um mesmo ambiente. Tal diferença pode ser expressa como:</a:t>
+            </a:r>
+          </a:p>
+          <a:p>
+            <a:pPr marL="0" indent="0" algn="just">
+              <a:buNone/>
+            </a:pPr>
+            <a:br>
+              <a:rPr lang="pt-BR" dirty="0">
+                <a:solidFill>
+                  <a:schemeClr val="tx1"/>
+                </a:solidFill>
+              </a:rPr>
+            </a:br>
+            <a:endParaRPr lang="pt-BR" dirty="0">
+              <a:solidFill>
+                <a:schemeClr val="tx1"/>
+              </a:solidFill>
+            </a:endParaRPr>
+          </a:p>
+          <a:p>
+            <a:pPr algn="just"/>
+            <a:endParaRPr lang="pt-BR" dirty="0">
+              <a:solidFill>
+                <a:schemeClr val="tx1"/>
+              </a:solidFill>
+            </a:endParaRPr>
+          </a:p>
+          <a:p>
+            <a:pPr marL="0" indent="0" algn="just">
+              <a:buNone/>
+            </a:pPr>
+            <a:endParaRPr lang="pt-BR" dirty="0">
+              <a:solidFill>
+                <a:schemeClr val="tx1"/>
+              </a:solidFill>
+            </a:endParaRPr>
+          </a:p>
+          <a:p>
+            <a:pPr algn="just"/>
+            <a:r>
+              <a:rPr lang="pt-BR" dirty="0">
+                <a:solidFill>
+                  <a:schemeClr val="tx1"/>
+                </a:solidFill>
+              </a:rPr>
+              <a:t>onde, </a:t>
+            </a:r>
+            <a:r>
+              <a:rPr lang="pt-BR" b="1" i="1" dirty="0">
+                <a:solidFill>
+                  <a:schemeClr val="tx1"/>
+                </a:solidFill>
+              </a:rPr>
+              <a:t>0 </a:t>
+            </a:r>
+            <a:r>
+              <a:rPr lang="pt-BR" dirty="0">
+                <a:solidFill>
+                  <a:schemeClr val="tx1"/>
+                </a:solidFill>
+              </a:rPr>
+              <a:t>é o limiar entre os tons de cinza, isto é na imagem obtida </a:t>
+            </a:r>
+            <a:r>
+              <a:rPr lang="pt-BR" b="1" i="1" dirty="0" err="1">
+                <a:solidFill>
+                  <a:schemeClr val="tx1"/>
+                </a:solidFill>
+              </a:rPr>
+              <a:t>dij</a:t>
+            </a:r>
+            <a:r>
+              <a:rPr lang="pt-BR" dirty="0">
+                <a:solidFill>
+                  <a:schemeClr val="tx1"/>
+                </a:solidFill>
+              </a:rPr>
+              <a:t> , só existiam os pixels que apresentaram uma diferença de cor maior que </a:t>
+            </a:r>
+            <a:r>
+              <a:rPr lang="pt-BR" b="1" i="1" dirty="0">
+                <a:solidFill>
+                  <a:schemeClr val="tx1"/>
+                </a:solidFill>
+              </a:rPr>
+              <a:t>0</a:t>
+            </a:r>
+            <a:r>
+              <a:rPr lang="pt-BR" dirty="0">
+                <a:solidFill>
+                  <a:schemeClr val="tx1"/>
+                </a:solidFill>
+              </a:rPr>
+              <a:t>. Com isso a imagem obtida será apenas a silhueta do objeto que se movimentou, porque o ambiente permanecerá o mesmo e será apagado com a diferença.</a:t>
             </a:r>
           </a:p>
         </p:txBody>
       </p:sp>
       <p:pic>
         <p:nvPicPr>
-          <p:cNvPr id="2050" name="Picture 2">
+          <p:cNvPr id="1032" name="Picture 8">
             <a:extLst>
               <a:ext uri="{FF2B5EF4-FFF2-40B4-BE49-F238E27FC236}">
-                <a16:creationId xmlns:a16="http://schemas.microsoft.com/office/drawing/2014/main" id="{B5A94288-08FA-40DD-85B3-F7B89192834E}"/>
+                <a16:creationId xmlns:a16="http://schemas.microsoft.com/office/drawing/2014/main" id="{99B82FFF-89E8-48D4-8EE6-4751F31AC1E9}"/>
               </a:ext>
             </a:extLst>
           </p:cNvPr>
@@ -5031,8 +5017,8 @@
         </p:blipFill>
         <p:spPr bwMode="auto">
           <a:xfrm>
-            <a:off x="1202211" y="1821309"/>
-            <a:ext cx="7918751" cy="2283485"/>
+            <a:off x="2620315" y="3429000"/>
+            <a:ext cx="7012330" cy="1280890"/>
           </a:xfrm>
           <a:prstGeom prst="rect">
             <a:avLst/>
@@ -5051,55 +5037,10 @@
       </p:pic>
       <p:pic>
         <p:nvPicPr>
-          <p:cNvPr id="2052" name="Picture 4">
+          <p:cNvPr id="4" name="Picture 2" descr="https://lh4.googleusercontent.com/5Rwe-hedv2zoUCJ7yVpYSv5dHvCHmP7_N-VQn_XWiI_mGPc7hzOabq8GesVXalU4R6t1mtMjZ6muxkuoLuxr_Bu2t0KDQWAgGThdKNWV1l_u8wpZm2I61j6SBhNGJl0XNTZYsvHI">
             <a:extLst>
               <a:ext uri="{FF2B5EF4-FFF2-40B4-BE49-F238E27FC236}">
-                <a16:creationId xmlns:a16="http://schemas.microsoft.com/office/drawing/2014/main" id="{92DAD378-693B-4A37-BBA9-D7FAFC5496E8}"/>
-              </a:ext>
-            </a:extLst>
-          </p:cNvPr>
-          <p:cNvPicPr>
-            <a:picLocks noChangeAspect="1" noChangeArrowheads="1"/>
-          </p:cNvPicPr>
-          <p:nvPr/>
-        </p:nvPicPr>
-        <p:blipFill rotWithShape="1">
-          <a:blip r:embed="rId3">
-            <a:extLst>
-              <a:ext uri="{28A0092B-C50C-407E-A947-70E740481C1C}">
-                <a14:useLocalDpi xmlns:a14="http://schemas.microsoft.com/office/drawing/2010/main" val="0"/>
-              </a:ext>
-            </a:extLst>
-          </a:blip>
-          <a:srcRect t="7997" b="5656"/>
-          <a:stretch/>
-        </p:blipFill>
-        <p:spPr bwMode="auto">
-          <a:xfrm>
-            <a:off x="962368" y="4104794"/>
-            <a:ext cx="8427196" cy="2116123"/>
-          </a:xfrm>
-          <a:prstGeom prst="rect">
-            <a:avLst/>
-          </a:prstGeom>
-          <a:noFill/>
-          <a:extLst>
-            <a:ext uri="{909E8E84-426E-40DD-AFC4-6F175D3DCCD1}">
-              <a14:hiddenFill xmlns:a14="http://schemas.microsoft.com/office/drawing/2010/main">
-                <a:solidFill>
-                  <a:srgbClr val="FFFFFF"/>
-                </a:solidFill>
-              </a14:hiddenFill>
-            </a:ext>
-          </a:extLst>
-        </p:spPr>
-      </p:pic>
-      <p:pic>
-        <p:nvPicPr>
-          <p:cNvPr id="3" name="Picture 2" descr="https://lh4.googleusercontent.com/5Rwe-hedv2zoUCJ7yVpYSv5dHvCHmP7_N-VQn_XWiI_mGPc7hzOabq8GesVXalU4R6t1mtMjZ6muxkuoLuxr_Bu2t0KDQWAgGThdKNWV1l_u8wpZm2I61j6SBhNGJl0XNTZYsvHI">
-            <a:extLst>
-              <a:ext uri="{FF2B5EF4-FFF2-40B4-BE49-F238E27FC236}">
-                <a16:creationId xmlns:a16="http://schemas.microsoft.com/office/drawing/2014/main" id="{953F1F65-8153-4BC3-9E2C-2E46AD04532D}"/>
+                <a16:creationId xmlns:a16="http://schemas.microsoft.com/office/drawing/2014/main" id="{872749D5-6C41-4C5A-86AA-8FEF0B526DF2}"/>
               </a:ext>
             </a:extLst>
           </p:cNvPr>
@@ -5109,7 +5050,7 @@
           <p:nvPr/>
         </p:nvPicPr>
         <p:blipFill>
-          <a:blip r:embed="rId4" cstate="print">
+          <a:blip r:embed="rId3" cstate="print">
             <a:extLst>
               <a:ext uri="{28A0092B-C50C-407E-A947-70E740481C1C}">
                 <a14:useLocalDpi xmlns:a14="http://schemas.microsoft.com/office/drawing/2010/main" val="0"/>
@@ -5185,10 +5126,10 @@
       </p:pic>
       <p:pic>
         <p:nvPicPr>
-          <p:cNvPr id="4" name="Picture 4" descr="Caracas Geek Fest">
+          <p:cNvPr id="6" name="Picture 4" descr="Caracas Geek Fest">
             <a:extLst>
               <a:ext uri="{FF2B5EF4-FFF2-40B4-BE49-F238E27FC236}">
-                <a16:creationId xmlns:a16="http://schemas.microsoft.com/office/drawing/2014/main" id="{38DBE540-EF35-481D-B3DB-56CA50A049F3}"/>
+                <a16:creationId xmlns:a16="http://schemas.microsoft.com/office/drawing/2014/main" id="{77203E2C-5F0C-4588-98EC-8224FBC009C9}"/>
               </a:ext>
             </a:extLst>
           </p:cNvPr>
@@ -5198,7 +5139,7 @@
           <p:nvPr/>
         </p:nvPicPr>
         <p:blipFill rotWithShape="1">
-          <a:blip r:embed="rId5">
+          <a:blip r:embed="rId4">
             <a:extLst>
               <a:ext uri="{28A0092B-C50C-407E-A947-70E740481C1C}">
                 <a14:useLocalDpi xmlns:a14="http://schemas.microsoft.com/office/drawing/2010/main" val="0"/>
@@ -5231,7 +5172,7 @@
     </p:spTree>
     <p:extLst>
       <p:ext uri="{BB962C8B-B14F-4D97-AF65-F5344CB8AC3E}">
-        <p14:creationId xmlns:p14="http://schemas.microsoft.com/office/powerpoint/2010/main" val="1082149051"/>
+        <p14:creationId xmlns:p14="http://schemas.microsoft.com/office/powerpoint/2010/main" val="3395151100"/>
       </p:ext>
     </p:extLst>
   </p:cSld>
@@ -5263,7 +5204,7 @@
           <p:cNvPr id="2" name="Título 1">
             <a:extLst>
               <a:ext uri="{FF2B5EF4-FFF2-40B4-BE49-F238E27FC236}">
-                <a16:creationId xmlns:a16="http://schemas.microsoft.com/office/drawing/2014/main" id="{E7160F80-E6D7-48E6-B448-61740E87189D}"/>
+                <a16:creationId xmlns:a16="http://schemas.microsoft.com/office/drawing/2014/main" id="{25857D81-A9B6-49D1-9574-CE1E8E7E43EC}"/>
               </a:ext>
             </a:extLst>
           </p:cNvPr>
@@ -5274,12 +5215,7 @@
             <p:ph type="title"/>
           </p:nvPr>
         </p:nvSpPr>
-        <p:spPr>
-          <a:xfrm>
-            <a:off x="1097280" y="854439"/>
-            <a:ext cx="10058400" cy="882921"/>
-          </a:xfrm>
-        </p:spPr>
+        <p:spPr/>
         <p:txBody>
           <a:bodyPr/>
           <a:lstStyle/>
@@ -5290,57 +5226,17 @@
                   <a:schemeClr val="tx1"/>
                 </a:solidFill>
               </a:rPr>
-              <a:t>Limitações</a:t>
-            </a:r>
-          </a:p>
-        </p:txBody>
-      </p:sp>
-      <p:sp>
-        <p:nvSpPr>
-          <p:cNvPr id="3" name="Espaço Reservado para Conteúdo 2">
-            <a:extLst>
-              <a:ext uri="{FF2B5EF4-FFF2-40B4-BE49-F238E27FC236}">
-                <a16:creationId xmlns:a16="http://schemas.microsoft.com/office/drawing/2014/main" id="{B91CB012-955D-4666-B70A-5DDE5F8D5B91}"/>
-              </a:ext>
-            </a:extLst>
-          </p:cNvPr>
-          <p:cNvSpPr>
-            <a:spLocks noGrp="1"/>
-          </p:cNvSpPr>
-          <p:nvPr>
-            <p:ph idx="1"/>
-          </p:nvPr>
-        </p:nvSpPr>
-        <p:spPr>
-          <a:xfrm>
-            <a:off x="1097280" y="2076157"/>
-            <a:ext cx="10058400" cy="2705686"/>
-          </a:xfrm>
-        </p:spPr>
-        <p:txBody>
-          <a:bodyPr>
-            <a:normAutofit/>
-          </a:bodyPr>
-          <a:lstStyle/>
-          <a:p>
-            <a:pPr algn="just"/>
-            <a:r>
-              <a:rPr lang="pt-BR" dirty="0">
-                <a:solidFill>
-                  <a:schemeClr val="tx1"/>
-                </a:solidFill>
-              </a:rPr>
-              <a:t>Porém tal método possui algumas limitações: o ambiente nas duas imagens tem que possuir uma iluminação constante, o tempo entre as duas imagens tem que ser pequeno o suficiente para pegar apenas uma silhueta do objeto e não um borrão do mesmo e grande o suficiente para ser possível a observação do movimento. Uma possível melhora para esse método é a utilização de mais imagens, onde as diferenças entre elas são acumulativas, gerando uma imagem mais nítida do objeto e diminuindo os ruídos da imagem.</a:t>
+              <a:t>Exemplo de Imagem Segmentada</a:t>
             </a:r>
           </a:p>
         </p:txBody>
       </p:sp>
       <p:pic>
         <p:nvPicPr>
-          <p:cNvPr id="5" name="Picture 2" descr="https://lh4.googleusercontent.com/5Rwe-hedv2zoUCJ7yVpYSv5dHvCHmP7_N-VQn_XWiI_mGPc7hzOabq8GesVXalU4R6t1mtMjZ6muxkuoLuxr_Bu2t0KDQWAgGThdKNWV1l_u8wpZm2I61j6SBhNGJl0XNTZYsvHI">
+          <p:cNvPr id="2050" name="Picture 2">
             <a:extLst>
               <a:ext uri="{FF2B5EF4-FFF2-40B4-BE49-F238E27FC236}">
-                <a16:creationId xmlns:a16="http://schemas.microsoft.com/office/drawing/2014/main" id="{5768785B-A60B-4F3A-990D-94EF2445BF25}"/>
+                <a16:creationId xmlns:a16="http://schemas.microsoft.com/office/drawing/2014/main" id="{B5A94288-08FA-40DD-85B3-F7B89192834E}"/>
               </a:ext>
             </a:extLst>
           </p:cNvPr>
@@ -5350,7 +5246,99 @@
           <p:nvPr/>
         </p:nvPicPr>
         <p:blipFill>
-          <a:blip r:embed="rId2" cstate="print">
+          <a:blip r:embed="rId2">
+            <a:extLst>
+              <a:ext uri="{28A0092B-C50C-407E-A947-70E740481C1C}">
+                <a14:useLocalDpi xmlns:a14="http://schemas.microsoft.com/office/drawing/2010/main" val="0"/>
+              </a:ext>
+            </a:extLst>
+          </a:blip>
+          <a:srcRect/>
+          <a:stretch>
+            <a:fillRect/>
+          </a:stretch>
+        </p:blipFill>
+        <p:spPr bwMode="auto">
+          <a:xfrm>
+            <a:off x="1202211" y="1821309"/>
+            <a:ext cx="7918751" cy="2283485"/>
+          </a:xfrm>
+          <a:prstGeom prst="rect">
+            <a:avLst/>
+          </a:prstGeom>
+          <a:noFill/>
+          <a:extLst>
+            <a:ext uri="{909E8E84-426E-40DD-AFC4-6F175D3DCCD1}">
+              <a14:hiddenFill xmlns:a14="http://schemas.microsoft.com/office/drawing/2010/main">
+                <a:solidFill>
+                  <a:srgbClr val="FFFFFF"/>
+                </a:solidFill>
+              </a14:hiddenFill>
+            </a:ext>
+          </a:extLst>
+        </p:spPr>
+      </p:pic>
+      <p:pic>
+        <p:nvPicPr>
+          <p:cNvPr id="2052" name="Picture 4">
+            <a:extLst>
+              <a:ext uri="{FF2B5EF4-FFF2-40B4-BE49-F238E27FC236}">
+                <a16:creationId xmlns:a16="http://schemas.microsoft.com/office/drawing/2014/main" id="{92DAD378-693B-4A37-BBA9-D7FAFC5496E8}"/>
+              </a:ext>
+            </a:extLst>
+          </p:cNvPr>
+          <p:cNvPicPr>
+            <a:picLocks noChangeAspect="1" noChangeArrowheads="1"/>
+          </p:cNvPicPr>
+          <p:nvPr/>
+        </p:nvPicPr>
+        <p:blipFill rotWithShape="1">
+          <a:blip r:embed="rId3">
+            <a:extLst>
+              <a:ext uri="{28A0092B-C50C-407E-A947-70E740481C1C}">
+                <a14:useLocalDpi xmlns:a14="http://schemas.microsoft.com/office/drawing/2010/main" val="0"/>
+              </a:ext>
+            </a:extLst>
+          </a:blip>
+          <a:srcRect t="7997" b="5656"/>
+          <a:stretch/>
+        </p:blipFill>
+        <p:spPr bwMode="auto">
+          <a:xfrm>
+            <a:off x="962368" y="4104794"/>
+            <a:ext cx="8427196" cy="2116123"/>
+          </a:xfrm>
+          <a:prstGeom prst="rect">
+            <a:avLst/>
+          </a:prstGeom>
+          <a:noFill/>
+          <a:extLst>
+            <a:ext uri="{909E8E84-426E-40DD-AFC4-6F175D3DCCD1}">
+              <a14:hiddenFill xmlns:a14="http://schemas.microsoft.com/office/drawing/2010/main">
+                <a:solidFill>
+                  <a:srgbClr val="FFFFFF"/>
+                </a:solidFill>
+              </a14:hiddenFill>
+            </a:ext>
+          </a:extLst>
+        </p:spPr>
+      </p:pic>
+      <p:pic>
+        <p:nvPicPr>
+          <p:cNvPr id="3" name="Picture 2" descr="https://lh4.googleusercontent.com/5Rwe-hedv2zoUCJ7yVpYSv5dHvCHmP7_N-VQn_XWiI_mGPc7hzOabq8GesVXalU4R6t1mtMjZ6muxkuoLuxr_Bu2t0KDQWAgGThdKNWV1l_u8wpZm2I61j6SBhNGJl0XNTZYsvHI">
+            <a:extLst>
+              <a:ext uri="{FF2B5EF4-FFF2-40B4-BE49-F238E27FC236}">
+                <a16:creationId xmlns:a16="http://schemas.microsoft.com/office/drawing/2014/main" id="{953F1F65-8153-4BC3-9E2C-2E46AD04532D}"/>
+              </a:ext>
+            </a:extLst>
+          </p:cNvPr>
+          <p:cNvPicPr>
+            <a:picLocks noChangeAspect="1" noChangeArrowheads="1"/>
+          </p:cNvPicPr>
+          <p:nvPr/>
+        </p:nvPicPr>
+        <p:blipFill>
+          <a:blip r:embed="rId4" cstate="print">
             <a:extLst>
               <a:ext uri="{28A0092B-C50C-407E-A947-70E740481C1C}">
                 <a14:useLocalDpi xmlns:a14="http://schemas.microsoft.com/office/drawing/2010/main" val="0"/>
@@ -5426,10 +5414,10 @@
       </p:pic>
       <p:pic>
         <p:nvPicPr>
-          <p:cNvPr id="7" name="Picture 4" descr="Caracas Geek Fest">
+          <p:cNvPr id="4" name="Picture 4" descr="Caracas Geek Fest">
             <a:extLst>
               <a:ext uri="{FF2B5EF4-FFF2-40B4-BE49-F238E27FC236}">
-                <a16:creationId xmlns:a16="http://schemas.microsoft.com/office/drawing/2014/main" id="{AD0CE2D3-939F-4310-9597-5549D00482F2}"/>
+                <a16:creationId xmlns:a16="http://schemas.microsoft.com/office/drawing/2014/main" id="{38DBE540-EF35-481D-B3DB-56CA50A049F3}"/>
               </a:ext>
             </a:extLst>
           </p:cNvPr>
@@ -5439,7 +5427,7 @@
           <p:nvPr/>
         </p:nvPicPr>
         <p:blipFill rotWithShape="1">
-          <a:blip r:embed="rId3">
+          <a:blip r:embed="rId5">
             <a:extLst>
               <a:ext uri="{28A0092B-C50C-407E-A947-70E740481C1C}">
                 <a14:useLocalDpi xmlns:a14="http://schemas.microsoft.com/office/drawing/2010/main" val="0"/>
@@ -5472,7 +5460,7 @@
     </p:spTree>
     <p:extLst>
       <p:ext uri="{BB962C8B-B14F-4D97-AF65-F5344CB8AC3E}">
-        <p14:creationId xmlns:p14="http://schemas.microsoft.com/office/powerpoint/2010/main" val="1896773973"/>
+        <p14:creationId xmlns:p14="http://schemas.microsoft.com/office/powerpoint/2010/main" val="1082149051"/>
       </p:ext>
     </p:extLst>
   </p:cSld>
@@ -5504,7 +5492,7 @@
           <p:cNvPr id="2" name="Título 1">
             <a:extLst>
               <a:ext uri="{FF2B5EF4-FFF2-40B4-BE49-F238E27FC236}">
-                <a16:creationId xmlns:a16="http://schemas.microsoft.com/office/drawing/2014/main" id="{FDF998FF-A72C-4AFD-BB81-842876A9105E}"/>
+                <a16:creationId xmlns:a16="http://schemas.microsoft.com/office/drawing/2014/main" id="{E7160F80-E6D7-48E6-B448-61740E87189D}"/>
               </a:ext>
             </a:extLst>
           </p:cNvPr>
@@ -5517,8 +5505,8 @@
         </p:nvSpPr>
         <p:spPr>
           <a:xfrm>
-            <a:off x="1190451" y="847860"/>
-            <a:ext cx="8911687" cy="886804"/>
+            <a:off x="1097280" y="854439"/>
+            <a:ext cx="10058400" cy="882921"/>
           </a:xfrm>
         </p:spPr>
         <p:txBody>
@@ -5531,416 +5519,57 @@
                   <a:schemeClr val="tx1"/>
                 </a:solidFill>
               </a:rPr>
-              <a:t>Detecção de Objetos</a:t>
+              <a:t>Limitações</a:t>
             </a:r>
           </a:p>
         </p:txBody>
       </p:sp>
       <p:sp>
         <p:nvSpPr>
-          <p:cNvPr id="4" name="Espaço Reservado para Conteúdo 2">
+          <p:cNvPr id="3" name="Espaço Reservado para Conteúdo 2">
             <a:extLst>
               <a:ext uri="{FF2B5EF4-FFF2-40B4-BE49-F238E27FC236}">
-                <a16:creationId xmlns:a16="http://schemas.microsoft.com/office/drawing/2014/main" id="{E53DDFE0-2451-43AB-A563-5D047F09792E}"/>
+                <a16:creationId xmlns:a16="http://schemas.microsoft.com/office/drawing/2014/main" id="{B91CB012-955D-4666-B70A-5DDE5F8D5B91}"/>
               </a:ext>
             </a:extLst>
           </p:cNvPr>
-          <p:cNvSpPr txBox="1">
-            <a:spLocks/>
+          <p:cNvSpPr>
+            <a:spLocks noGrp="1"/>
           </p:cNvSpPr>
-          <p:nvPr/>
+          <p:nvPr>
+            <p:ph idx="1"/>
+          </p:nvPr>
         </p:nvSpPr>
         <p:spPr>
           <a:xfrm>
-            <a:off x="1190451" y="1943962"/>
-            <a:ext cx="10052172" cy="2927841"/>
-          </a:xfrm>
-          <a:prstGeom prst="rect">
-            <a:avLst/>
-          </a:prstGeom>
+            <a:off x="1097280" y="2076157"/>
+            <a:ext cx="10058400" cy="2705686"/>
+          </a:xfrm>
         </p:spPr>
         <p:txBody>
-          <a:bodyPr vert="horz" lIns="91440" tIns="45720" rIns="91440" bIns="45720" rtlCol="0">
-            <a:noAutofit/>
+          <a:bodyPr>
+            <a:normAutofit/>
           </a:bodyPr>
-          <a:lstStyle>
-            <a:lvl1pPr marL="342900" indent="-342900" algn="l" defTabSz="457200" rtl="0" eaLnBrk="1" latinLnBrk="0" hangingPunct="1">
-              <a:spcBef>
-                <a:spcPts val="1000"/>
-              </a:spcBef>
-              <a:spcAft>
-                <a:spcPts val="0"/>
-              </a:spcAft>
-              <a:buClr>
-                <a:schemeClr val="accent1"/>
-              </a:buClr>
-              <a:buFont typeface="Wingdings 3" charset="2"/>
-              <a:buChar char=""/>
-              <a:defRPr sz="1800" kern="1200">
-                <a:solidFill>
-                  <a:schemeClr val="tx1">
-                    <a:lumMod val="75000"/>
-                    <a:lumOff val="25000"/>
-                  </a:schemeClr>
-                </a:solidFill>
-                <a:latin typeface="+mn-lt"/>
-                <a:ea typeface="+mn-ea"/>
-                <a:cs typeface="+mn-cs"/>
-              </a:defRPr>
-            </a:lvl1pPr>
-            <a:lvl2pPr marL="742950" indent="-285750" algn="l" defTabSz="457200" rtl="0" eaLnBrk="1" latinLnBrk="0" hangingPunct="1">
-              <a:spcBef>
-                <a:spcPts val="1000"/>
-              </a:spcBef>
-              <a:spcAft>
-                <a:spcPts val="0"/>
-              </a:spcAft>
-              <a:buClr>
-                <a:schemeClr val="accent1"/>
-              </a:buClr>
-              <a:buFont typeface="Wingdings 3" charset="2"/>
-              <a:buChar char=""/>
-              <a:defRPr sz="1600" kern="1200">
-                <a:solidFill>
-                  <a:schemeClr val="tx1">
-                    <a:lumMod val="75000"/>
-                    <a:lumOff val="25000"/>
-                  </a:schemeClr>
-                </a:solidFill>
-                <a:latin typeface="+mn-lt"/>
-                <a:ea typeface="+mn-ea"/>
-                <a:cs typeface="+mn-cs"/>
-              </a:defRPr>
-            </a:lvl2pPr>
-            <a:lvl3pPr marL="1143000" indent="-228600" algn="l" defTabSz="457200" rtl="0" eaLnBrk="1" latinLnBrk="0" hangingPunct="1">
-              <a:spcBef>
-                <a:spcPts val="1000"/>
-              </a:spcBef>
-              <a:spcAft>
-                <a:spcPts val="0"/>
-              </a:spcAft>
-              <a:buClr>
-                <a:schemeClr val="accent1"/>
-              </a:buClr>
-              <a:buFont typeface="Wingdings 3" charset="2"/>
-              <a:buChar char=""/>
-              <a:defRPr sz="1400" kern="1200">
-                <a:solidFill>
-                  <a:schemeClr val="tx1">
-                    <a:lumMod val="75000"/>
-                    <a:lumOff val="25000"/>
-                  </a:schemeClr>
-                </a:solidFill>
-                <a:latin typeface="+mn-lt"/>
-                <a:ea typeface="+mn-ea"/>
-                <a:cs typeface="+mn-cs"/>
-              </a:defRPr>
-            </a:lvl3pPr>
-            <a:lvl4pPr marL="1600200" indent="-228600" algn="l" defTabSz="457200" rtl="0" eaLnBrk="1" latinLnBrk="0" hangingPunct="1">
-              <a:spcBef>
-                <a:spcPts val="1000"/>
-              </a:spcBef>
-              <a:spcAft>
-                <a:spcPts val="0"/>
-              </a:spcAft>
-              <a:buClr>
-                <a:schemeClr val="accent1"/>
-              </a:buClr>
-              <a:buFont typeface="Wingdings 3" charset="2"/>
-              <a:buChar char=""/>
-              <a:defRPr sz="1200" kern="1200">
-                <a:solidFill>
-                  <a:schemeClr val="tx1">
-                    <a:lumMod val="75000"/>
-                    <a:lumOff val="25000"/>
-                  </a:schemeClr>
-                </a:solidFill>
-                <a:latin typeface="+mn-lt"/>
-                <a:ea typeface="+mn-ea"/>
-                <a:cs typeface="+mn-cs"/>
-              </a:defRPr>
-            </a:lvl4pPr>
-            <a:lvl5pPr marL="2057400" indent="-228600" algn="l" defTabSz="457200" rtl="0" eaLnBrk="1" latinLnBrk="0" hangingPunct="1">
-              <a:spcBef>
-                <a:spcPts val="1000"/>
-              </a:spcBef>
-              <a:spcAft>
-                <a:spcPts val="0"/>
-              </a:spcAft>
-              <a:buClr>
-                <a:schemeClr val="accent1"/>
-              </a:buClr>
-              <a:buFont typeface="Wingdings 3" charset="2"/>
-              <a:buChar char=""/>
-              <a:defRPr sz="1200" kern="1200">
-                <a:solidFill>
-                  <a:schemeClr val="tx1">
-                    <a:lumMod val="75000"/>
-                    <a:lumOff val="25000"/>
-                  </a:schemeClr>
-                </a:solidFill>
-                <a:latin typeface="+mn-lt"/>
-                <a:ea typeface="+mn-ea"/>
-                <a:cs typeface="+mn-cs"/>
-              </a:defRPr>
-            </a:lvl5pPr>
-            <a:lvl6pPr marL="2514600" indent="-228600" algn="l" defTabSz="457200" rtl="0" eaLnBrk="1" latinLnBrk="0" hangingPunct="1">
-              <a:spcBef>
-                <a:spcPts val="1000"/>
-              </a:spcBef>
-              <a:spcAft>
-                <a:spcPts val="0"/>
-              </a:spcAft>
-              <a:buClr>
-                <a:schemeClr val="accent1"/>
-              </a:buClr>
-              <a:buFont typeface="Wingdings 3" charset="2"/>
-              <a:buChar char=""/>
-              <a:defRPr sz="1200" kern="1200">
-                <a:solidFill>
-                  <a:schemeClr val="tx1">
-                    <a:lumMod val="75000"/>
-                    <a:lumOff val="25000"/>
-                  </a:schemeClr>
-                </a:solidFill>
-                <a:latin typeface="+mn-lt"/>
-                <a:ea typeface="+mn-ea"/>
-                <a:cs typeface="+mn-cs"/>
-              </a:defRPr>
-            </a:lvl6pPr>
-            <a:lvl7pPr marL="2971800" indent="-228600" algn="l" defTabSz="457200" rtl="0" eaLnBrk="1" latinLnBrk="0" hangingPunct="1">
-              <a:spcBef>
-                <a:spcPts val="1000"/>
-              </a:spcBef>
-              <a:spcAft>
-                <a:spcPts val="0"/>
-              </a:spcAft>
-              <a:buClr>
-                <a:schemeClr val="accent1"/>
-              </a:buClr>
-              <a:buFont typeface="Wingdings 3" charset="2"/>
-              <a:buChar char=""/>
-              <a:defRPr sz="1200" kern="1200">
-                <a:solidFill>
-                  <a:schemeClr val="tx1">
-                    <a:lumMod val="75000"/>
-                    <a:lumOff val="25000"/>
-                  </a:schemeClr>
-                </a:solidFill>
-                <a:latin typeface="+mn-lt"/>
-                <a:ea typeface="+mn-ea"/>
-                <a:cs typeface="+mn-cs"/>
-              </a:defRPr>
-            </a:lvl7pPr>
-            <a:lvl8pPr marL="3429000" indent="-228600" algn="l" defTabSz="457200" rtl="0" eaLnBrk="1" latinLnBrk="0" hangingPunct="1">
-              <a:spcBef>
-                <a:spcPts val="1000"/>
-              </a:spcBef>
-              <a:spcAft>
-                <a:spcPts val="0"/>
-              </a:spcAft>
-              <a:buClr>
-                <a:schemeClr val="accent1"/>
-              </a:buClr>
-              <a:buFont typeface="Wingdings 3" charset="2"/>
-              <a:buChar char=""/>
-              <a:defRPr sz="1200" kern="1200">
-                <a:solidFill>
-                  <a:schemeClr val="tx1">
-                    <a:lumMod val="75000"/>
-                    <a:lumOff val="25000"/>
-                  </a:schemeClr>
-                </a:solidFill>
-                <a:latin typeface="+mn-lt"/>
-                <a:ea typeface="+mn-ea"/>
-                <a:cs typeface="+mn-cs"/>
-              </a:defRPr>
-            </a:lvl8pPr>
-            <a:lvl9pPr marL="3886200" indent="-228600" algn="l" defTabSz="457200" rtl="0" eaLnBrk="1" latinLnBrk="0" hangingPunct="1">
-              <a:spcBef>
-                <a:spcPts val="1000"/>
-              </a:spcBef>
-              <a:spcAft>
-                <a:spcPts val="0"/>
-              </a:spcAft>
-              <a:buClr>
-                <a:schemeClr val="accent1"/>
-              </a:buClr>
-              <a:buFont typeface="Wingdings 3" charset="2"/>
-              <a:buChar char=""/>
-              <a:defRPr sz="1200" kern="1200">
-                <a:solidFill>
-                  <a:schemeClr val="tx1">
-                    <a:lumMod val="75000"/>
-                    <a:lumOff val="25000"/>
-                  </a:schemeClr>
-                </a:solidFill>
-                <a:latin typeface="+mn-lt"/>
-                <a:ea typeface="+mn-ea"/>
-                <a:cs typeface="+mn-cs"/>
-              </a:defRPr>
-            </a:lvl9pPr>
-          </a:lstStyle>
-          <a:p>
-            <a:pPr marL="0" indent="0" algn="just" rtl="0">
-              <a:spcBef>
-                <a:spcPts val="500"/>
-              </a:spcBef>
-              <a:spcAft>
-                <a:spcPts val="0"/>
-              </a:spcAft>
-              <a:buNone/>
-            </a:pPr>
-            <a:r>
-              <a:rPr lang="pt-BR" sz="2000" b="0" i="0" u="none" strike="noStrike" dirty="0">
+          <a:lstStyle/>
+          <a:p>
+            <a:pPr algn="just"/>
+            <a:r>
+              <a:rPr lang="pt-BR" dirty="0">
                 <a:solidFill>
                   <a:schemeClr val="tx1"/>
                 </a:solidFill>
-                <a:effectLst/>
               </a:rPr>
-              <a:t>Utilizaremos uma API que utiliza bibliotecas públicas para detectar vários objetos em uma imagem enviada, a principal biblioteca utilizada será a do </a:t>
-            </a:r>
-            <a:r>
-              <a:rPr lang="pt-BR" sz="2000" b="0" i="0" u="none" strike="noStrike" dirty="0" err="1">
-                <a:solidFill>
-                  <a:schemeClr val="tx1"/>
-                </a:solidFill>
-                <a:effectLst/>
-              </a:rPr>
-              <a:t>TensorFlow</a:t>
-            </a:r>
-            <a:r>
-              <a:rPr lang="pt-BR" sz="2000" b="0" i="0" u="none" strike="noStrike" dirty="0">
-                <a:solidFill>
-                  <a:schemeClr val="tx1"/>
-                </a:solidFill>
-                <a:effectLst/>
-              </a:rPr>
-              <a:t>, pois é uma biblioteca de aprendizado de máquina de código aberto (fornecida pela Google),O </a:t>
-            </a:r>
-            <a:r>
-              <a:rPr lang="pt-BR" sz="2000" b="0" i="0" u="none" strike="noStrike" dirty="0" err="1">
-                <a:solidFill>
-                  <a:schemeClr val="tx1"/>
-                </a:solidFill>
-                <a:effectLst/>
-              </a:rPr>
-              <a:t>TensorFlow</a:t>
-            </a:r>
-            <a:r>
-              <a:rPr lang="pt-BR" sz="2000" b="0" i="0" u="none" strike="noStrike" dirty="0">
-                <a:solidFill>
-                  <a:schemeClr val="tx1"/>
-                </a:solidFill>
-                <a:effectLst/>
-              </a:rPr>
-              <a:t> é executado em vários computadores para distribuir as cargas de trabalho de treinamento.</a:t>
-            </a:r>
-          </a:p>
-          <a:p>
-            <a:pPr marL="0" indent="0" algn="just" rtl="0">
-              <a:spcBef>
-                <a:spcPts val="500"/>
-              </a:spcBef>
-              <a:spcAft>
-                <a:spcPts val="0"/>
-              </a:spcAft>
-              <a:buNone/>
-            </a:pPr>
-            <a:endParaRPr lang="pt-BR" sz="2000" b="0" dirty="0">
-              <a:solidFill>
-                <a:schemeClr val="tx1"/>
-              </a:solidFill>
-              <a:effectLst/>
-            </a:endParaRPr>
-          </a:p>
-          <a:p>
-            <a:pPr marL="0" indent="0" algn="just" rtl="0">
-              <a:spcBef>
-                <a:spcPts val="0"/>
-              </a:spcBef>
-              <a:spcAft>
-                <a:spcPts val="500"/>
-              </a:spcAft>
-              <a:buNone/>
-            </a:pPr>
-            <a:r>
-              <a:rPr lang="pt-BR" sz="2000" b="0" i="0" u="none" strike="noStrike" dirty="0">
-                <a:solidFill>
-                  <a:schemeClr val="tx1"/>
-                </a:solidFill>
-                <a:effectLst/>
-              </a:rPr>
-              <a:t>API Object Detection é uma estrutura que facilita a construção, o treinamento e a implantação de modelos de detecção de objetos. Ela fornece modelos de detecção de objetos </a:t>
-            </a:r>
-            <a:r>
-              <a:rPr lang="pt-BR" sz="2000" b="0" i="0" u="none" strike="noStrike" dirty="0" err="1">
-                <a:solidFill>
-                  <a:schemeClr val="tx1"/>
-                </a:solidFill>
-                <a:effectLst/>
-              </a:rPr>
-              <a:t>pré</a:t>
-            </a:r>
-            <a:r>
-              <a:rPr lang="pt-BR" sz="2000" b="0" i="0" u="none" strike="noStrike" dirty="0">
-                <a:solidFill>
-                  <a:schemeClr val="tx1"/>
-                </a:solidFill>
-                <a:effectLst/>
-              </a:rPr>
-              <a:t>-treinados para usuários que executam </a:t>
-            </a:r>
-            <a:r>
-              <a:rPr lang="pt-BR" sz="2000" b="0" i="0" u="none" strike="noStrike" dirty="0" err="1">
-                <a:solidFill>
-                  <a:schemeClr val="tx1"/>
-                </a:solidFill>
-                <a:effectLst/>
-              </a:rPr>
-              <a:t>jobs</a:t>
-            </a:r>
-            <a:r>
-              <a:rPr lang="pt-BR" sz="2000" b="0" i="0" u="none" strike="noStrike" dirty="0">
-                <a:solidFill>
-                  <a:schemeClr val="tx1"/>
-                </a:solidFill>
-                <a:effectLst/>
-              </a:rPr>
-              <a:t> de inferência. Os usuários não precisam treinar modelos a partir do zero.</a:t>
-            </a:r>
-            <a:endParaRPr lang="pt-BR" sz="2000" b="0" dirty="0">
-              <a:solidFill>
-                <a:schemeClr val="tx1"/>
-              </a:solidFill>
-              <a:effectLst/>
-            </a:endParaRPr>
-          </a:p>
-          <a:p>
-            <a:pPr marL="0" indent="0" algn="just">
-              <a:buNone/>
-            </a:pPr>
-            <a:br>
-              <a:rPr lang="pt-BR" sz="2000" dirty="0">
-                <a:solidFill>
-                  <a:schemeClr val="tx1"/>
-                </a:solidFill>
-              </a:rPr>
-            </a:br>
-            <a:endParaRPr lang="pt-BR" sz="2400" dirty="0">
-              <a:solidFill>
-                <a:schemeClr val="tx1"/>
-              </a:solidFill>
-            </a:endParaRPr>
+              <a:t>Porém tal método possui algumas limitações: o ambiente nas duas imagens tem que possuir uma iluminação constante, o tempo entre as duas imagens tem que ser pequeno o suficiente para pegar apenas uma silhueta do objeto e não um borrão do mesmo e grande o suficiente para ser possível a observação do movimento. Uma possível melhora para esse método é a utilização de mais imagens, onde as diferenças entre elas são acumulativas, gerando uma imagem mais nítida do objeto e diminuindo os ruídos da imagem.</a:t>
+            </a:r>
           </a:p>
         </p:txBody>
       </p:sp>
       <p:pic>
         <p:nvPicPr>
-          <p:cNvPr id="7" name="Picture 2" descr="https://lh4.googleusercontent.com/5Rwe-hedv2zoUCJ7yVpYSv5dHvCHmP7_N-VQn_XWiI_mGPc7hzOabq8GesVXalU4R6t1mtMjZ6muxkuoLuxr_Bu2t0KDQWAgGThdKNWV1l_u8wpZm2I61j6SBhNGJl0XNTZYsvHI">
+          <p:cNvPr id="5" name="Picture 2" descr="https://lh4.googleusercontent.com/5Rwe-hedv2zoUCJ7yVpYSv5dHvCHmP7_N-VQn_XWiI_mGPc7hzOabq8GesVXalU4R6t1mtMjZ6muxkuoLuxr_Bu2t0KDQWAgGThdKNWV1l_u8wpZm2I61j6SBhNGJl0XNTZYsvHI">
             <a:extLst>
               <a:ext uri="{FF2B5EF4-FFF2-40B4-BE49-F238E27FC236}">
-                <a16:creationId xmlns:a16="http://schemas.microsoft.com/office/drawing/2014/main" id="{676EB3D3-A56B-4459-9954-A80CEEC33FCA}"/>
+                <a16:creationId xmlns:a16="http://schemas.microsoft.com/office/drawing/2014/main" id="{5768785B-A60B-4F3A-990D-94EF2445BF25}"/>
               </a:ext>
             </a:extLst>
           </p:cNvPr>
@@ -6026,10 +5655,10 @@
       </p:pic>
       <p:pic>
         <p:nvPicPr>
-          <p:cNvPr id="9" name="Picture 4" descr="Caracas Geek Fest">
+          <p:cNvPr id="7" name="Picture 4" descr="Caracas Geek Fest">
             <a:extLst>
               <a:ext uri="{FF2B5EF4-FFF2-40B4-BE49-F238E27FC236}">
-                <a16:creationId xmlns:a16="http://schemas.microsoft.com/office/drawing/2014/main" id="{3BDDC940-DBE9-4C2D-8C00-59412A360DEF}"/>
+                <a16:creationId xmlns:a16="http://schemas.microsoft.com/office/drawing/2014/main" id="{AD0CE2D3-939F-4310-9597-5549D00482F2}"/>
               </a:ext>
             </a:extLst>
           </p:cNvPr>
@@ -6072,7 +5701,7 @@
     </p:spTree>
     <p:extLst>
       <p:ext uri="{BB962C8B-B14F-4D97-AF65-F5344CB8AC3E}">
-        <p14:creationId xmlns:p14="http://schemas.microsoft.com/office/powerpoint/2010/main" val="3526475491"/>
+        <p14:creationId xmlns:p14="http://schemas.microsoft.com/office/powerpoint/2010/main" val="1896773973"/>
       </p:ext>
     </p:extLst>
   </p:cSld>
@@ -6104,7 +5733,7 @@
           <p:cNvPr id="2" name="Título 1">
             <a:extLst>
               <a:ext uri="{FF2B5EF4-FFF2-40B4-BE49-F238E27FC236}">
-                <a16:creationId xmlns:a16="http://schemas.microsoft.com/office/drawing/2014/main" id="{A5E83254-8287-4899-A5B8-FDD62299F4B0}"/>
+                <a16:creationId xmlns:a16="http://schemas.microsoft.com/office/drawing/2014/main" id="{FDF998FF-A72C-4AFD-BB81-842876A9105E}"/>
               </a:ext>
             </a:extLst>
           </p:cNvPr>
@@ -6117,8 +5746,8 @@
         </p:nvSpPr>
         <p:spPr>
           <a:xfrm>
-            <a:off x="1097280" y="1006162"/>
-            <a:ext cx="10058400" cy="731198"/>
+            <a:off x="1190451" y="847860"/>
+            <a:ext cx="8911687" cy="886804"/>
           </a:xfrm>
         </p:spPr>
         <p:txBody>
@@ -6131,108 +5760,416 @@
                   <a:schemeClr val="tx1"/>
                 </a:solidFill>
               </a:rPr>
-              <a:t>Referências</a:t>
+              <a:t>Detecção de Objetos</a:t>
             </a:r>
           </a:p>
         </p:txBody>
       </p:sp>
       <p:sp>
         <p:nvSpPr>
-          <p:cNvPr id="14" name="Espaço Reservado para Conteúdo 13">
+          <p:cNvPr id="4" name="Espaço Reservado para Conteúdo 2">
             <a:extLst>
               <a:ext uri="{FF2B5EF4-FFF2-40B4-BE49-F238E27FC236}">
-                <a16:creationId xmlns:a16="http://schemas.microsoft.com/office/drawing/2014/main" id="{B1F78622-9558-4D5A-A0D0-5984463AF6B3}"/>
+                <a16:creationId xmlns:a16="http://schemas.microsoft.com/office/drawing/2014/main" id="{E53DDFE0-2451-43AB-A563-5D047F09792E}"/>
               </a:ext>
             </a:extLst>
           </p:cNvPr>
-          <p:cNvSpPr>
-            <a:spLocks noGrp="1"/>
+          <p:cNvSpPr txBox="1">
+            <a:spLocks/>
           </p:cNvSpPr>
-          <p:nvPr>
-            <p:ph idx="1"/>
-          </p:nvPr>
-        </p:nvSpPr>
-        <p:spPr/>
+          <p:nvPr/>
+        </p:nvSpPr>
+        <p:spPr>
+          <a:xfrm>
+            <a:off x="1190451" y="1943962"/>
+            <a:ext cx="10052172" cy="2927841"/>
+          </a:xfrm>
+          <a:prstGeom prst="rect">
+            <a:avLst/>
+          </a:prstGeom>
+        </p:spPr>
         <p:txBody>
-          <a:bodyPr>
-            <a:normAutofit/>
+          <a:bodyPr vert="horz" lIns="91440" tIns="45720" rIns="91440" bIns="45720" rtlCol="0">
+            <a:noAutofit/>
           </a:bodyPr>
-          <a:lstStyle/>
-          <a:p>
-            <a:pPr algn="just"/>
-            <a:r>
-              <a:rPr lang="pt-BR" dirty="0">
-                <a:solidFill>
-                  <a:schemeClr val="tx1"/>
-                </a:solidFill>
-              </a:rPr>
-              <a:t>http://gec.di.uminho.pt/lesi/vpc0304/Aula07Segmenta%C3%A7%C3%A3o.pdf</a:t>
-            </a:r>
-          </a:p>
-          <a:p>
-            <a:pPr algn="just"/>
-            <a:r>
-              <a:rPr lang="pt-BR" dirty="0">
-                <a:solidFill>
-                  <a:schemeClr val="tx1"/>
-                </a:solidFill>
-              </a:rPr>
-              <a:t>http://mtc-m16c.sid.inpe.br/col/sid.inpe.br/mtc-m18@80/2010/06.22.18.13/doc/106003.pdf</a:t>
-            </a:r>
-          </a:p>
-          <a:p>
-            <a:pPr algn="just"/>
-            <a:r>
-              <a:rPr lang="pt-BR" dirty="0">
-                <a:solidFill>
-                  <a:schemeClr val="tx1"/>
-                </a:solidFill>
-              </a:rPr>
-              <a:t>https://ieeexplore.ieee.org/document/1335450</a:t>
-            </a:r>
-          </a:p>
-          <a:p>
-            <a:pPr algn="just"/>
-            <a:r>
-              <a:rPr lang="pt-BR" b="0" i="0" u="none" strike="noStrike" dirty="0">
+          <a:lstStyle>
+            <a:lvl1pPr marL="342900" indent="-342900" algn="l" defTabSz="457200" rtl="0" eaLnBrk="1" latinLnBrk="0" hangingPunct="1">
+              <a:spcBef>
+                <a:spcPts val="1000"/>
+              </a:spcBef>
+              <a:spcAft>
+                <a:spcPts val="0"/>
+              </a:spcAft>
+              <a:buClr>
+                <a:schemeClr val="accent1"/>
+              </a:buClr>
+              <a:buFont typeface="Wingdings 3" charset="2"/>
+              <a:buChar char=""/>
+              <a:defRPr sz="1800" kern="1200">
+                <a:solidFill>
+                  <a:schemeClr val="tx1">
+                    <a:lumMod val="75000"/>
+                    <a:lumOff val="25000"/>
+                  </a:schemeClr>
+                </a:solidFill>
+                <a:latin typeface="+mn-lt"/>
+                <a:ea typeface="+mn-ea"/>
+                <a:cs typeface="+mn-cs"/>
+              </a:defRPr>
+            </a:lvl1pPr>
+            <a:lvl2pPr marL="742950" indent="-285750" algn="l" defTabSz="457200" rtl="0" eaLnBrk="1" latinLnBrk="0" hangingPunct="1">
+              <a:spcBef>
+                <a:spcPts val="1000"/>
+              </a:spcBef>
+              <a:spcAft>
+                <a:spcPts val="0"/>
+              </a:spcAft>
+              <a:buClr>
+                <a:schemeClr val="accent1"/>
+              </a:buClr>
+              <a:buFont typeface="Wingdings 3" charset="2"/>
+              <a:buChar char=""/>
+              <a:defRPr sz="1600" kern="1200">
+                <a:solidFill>
+                  <a:schemeClr val="tx1">
+                    <a:lumMod val="75000"/>
+                    <a:lumOff val="25000"/>
+                  </a:schemeClr>
+                </a:solidFill>
+                <a:latin typeface="+mn-lt"/>
+                <a:ea typeface="+mn-ea"/>
+                <a:cs typeface="+mn-cs"/>
+              </a:defRPr>
+            </a:lvl2pPr>
+            <a:lvl3pPr marL="1143000" indent="-228600" algn="l" defTabSz="457200" rtl="0" eaLnBrk="1" latinLnBrk="0" hangingPunct="1">
+              <a:spcBef>
+                <a:spcPts val="1000"/>
+              </a:spcBef>
+              <a:spcAft>
+                <a:spcPts val="0"/>
+              </a:spcAft>
+              <a:buClr>
+                <a:schemeClr val="accent1"/>
+              </a:buClr>
+              <a:buFont typeface="Wingdings 3" charset="2"/>
+              <a:buChar char=""/>
+              <a:defRPr sz="1400" kern="1200">
+                <a:solidFill>
+                  <a:schemeClr val="tx1">
+                    <a:lumMod val="75000"/>
+                    <a:lumOff val="25000"/>
+                  </a:schemeClr>
+                </a:solidFill>
+                <a:latin typeface="+mn-lt"/>
+                <a:ea typeface="+mn-ea"/>
+                <a:cs typeface="+mn-cs"/>
+              </a:defRPr>
+            </a:lvl3pPr>
+            <a:lvl4pPr marL="1600200" indent="-228600" algn="l" defTabSz="457200" rtl="0" eaLnBrk="1" latinLnBrk="0" hangingPunct="1">
+              <a:spcBef>
+                <a:spcPts val="1000"/>
+              </a:spcBef>
+              <a:spcAft>
+                <a:spcPts val="0"/>
+              </a:spcAft>
+              <a:buClr>
+                <a:schemeClr val="accent1"/>
+              </a:buClr>
+              <a:buFont typeface="Wingdings 3" charset="2"/>
+              <a:buChar char=""/>
+              <a:defRPr sz="1200" kern="1200">
+                <a:solidFill>
+                  <a:schemeClr val="tx1">
+                    <a:lumMod val="75000"/>
+                    <a:lumOff val="25000"/>
+                  </a:schemeClr>
+                </a:solidFill>
+                <a:latin typeface="+mn-lt"/>
+                <a:ea typeface="+mn-ea"/>
+                <a:cs typeface="+mn-cs"/>
+              </a:defRPr>
+            </a:lvl4pPr>
+            <a:lvl5pPr marL="2057400" indent="-228600" algn="l" defTabSz="457200" rtl="0" eaLnBrk="1" latinLnBrk="0" hangingPunct="1">
+              <a:spcBef>
+                <a:spcPts val="1000"/>
+              </a:spcBef>
+              <a:spcAft>
+                <a:spcPts val="0"/>
+              </a:spcAft>
+              <a:buClr>
+                <a:schemeClr val="accent1"/>
+              </a:buClr>
+              <a:buFont typeface="Wingdings 3" charset="2"/>
+              <a:buChar char=""/>
+              <a:defRPr sz="1200" kern="1200">
+                <a:solidFill>
+                  <a:schemeClr val="tx1">
+                    <a:lumMod val="75000"/>
+                    <a:lumOff val="25000"/>
+                  </a:schemeClr>
+                </a:solidFill>
+                <a:latin typeface="+mn-lt"/>
+                <a:ea typeface="+mn-ea"/>
+                <a:cs typeface="+mn-cs"/>
+              </a:defRPr>
+            </a:lvl5pPr>
+            <a:lvl6pPr marL="2514600" indent="-228600" algn="l" defTabSz="457200" rtl="0" eaLnBrk="1" latinLnBrk="0" hangingPunct="1">
+              <a:spcBef>
+                <a:spcPts val="1000"/>
+              </a:spcBef>
+              <a:spcAft>
+                <a:spcPts val="0"/>
+              </a:spcAft>
+              <a:buClr>
+                <a:schemeClr val="accent1"/>
+              </a:buClr>
+              <a:buFont typeface="Wingdings 3" charset="2"/>
+              <a:buChar char=""/>
+              <a:defRPr sz="1200" kern="1200">
+                <a:solidFill>
+                  <a:schemeClr val="tx1">
+                    <a:lumMod val="75000"/>
+                    <a:lumOff val="25000"/>
+                  </a:schemeClr>
+                </a:solidFill>
+                <a:latin typeface="+mn-lt"/>
+                <a:ea typeface="+mn-ea"/>
+                <a:cs typeface="+mn-cs"/>
+              </a:defRPr>
+            </a:lvl6pPr>
+            <a:lvl7pPr marL="2971800" indent="-228600" algn="l" defTabSz="457200" rtl="0" eaLnBrk="1" latinLnBrk="0" hangingPunct="1">
+              <a:spcBef>
+                <a:spcPts val="1000"/>
+              </a:spcBef>
+              <a:spcAft>
+                <a:spcPts val="0"/>
+              </a:spcAft>
+              <a:buClr>
+                <a:schemeClr val="accent1"/>
+              </a:buClr>
+              <a:buFont typeface="Wingdings 3" charset="2"/>
+              <a:buChar char=""/>
+              <a:defRPr sz="1200" kern="1200">
+                <a:solidFill>
+                  <a:schemeClr val="tx1">
+                    <a:lumMod val="75000"/>
+                    <a:lumOff val="25000"/>
+                  </a:schemeClr>
+                </a:solidFill>
+                <a:latin typeface="+mn-lt"/>
+                <a:ea typeface="+mn-ea"/>
+                <a:cs typeface="+mn-cs"/>
+              </a:defRPr>
+            </a:lvl7pPr>
+            <a:lvl8pPr marL="3429000" indent="-228600" algn="l" defTabSz="457200" rtl="0" eaLnBrk="1" latinLnBrk="0" hangingPunct="1">
+              <a:spcBef>
+                <a:spcPts val="1000"/>
+              </a:spcBef>
+              <a:spcAft>
+                <a:spcPts val="0"/>
+              </a:spcAft>
+              <a:buClr>
+                <a:schemeClr val="accent1"/>
+              </a:buClr>
+              <a:buFont typeface="Wingdings 3" charset="2"/>
+              <a:buChar char=""/>
+              <a:defRPr sz="1200" kern="1200">
+                <a:solidFill>
+                  <a:schemeClr val="tx1">
+                    <a:lumMod val="75000"/>
+                    <a:lumOff val="25000"/>
+                  </a:schemeClr>
+                </a:solidFill>
+                <a:latin typeface="+mn-lt"/>
+                <a:ea typeface="+mn-ea"/>
+                <a:cs typeface="+mn-cs"/>
+              </a:defRPr>
+            </a:lvl8pPr>
+            <a:lvl9pPr marL="3886200" indent="-228600" algn="l" defTabSz="457200" rtl="0" eaLnBrk="1" latinLnBrk="0" hangingPunct="1">
+              <a:spcBef>
+                <a:spcPts val="1000"/>
+              </a:spcBef>
+              <a:spcAft>
+                <a:spcPts val="0"/>
+              </a:spcAft>
+              <a:buClr>
+                <a:schemeClr val="accent1"/>
+              </a:buClr>
+              <a:buFont typeface="Wingdings 3" charset="2"/>
+              <a:buChar char=""/>
+              <a:defRPr sz="1200" kern="1200">
+                <a:solidFill>
+                  <a:schemeClr val="tx1">
+                    <a:lumMod val="75000"/>
+                    <a:lumOff val="25000"/>
+                  </a:schemeClr>
+                </a:solidFill>
+                <a:latin typeface="+mn-lt"/>
+                <a:ea typeface="+mn-ea"/>
+                <a:cs typeface="+mn-cs"/>
+              </a:defRPr>
+            </a:lvl9pPr>
+          </a:lstStyle>
+          <a:p>
+            <a:pPr marL="0" indent="0" algn="just" rtl="0">
+              <a:spcBef>
+                <a:spcPts val="500"/>
+              </a:spcBef>
+              <a:spcAft>
+                <a:spcPts val="0"/>
+              </a:spcAft>
+              <a:buNone/>
+            </a:pPr>
+            <a:r>
+              <a:rPr lang="pt-BR" sz="2000" b="0" i="0" u="none" strike="noStrike" dirty="0">
                 <a:solidFill>
                   <a:schemeClr val="tx1"/>
                 </a:solidFill>
                 <a:effectLst/>
               </a:rPr>
-              <a:t>https://mundoapi.com.br/materias/conheca-a-fantastica-google-cloud-vision-api-para-identificacao-de-objetos/</a:t>
-            </a:r>
-          </a:p>
-          <a:p>
-            <a:pPr algn="just"/>
-            <a:r>
-              <a:rPr lang="pt-BR" dirty="0">
+              <a:t>Utilizaremos uma API que utiliza bibliotecas públicas para detectar vários objetos em uma imagem enviada, a principal biblioteca utilizada será a do </a:t>
+            </a:r>
+            <a:r>
+              <a:rPr lang="pt-BR" sz="2000" b="0" i="0" u="none" strike="noStrike" dirty="0" err="1">
                 <a:solidFill>
                   <a:schemeClr val="tx1"/>
                 </a:solidFill>
+                <a:effectLst/>
               </a:rPr>
-              <a:t>https://pythonhelp.wordpress.com/2014/07/25/acessando-apis-rest-com-python/</a:t>
-            </a:r>
-          </a:p>
-          <a:p>
-            <a:pPr algn="just"/>
-            <a:r>
-              <a:rPr lang="pt-BR" dirty="0">
+              <a:t>TensorFlow</a:t>
+            </a:r>
+            <a:r>
+              <a:rPr lang="pt-BR" sz="2000" b="0" i="0" u="none" strike="noStrike" dirty="0">
                 <a:solidFill>
                   <a:schemeClr val="tx1"/>
                 </a:solidFill>
+                <a:effectLst/>
               </a:rPr>
-              <a:t>https://pt.wikipedia.org/wiki/OpenCV</a:t>
-            </a:r>
+              <a:t>, pois é uma biblioteca de aprendizado de máquina de código aberto (fornecida pela Google),O </a:t>
+            </a:r>
+            <a:r>
+              <a:rPr lang="pt-BR" sz="2000" b="0" i="0" u="none" strike="noStrike" dirty="0" err="1">
+                <a:solidFill>
+                  <a:schemeClr val="tx1"/>
+                </a:solidFill>
+                <a:effectLst/>
+              </a:rPr>
+              <a:t>TensorFlow</a:t>
+            </a:r>
+            <a:r>
+              <a:rPr lang="pt-BR" sz="2000" b="0" i="0" u="none" strike="noStrike" dirty="0">
+                <a:solidFill>
+                  <a:schemeClr val="tx1"/>
+                </a:solidFill>
+                <a:effectLst/>
+              </a:rPr>
+              <a:t> é executado em vários computadores para distribuir as cargas de trabalho de treinamento.</a:t>
+            </a:r>
+          </a:p>
+          <a:p>
+            <a:pPr marL="0" indent="0" algn="just" rtl="0">
+              <a:spcBef>
+                <a:spcPts val="500"/>
+              </a:spcBef>
+              <a:spcAft>
+                <a:spcPts val="0"/>
+              </a:spcAft>
+              <a:buNone/>
+            </a:pPr>
+            <a:endParaRPr lang="pt-BR" sz="2000" b="0" dirty="0">
+              <a:solidFill>
+                <a:schemeClr val="tx1"/>
+              </a:solidFill>
+              <a:effectLst/>
+            </a:endParaRPr>
+          </a:p>
+          <a:p>
+            <a:pPr marL="0" indent="0" algn="just" rtl="0">
+              <a:spcBef>
+                <a:spcPts val="0"/>
+              </a:spcBef>
+              <a:spcAft>
+                <a:spcPts val="500"/>
+              </a:spcAft>
+              <a:buNone/>
+            </a:pPr>
+            <a:r>
+              <a:rPr lang="pt-BR" sz="2000" b="0" i="0" u="none" strike="noStrike" dirty="0">
+                <a:solidFill>
+                  <a:schemeClr val="tx1"/>
+                </a:solidFill>
+                <a:effectLst/>
+              </a:rPr>
+              <a:t>API Object Detection é uma estrutura que facilita a construção, o treinamento e a implantação de modelos de detecção de objetos. Ela fornece modelos de detecção de objetos </a:t>
+            </a:r>
+            <a:r>
+              <a:rPr lang="pt-BR" sz="2000" b="0" i="0" u="none" strike="noStrike" dirty="0" err="1">
+                <a:solidFill>
+                  <a:schemeClr val="tx1"/>
+                </a:solidFill>
+                <a:effectLst/>
+              </a:rPr>
+              <a:t>pré</a:t>
+            </a:r>
+            <a:r>
+              <a:rPr lang="pt-BR" sz="2000" b="0" i="0" u="none" strike="noStrike" dirty="0">
+                <a:solidFill>
+                  <a:schemeClr val="tx1"/>
+                </a:solidFill>
+                <a:effectLst/>
+              </a:rPr>
+              <a:t>-treinados para usuários que executam </a:t>
+            </a:r>
+            <a:r>
+              <a:rPr lang="pt-BR" sz="2000" b="0" i="0" u="none" strike="noStrike" dirty="0" err="1">
+                <a:solidFill>
+                  <a:schemeClr val="tx1"/>
+                </a:solidFill>
+                <a:effectLst/>
+              </a:rPr>
+              <a:t>jobs</a:t>
+            </a:r>
+            <a:r>
+              <a:rPr lang="pt-BR" sz="2000" b="0" i="0" u="none" strike="noStrike" dirty="0">
+                <a:solidFill>
+                  <a:schemeClr val="tx1"/>
+                </a:solidFill>
+                <a:effectLst/>
+              </a:rPr>
+              <a:t> de inferência. Os usuários não precisam treinar modelos a partir do zero.</a:t>
+            </a:r>
+            <a:endParaRPr lang="pt-BR" sz="2000" b="0" dirty="0">
+              <a:solidFill>
+                <a:schemeClr val="tx1"/>
+              </a:solidFill>
+              <a:effectLst/>
+            </a:endParaRPr>
+          </a:p>
+          <a:p>
+            <a:pPr marL="0" indent="0" algn="just">
+              <a:buNone/>
+            </a:pPr>
+            <a:br>
+              <a:rPr lang="pt-BR" sz="2000" dirty="0">
+                <a:solidFill>
+                  <a:schemeClr val="tx1"/>
+                </a:solidFill>
+              </a:rPr>
+            </a:br>
+            <a:endParaRPr lang="pt-BR" sz="2400" dirty="0">
+              <a:solidFill>
+                <a:schemeClr val="tx1"/>
+              </a:solidFill>
+            </a:endParaRPr>
           </a:p>
         </p:txBody>
       </p:sp>
       <p:pic>
         <p:nvPicPr>
-          <p:cNvPr id="3" name="Picture 2" descr="https://lh4.googleusercontent.com/5Rwe-hedv2zoUCJ7yVpYSv5dHvCHmP7_N-VQn_XWiI_mGPc7hzOabq8GesVXalU4R6t1mtMjZ6muxkuoLuxr_Bu2t0KDQWAgGThdKNWV1l_u8wpZm2I61j6SBhNGJl0XNTZYsvHI">
+          <p:cNvPr id="7" name="Picture 2" descr="https://lh4.googleusercontent.com/5Rwe-hedv2zoUCJ7yVpYSv5dHvCHmP7_N-VQn_XWiI_mGPc7hzOabq8GesVXalU4R6t1mtMjZ6muxkuoLuxr_Bu2t0KDQWAgGThdKNWV1l_u8wpZm2I61j6SBhNGJl0XNTZYsvHI">
             <a:extLst>
               <a:ext uri="{FF2B5EF4-FFF2-40B4-BE49-F238E27FC236}">
-                <a16:creationId xmlns:a16="http://schemas.microsoft.com/office/drawing/2014/main" id="{A3519F01-BDC3-46F1-8152-FC98283A65A9}"/>
+                <a16:creationId xmlns:a16="http://schemas.microsoft.com/office/drawing/2014/main" id="{676EB3D3-A56B-4459-9954-A80CEEC33FCA}"/>
               </a:ext>
             </a:extLst>
           </p:cNvPr>
@@ -6318,10 +6255,10 @@
       </p:pic>
       <p:pic>
         <p:nvPicPr>
-          <p:cNvPr id="5" name="Picture 4" descr="Caracas Geek Fest">
+          <p:cNvPr id="9" name="Picture 4" descr="Caracas Geek Fest">
             <a:extLst>
               <a:ext uri="{FF2B5EF4-FFF2-40B4-BE49-F238E27FC236}">
-                <a16:creationId xmlns:a16="http://schemas.microsoft.com/office/drawing/2014/main" id="{F51CBCA2-5A49-40B8-AD62-A154655F7014}"/>
+                <a16:creationId xmlns:a16="http://schemas.microsoft.com/office/drawing/2014/main" id="{3BDDC940-DBE9-4C2D-8C00-59412A360DEF}"/>
               </a:ext>
             </a:extLst>
           </p:cNvPr>
@@ -6364,7 +6301,7 @@
     </p:spTree>
     <p:extLst>
       <p:ext uri="{BB962C8B-B14F-4D97-AF65-F5344CB8AC3E}">
-        <p14:creationId xmlns:p14="http://schemas.microsoft.com/office/powerpoint/2010/main" val="2060476516"/>
+        <p14:creationId xmlns:p14="http://schemas.microsoft.com/office/powerpoint/2010/main" val="3526475491"/>
       </p:ext>
     </p:extLst>
   </p:cSld>
@@ -6374,7 +6311,7 @@
 </p:sld>
 </file>
 
-<file path=ppt/slides/slide2.xml><?xml version="1.0" encoding="utf-8"?>
+<file path=ppt/slides/slide16.xml><?xml version="1.0" encoding="utf-8"?>
 <p:sld xmlns:a="http://schemas.openxmlformats.org/drawingml/2006/main" xmlns:r="http://schemas.openxmlformats.org/officeDocument/2006/relationships" xmlns:p="http://schemas.openxmlformats.org/presentationml/2006/main">
   <p:cSld>
     <p:spTree>
@@ -6396,7 +6333,7 @@
           <p:cNvPr id="2" name="Título 1">
             <a:extLst>
               <a:ext uri="{FF2B5EF4-FFF2-40B4-BE49-F238E27FC236}">
-                <a16:creationId xmlns:a16="http://schemas.microsoft.com/office/drawing/2014/main" id="{C9FF4D39-EE0F-4B75-BC1D-A8E6761336F4}"/>
+                <a16:creationId xmlns:a16="http://schemas.microsoft.com/office/drawing/2014/main" id="{A5E83254-8287-4899-A5B8-FDD62299F4B0}"/>
               </a:ext>
             </a:extLst>
           </p:cNvPr>
@@ -6409,8 +6346,8 @@
         </p:nvSpPr>
         <p:spPr>
           <a:xfrm>
-            <a:off x="1228819" y="928365"/>
-            <a:ext cx="8911687" cy="807125"/>
+            <a:off x="1097280" y="1006162"/>
+            <a:ext cx="10058400" cy="731198"/>
           </a:xfrm>
         </p:spPr>
         <p:txBody>
@@ -6423,17 +6360,17 @@
                   <a:schemeClr val="tx1"/>
                 </a:solidFill>
               </a:rPr>
-              <a:t>Introdução</a:t>
+              <a:t>Referências</a:t>
             </a:r>
           </a:p>
         </p:txBody>
       </p:sp>
       <p:sp>
         <p:nvSpPr>
-          <p:cNvPr id="3" name="Espaço Reservado para Conteúdo 2">
+          <p:cNvPr id="14" name="Espaço Reservado para Conteúdo 13">
             <a:extLst>
               <a:ext uri="{FF2B5EF4-FFF2-40B4-BE49-F238E27FC236}">
-                <a16:creationId xmlns:a16="http://schemas.microsoft.com/office/drawing/2014/main" id="{7EFBFF5A-5E38-4846-9A8C-FDB06AB4BE6A}"/>
+                <a16:creationId xmlns:a16="http://schemas.microsoft.com/office/drawing/2014/main" id="{B1F78622-9558-4D5A-A0D0-5984463AF6B3}"/>
               </a:ext>
             </a:extLst>
           </p:cNvPr>
@@ -6444,461 +6381,87 @@
             <p:ph idx="1"/>
           </p:nvPr>
         </p:nvSpPr>
-        <p:spPr>
-          <a:xfrm>
-            <a:off x="1094282" y="1819822"/>
-            <a:ext cx="10089662" cy="2675587"/>
-          </a:xfrm>
-          <a:noFill/>
-        </p:spPr>
+        <p:spPr/>
         <p:txBody>
           <a:bodyPr>
             <a:normAutofit/>
           </a:bodyPr>
           <a:lstStyle/>
           <a:p>
-            <a:pPr algn="just">
-              <a:lnSpc>
-                <a:spcPct val="100000"/>
-              </a:lnSpc>
-            </a:pPr>
+            <a:pPr algn="just"/>
             <a:r>
               <a:rPr lang="pt-BR" dirty="0">
                 <a:solidFill>
                   <a:schemeClr val="tx1"/>
                 </a:solidFill>
               </a:rPr>
-              <a:t>Atualmente na Fatec Carapicuíba os alunos conseguem informações sobre aulas e professores somente pelo site disponibilizado (SIGA e site oficial da Fatec Carapicuíba), entretanto há alunos que possuem dificuldades para realizar consultas sobre horário de aulas e professores. </a:t>
-            </a:r>
-          </a:p>
-          <a:p>
-            <a:pPr algn="just">
-              <a:lnSpc>
-                <a:spcPct val="100000"/>
-              </a:lnSpc>
-            </a:pPr>
+              <a:t>http://gec.di.uminho.pt/lesi/vpc0304/Aula07Segmenta%C3%A7%C3%A3o.pdf</a:t>
+            </a:r>
+          </a:p>
+          <a:p>
+            <a:pPr algn="just"/>
             <a:r>
               <a:rPr lang="pt-BR" dirty="0">
                 <a:solidFill>
                   <a:schemeClr val="tx1"/>
                 </a:solidFill>
               </a:rPr>
-              <a:t>Pensando nisso foi iniciado um projeto para que este problema seja solucionado de forma rápida e eficiente. O projeto nomeado “</a:t>
-            </a:r>
-            <a:r>
-              <a:rPr lang="pt-BR" dirty="0" err="1">
+              <a:t>http://mtc-m16c.sid.inpe.br/col/sid.inpe.br/mtc-m18@80/2010/06.22.18.13/doc/106003.pdf</a:t>
+            </a:r>
+          </a:p>
+          <a:p>
+            <a:pPr algn="just"/>
+            <a:r>
+              <a:rPr lang="pt-BR" dirty="0">
                 <a:solidFill>
                   <a:schemeClr val="tx1"/>
                 </a:solidFill>
               </a:rPr>
-              <a:t>Fatequino</a:t>
-            </a:r>
+              <a:t>https://ieeexplore.ieee.org/document/1335450</a:t>
+            </a:r>
+          </a:p>
+          <a:p>
+            <a:pPr algn="just"/>
+            <a:r>
+              <a:rPr lang="pt-BR" b="0" i="0" u="none" strike="noStrike" dirty="0">
+                <a:solidFill>
+                  <a:schemeClr val="tx1"/>
+                </a:solidFill>
+                <a:effectLst/>
+              </a:rPr>
+              <a:t>https://mundoapi.com.br/materias/conheca-a-fantastica-google-cloud-vision-api-para-identificacao-de-objetos/</a:t>
+            </a:r>
+          </a:p>
+          <a:p>
+            <a:pPr algn="just"/>
             <a:r>
               <a:rPr lang="pt-BR" dirty="0">
                 <a:solidFill>
                   <a:schemeClr val="tx1"/>
                 </a:solidFill>
               </a:rPr>
-              <a:t>”, possui esse propósito de auxiliar tanto alunos que não possuem conhecimento da instituição </a:t>
-            </a:r>
-            <a:r>
-              <a:rPr lang="pt-BR" dirty="0" err="1">
+              <a:t>https://pythonhelp.wordpress.com/2014/07/25/acessando-apis-rest-com-python/</a:t>
+            </a:r>
+          </a:p>
+          <a:p>
+            <a:pPr algn="just"/>
+            <a:r>
+              <a:rPr lang="pt-BR" dirty="0">
                 <a:solidFill>
                   <a:schemeClr val="tx1"/>
                 </a:solidFill>
               </a:rPr>
-              <a:t>ex</a:t>
-            </a:r>
-            <a:r>
-              <a:rPr lang="pt-BR" dirty="0">
-                <a:solidFill>
-                  <a:schemeClr val="tx1"/>
-                </a:solidFill>
-              </a:rPr>
-              <a:t>: novatos, novos professores e visitantes. Auxiliando-os e facilitando em suas buscas através de uma informação simples e rápida.  </a:t>
-            </a:r>
-          </a:p>
-        </p:txBody>
-      </p:sp>
-      <p:sp>
-        <p:nvSpPr>
-          <p:cNvPr id="5" name="Espaço Reservado para Conteúdo 2">
-            <a:extLst>
-              <a:ext uri="{FF2B5EF4-FFF2-40B4-BE49-F238E27FC236}">
-                <a16:creationId xmlns:a16="http://schemas.microsoft.com/office/drawing/2014/main" id="{8589167B-158C-4E9C-820C-D28FE4C5E498}"/>
-              </a:ext>
-            </a:extLst>
-          </p:cNvPr>
-          <p:cNvSpPr txBox="1">
-            <a:spLocks/>
-          </p:cNvSpPr>
-          <p:nvPr/>
-        </p:nvSpPr>
-        <p:spPr>
-          <a:xfrm>
-            <a:off x="1094282" y="5371575"/>
-            <a:ext cx="10089663" cy="1116120"/>
-          </a:xfrm>
-          <a:prstGeom prst="rect">
-            <a:avLst/>
-          </a:prstGeom>
-        </p:spPr>
-        <p:txBody>
-          <a:bodyPr vert="horz" lIns="91440" tIns="45720" rIns="91440" bIns="45720" rtlCol="0">
-            <a:normAutofit/>
-          </a:bodyPr>
-          <a:lstStyle>
-            <a:lvl1pPr marL="342900" indent="-342900" algn="l" defTabSz="457200" rtl="0" eaLnBrk="1" latinLnBrk="0" hangingPunct="1">
-              <a:spcBef>
-                <a:spcPts val="1000"/>
-              </a:spcBef>
-              <a:spcAft>
-                <a:spcPts val="0"/>
-              </a:spcAft>
-              <a:buClr>
-                <a:schemeClr val="accent1"/>
-              </a:buClr>
-              <a:buFont typeface="Wingdings 3" charset="2"/>
-              <a:buChar char=""/>
-              <a:defRPr sz="1800" kern="1200">
-                <a:solidFill>
-                  <a:schemeClr val="tx1">
-                    <a:lumMod val="75000"/>
-                    <a:lumOff val="25000"/>
-                  </a:schemeClr>
-                </a:solidFill>
-                <a:latin typeface="+mn-lt"/>
-                <a:ea typeface="+mn-ea"/>
-                <a:cs typeface="+mn-cs"/>
-              </a:defRPr>
-            </a:lvl1pPr>
-            <a:lvl2pPr marL="742950" indent="-285750" algn="l" defTabSz="457200" rtl="0" eaLnBrk="1" latinLnBrk="0" hangingPunct="1">
-              <a:spcBef>
-                <a:spcPts val="1000"/>
-              </a:spcBef>
-              <a:spcAft>
-                <a:spcPts val="0"/>
-              </a:spcAft>
-              <a:buClr>
-                <a:schemeClr val="accent1"/>
-              </a:buClr>
-              <a:buFont typeface="Wingdings 3" charset="2"/>
-              <a:buChar char=""/>
-              <a:defRPr sz="1600" kern="1200">
-                <a:solidFill>
-                  <a:schemeClr val="tx1">
-                    <a:lumMod val="75000"/>
-                    <a:lumOff val="25000"/>
-                  </a:schemeClr>
-                </a:solidFill>
-                <a:latin typeface="+mn-lt"/>
-                <a:ea typeface="+mn-ea"/>
-                <a:cs typeface="+mn-cs"/>
-              </a:defRPr>
-            </a:lvl2pPr>
-            <a:lvl3pPr marL="1143000" indent="-228600" algn="l" defTabSz="457200" rtl="0" eaLnBrk="1" latinLnBrk="0" hangingPunct="1">
-              <a:spcBef>
-                <a:spcPts val="1000"/>
-              </a:spcBef>
-              <a:spcAft>
-                <a:spcPts val="0"/>
-              </a:spcAft>
-              <a:buClr>
-                <a:schemeClr val="accent1"/>
-              </a:buClr>
-              <a:buFont typeface="Wingdings 3" charset="2"/>
-              <a:buChar char=""/>
-              <a:defRPr sz="1400" kern="1200">
-                <a:solidFill>
-                  <a:schemeClr val="tx1">
-                    <a:lumMod val="75000"/>
-                    <a:lumOff val="25000"/>
-                  </a:schemeClr>
-                </a:solidFill>
-                <a:latin typeface="+mn-lt"/>
-                <a:ea typeface="+mn-ea"/>
-                <a:cs typeface="+mn-cs"/>
-              </a:defRPr>
-            </a:lvl3pPr>
-            <a:lvl4pPr marL="1600200" indent="-228600" algn="l" defTabSz="457200" rtl="0" eaLnBrk="1" latinLnBrk="0" hangingPunct="1">
-              <a:spcBef>
-                <a:spcPts val="1000"/>
-              </a:spcBef>
-              <a:spcAft>
-                <a:spcPts val="0"/>
-              </a:spcAft>
-              <a:buClr>
-                <a:schemeClr val="accent1"/>
-              </a:buClr>
-              <a:buFont typeface="Wingdings 3" charset="2"/>
-              <a:buChar char=""/>
-              <a:defRPr sz="1200" kern="1200">
-                <a:solidFill>
-                  <a:schemeClr val="tx1">
-                    <a:lumMod val="75000"/>
-                    <a:lumOff val="25000"/>
-                  </a:schemeClr>
-                </a:solidFill>
-                <a:latin typeface="+mn-lt"/>
-                <a:ea typeface="+mn-ea"/>
-                <a:cs typeface="+mn-cs"/>
-              </a:defRPr>
-            </a:lvl4pPr>
-            <a:lvl5pPr marL="2057400" indent="-228600" algn="l" defTabSz="457200" rtl="0" eaLnBrk="1" latinLnBrk="0" hangingPunct="1">
-              <a:spcBef>
-                <a:spcPts val="1000"/>
-              </a:spcBef>
-              <a:spcAft>
-                <a:spcPts val="0"/>
-              </a:spcAft>
-              <a:buClr>
-                <a:schemeClr val="accent1"/>
-              </a:buClr>
-              <a:buFont typeface="Wingdings 3" charset="2"/>
-              <a:buChar char=""/>
-              <a:defRPr sz="1200" kern="1200">
-                <a:solidFill>
-                  <a:schemeClr val="tx1">
-                    <a:lumMod val="75000"/>
-                    <a:lumOff val="25000"/>
-                  </a:schemeClr>
-                </a:solidFill>
-                <a:latin typeface="+mn-lt"/>
-                <a:ea typeface="+mn-ea"/>
-                <a:cs typeface="+mn-cs"/>
-              </a:defRPr>
-            </a:lvl5pPr>
-            <a:lvl6pPr marL="2514600" indent="-228600" algn="l" defTabSz="457200" rtl="0" eaLnBrk="1" latinLnBrk="0" hangingPunct="1">
-              <a:spcBef>
-                <a:spcPts val="1000"/>
-              </a:spcBef>
-              <a:spcAft>
-                <a:spcPts val="0"/>
-              </a:spcAft>
-              <a:buClr>
-                <a:schemeClr val="accent1"/>
-              </a:buClr>
-              <a:buFont typeface="Wingdings 3" charset="2"/>
-              <a:buChar char=""/>
-              <a:defRPr sz="1200" kern="1200">
-                <a:solidFill>
-                  <a:schemeClr val="tx1">
-                    <a:lumMod val="75000"/>
-                    <a:lumOff val="25000"/>
-                  </a:schemeClr>
-                </a:solidFill>
-                <a:latin typeface="+mn-lt"/>
-                <a:ea typeface="+mn-ea"/>
-                <a:cs typeface="+mn-cs"/>
-              </a:defRPr>
-            </a:lvl6pPr>
-            <a:lvl7pPr marL="2971800" indent="-228600" algn="l" defTabSz="457200" rtl="0" eaLnBrk="1" latinLnBrk="0" hangingPunct="1">
-              <a:spcBef>
-                <a:spcPts val="1000"/>
-              </a:spcBef>
-              <a:spcAft>
-                <a:spcPts val="0"/>
-              </a:spcAft>
-              <a:buClr>
-                <a:schemeClr val="accent1"/>
-              </a:buClr>
-              <a:buFont typeface="Wingdings 3" charset="2"/>
-              <a:buChar char=""/>
-              <a:defRPr sz="1200" kern="1200">
-                <a:solidFill>
-                  <a:schemeClr val="tx1">
-                    <a:lumMod val="75000"/>
-                    <a:lumOff val="25000"/>
-                  </a:schemeClr>
-                </a:solidFill>
-                <a:latin typeface="+mn-lt"/>
-                <a:ea typeface="+mn-ea"/>
-                <a:cs typeface="+mn-cs"/>
-              </a:defRPr>
-            </a:lvl7pPr>
-            <a:lvl8pPr marL="3429000" indent="-228600" algn="l" defTabSz="457200" rtl="0" eaLnBrk="1" latinLnBrk="0" hangingPunct="1">
-              <a:spcBef>
-                <a:spcPts val="1000"/>
-              </a:spcBef>
-              <a:spcAft>
-                <a:spcPts val="0"/>
-              </a:spcAft>
-              <a:buClr>
-                <a:schemeClr val="accent1"/>
-              </a:buClr>
-              <a:buFont typeface="Wingdings 3" charset="2"/>
-              <a:buChar char=""/>
-              <a:defRPr sz="1200" kern="1200">
-                <a:solidFill>
-                  <a:schemeClr val="tx1">
-                    <a:lumMod val="75000"/>
-                    <a:lumOff val="25000"/>
-                  </a:schemeClr>
-                </a:solidFill>
-                <a:latin typeface="+mn-lt"/>
-                <a:ea typeface="+mn-ea"/>
-                <a:cs typeface="+mn-cs"/>
-              </a:defRPr>
-            </a:lvl8pPr>
-            <a:lvl9pPr marL="3886200" indent="-228600" algn="l" defTabSz="457200" rtl="0" eaLnBrk="1" latinLnBrk="0" hangingPunct="1">
-              <a:spcBef>
-                <a:spcPts val="1000"/>
-              </a:spcBef>
-              <a:spcAft>
-                <a:spcPts val="0"/>
-              </a:spcAft>
-              <a:buClr>
-                <a:schemeClr val="accent1"/>
-              </a:buClr>
-              <a:buFont typeface="Wingdings 3" charset="2"/>
-              <a:buChar char=""/>
-              <a:defRPr sz="1200" kern="1200">
-                <a:solidFill>
-                  <a:schemeClr val="tx1">
-                    <a:lumMod val="75000"/>
-                    <a:lumOff val="25000"/>
-                  </a:schemeClr>
-                </a:solidFill>
-                <a:latin typeface="+mn-lt"/>
-                <a:ea typeface="+mn-ea"/>
-                <a:cs typeface="+mn-cs"/>
-              </a:defRPr>
-            </a:lvl9pPr>
-          </a:lstStyle>
-          <a:p>
-            <a:pPr marL="0" indent="0" algn="just">
-              <a:buNone/>
-            </a:pPr>
-            <a:r>
-              <a:rPr lang="pt-BR" sz="2000" dirty="0">
-                <a:solidFill>
-                  <a:schemeClr val="tx1"/>
-                </a:solidFill>
-              </a:rPr>
-              <a:t>Nosso objetivo principal é realizar reconhecimento facial de pessoas e objetos, a fim de que seja alcançado o resultado estipulado pelo o Fatequino.</a:t>
-            </a:r>
-          </a:p>
-        </p:txBody>
-      </p:sp>
-      <p:sp>
-        <p:nvSpPr>
-          <p:cNvPr id="6" name="Título 1">
-            <a:extLst>
-              <a:ext uri="{FF2B5EF4-FFF2-40B4-BE49-F238E27FC236}">
-                <a16:creationId xmlns:a16="http://schemas.microsoft.com/office/drawing/2014/main" id="{3657AB59-D1DD-4782-B72C-E45B5F9155A3}"/>
-              </a:ext>
-            </a:extLst>
-          </p:cNvPr>
-          <p:cNvSpPr txBox="1">
-            <a:spLocks/>
-          </p:cNvSpPr>
-          <p:nvPr/>
-        </p:nvSpPr>
-        <p:spPr>
-          <a:xfrm>
-            <a:off x="1228819" y="4459526"/>
-            <a:ext cx="8911687" cy="849543"/>
-          </a:xfrm>
-          <a:prstGeom prst="rect">
-            <a:avLst/>
-          </a:prstGeom>
-        </p:spPr>
-        <p:txBody>
-          <a:bodyPr vert="horz" lIns="91440" tIns="45720" rIns="91440" bIns="45720" rtlCol="0" anchor="t">
-            <a:normAutofit/>
-          </a:bodyPr>
-          <a:lstStyle>
-            <a:lvl1pPr algn="l" defTabSz="457200" rtl="0" eaLnBrk="1" latinLnBrk="0" hangingPunct="1">
-              <a:spcBef>
-                <a:spcPct val="0"/>
-              </a:spcBef>
-              <a:buNone/>
-              <a:defRPr sz="3600" kern="1200">
-                <a:solidFill>
-                  <a:schemeClr val="accent2">
-                    <a:lumMod val="75000"/>
-                  </a:schemeClr>
-                </a:solidFill>
-                <a:latin typeface="+mj-lt"/>
-                <a:ea typeface="+mj-ea"/>
-                <a:cs typeface="+mj-cs"/>
-              </a:defRPr>
-            </a:lvl1pPr>
-            <a:lvl2pPr eaLnBrk="1" hangingPunct="1">
-              <a:defRPr>
-                <a:solidFill>
-                  <a:schemeClr val="tx2"/>
-                </a:solidFill>
-              </a:defRPr>
-            </a:lvl2pPr>
-            <a:lvl3pPr eaLnBrk="1" hangingPunct="1">
-              <a:defRPr>
-                <a:solidFill>
-                  <a:schemeClr val="tx2"/>
-                </a:solidFill>
-              </a:defRPr>
-            </a:lvl3pPr>
-            <a:lvl4pPr eaLnBrk="1" hangingPunct="1">
-              <a:defRPr>
-                <a:solidFill>
-                  <a:schemeClr val="tx2"/>
-                </a:solidFill>
-              </a:defRPr>
-            </a:lvl4pPr>
-            <a:lvl5pPr eaLnBrk="1" hangingPunct="1">
-              <a:defRPr>
-                <a:solidFill>
-                  <a:schemeClr val="tx2"/>
-                </a:solidFill>
-              </a:defRPr>
-            </a:lvl5pPr>
-            <a:lvl6pPr eaLnBrk="1" hangingPunct="1">
-              <a:defRPr>
-                <a:solidFill>
-                  <a:schemeClr val="tx2"/>
-                </a:solidFill>
-              </a:defRPr>
-            </a:lvl6pPr>
-            <a:lvl7pPr eaLnBrk="1" hangingPunct="1">
-              <a:defRPr>
-                <a:solidFill>
-                  <a:schemeClr val="tx2"/>
-                </a:solidFill>
-              </a:defRPr>
-            </a:lvl7pPr>
-            <a:lvl8pPr eaLnBrk="1" hangingPunct="1">
-              <a:defRPr>
-                <a:solidFill>
-                  <a:schemeClr val="tx2"/>
-                </a:solidFill>
-              </a:defRPr>
-            </a:lvl8pPr>
-            <a:lvl9pPr eaLnBrk="1" hangingPunct="1">
-              <a:defRPr>
-                <a:solidFill>
-                  <a:schemeClr val="tx2"/>
-                </a:solidFill>
-              </a:defRPr>
-            </a:lvl9pPr>
-          </a:lstStyle>
-          <a:p>
-            <a:r>
-              <a:rPr lang="pt-BR" sz="4400" b="1" dirty="0">
-                <a:solidFill>
-                  <a:schemeClr val="tx1"/>
-                </a:solidFill>
-              </a:rPr>
-              <a:t>Objetivo</a:t>
+              <a:t>https://pt.wikipedia.org/wiki/OpenCV</a:t>
             </a:r>
           </a:p>
         </p:txBody>
       </p:sp>
       <p:pic>
         <p:nvPicPr>
-          <p:cNvPr id="4" name="Picture 2" descr="https://lh4.googleusercontent.com/5Rwe-hedv2zoUCJ7yVpYSv5dHvCHmP7_N-VQn_XWiI_mGPc7hzOabq8GesVXalU4R6t1mtMjZ6muxkuoLuxr_Bu2t0KDQWAgGThdKNWV1l_u8wpZm2I61j6SBhNGJl0XNTZYsvHI">
+          <p:cNvPr id="3" name="Picture 2" descr="https://lh4.googleusercontent.com/5Rwe-hedv2zoUCJ7yVpYSv5dHvCHmP7_N-VQn_XWiI_mGPc7hzOabq8GesVXalU4R6t1mtMjZ6muxkuoLuxr_Bu2t0KDQWAgGThdKNWV1l_u8wpZm2I61j6SBhNGJl0XNTZYsvHI">
             <a:extLst>
               <a:ext uri="{FF2B5EF4-FFF2-40B4-BE49-F238E27FC236}">
-                <a16:creationId xmlns:a16="http://schemas.microsoft.com/office/drawing/2014/main" id="{A339A1BF-6A1D-4774-A5E1-F5EA8BD755E7}"/>
+                <a16:creationId xmlns:a16="http://schemas.microsoft.com/office/drawing/2014/main" id="{A3519F01-BDC3-46F1-8152-FC98283A65A9}"/>
               </a:ext>
             </a:extLst>
           </p:cNvPr>
@@ -6984,10 +6547,10 @@
       </p:pic>
       <p:pic>
         <p:nvPicPr>
-          <p:cNvPr id="9" name="Picture 4" descr="Caracas Geek Fest">
+          <p:cNvPr id="5" name="Picture 4" descr="Caracas Geek Fest">
             <a:extLst>
               <a:ext uri="{FF2B5EF4-FFF2-40B4-BE49-F238E27FC236}">
-                <a16:creationId xmlns:a16="http://schemas.microsoft.com/office/drawing/2014/main" id="{B9863380-25E1-497A-83CD-820C0B16D173}"/>
+                <a16:creationId xmlns:a16="http://schemas.microsoft.com/office/drawing/2014/main" id="{F51CBCA2-5A49-40B8-AD62-A154655F7014}"/>
               </a:ext>
             </a:extLst>
           </p:cNvPr>
@@ -7030,7 +6593,7 @@
     </p:spTree>
     <p:extLst>
       <p:ext uri="{BB962C8B-B14F-4D97-AF65-F5344CB8AC3E}">
-        <p14:creationId xmlns:p14="http://schemas.microsoft.com/office/powerpoint/2010/main" val="1639484287"/>
+        <p14:creationId xmlns:p14="http://schemas.microsoft.com/office/powerpoint/2010/main" val="2060476516"/>
       </p:ext>
     </p:extLst>
   </p:cSld>
@@ -7040,7 +6603,7 @@
 </p:sld>
 </file>
 
-<file path=ppt/slides/slide3.xml><?xml version="1.0" encoding="utf-8"?>
+<file path=ppt/slides/slide2.xml><?xml version="1.0" encoding="utf-8"?>
 <p:sld xmlns:a="http://schemas.openxmlformats.org/drawingml/2006/main" xmlns:r="http://schemas.openxmlformats.org/officeDocument/2006/relationships" xmlns:p="http://schemas.openxmlformats.org/presentationml/2006/main">
   <p:cSld>
     <p:spTree>
@@ -7062,7 +6625,7 @@
           <p:cNvPr id="2" name="Título 1">
             <a:extLst>
               <a:ext uri="{FF2B5EF4-FFF2-40B4-BE49-F238E27FC236}">
-                <a16:creationId xmlns:a16="http://schemas.microsoft.com/office/drawing/2014/main" id="{FDF998FF-A72C-4AFD-BB81-842876A9105E}"/>
+                <a16:creationId xmlns:a16="http://schemas.microsoft.com/office/drawing/2014/main" id="{C9FF4D39-EE0F-4B75-BC1D-A8E6761336F4}"/>
               </a:ext>
             </a:extLst>
           </p:cNvPr>
@@ -7075,8 +6638,8 @@
         </p:nvSpPr>
         <p:spPr>
           <a:xfrm>
-            <a:off x="1160471" y="853012"/>
-            <a:ext cx="8911687" cy="886804"/>
+            <a:off x="1228819" y="928365"/>
+            <a:ext cx="8911687" cy="807125"/>
           </a:xfrm>
         </p:spPr>
         <p:txBody>
@@ -7089,7 +6652,7 @@
                   <a:schemeClr val="tx1"/>
                 </a:solidFill>
               </a:rPr>
-              <a:t>Grupo Anterior</a:t>
+              <a:t>Introdução</a:t>
             </a:r>
           </a:p>
         </p:txBody>
@@ -7099,7 +6662,7 @@
           <p:cNvPr id="3" name="Espaço Reservado para Conteúdo 2">
             <a:extLst>
               <a:ext uri="{FF2B5EF4-FFF2-40B4-BE49-F238E27FC236}">
-                <a16:creationId xmlns:a16="http://schemas.microsoft.com/office/drawing/2014/main" id="{77ED0EF2-70A4-424F-91C1-054A9A981E20}"/>
+                <a16:creationId xmlns:a16="http://schemas.microsoft.com/office/drawing/2014/main" id="{7EFBFF5A-5E38-4846-9A8C-FDB06AB4BE6A}"/>
               </a:ext>
             </a:extLst>
           </p:cNvPr>
@@ -7112,51 +6675,54 @@
         </p:nvSpPr>
         <p:spPr>
           <a:xfrm>
-            <a:off x="1160471" y="4572000"/>
-            <a:ext cx="10082152" cy="1169233"/>
-          </a:xfrm>
+            <a:off x="1094282" y="1819822"/>
+            <a:ext cx="10089662" cy="2675587"/>
+          </a:xfrm>
+          <a:noFill/>
         </p:spPr>
         <p:txBody>
           <a:bodyPr>
-            <a:noAutofit/>
+            <a:normAutofit/>
           </a:bodyPr>
           <a:lstStyle/>
           <a:p>
-            <a:pPr marL="0" indent="0" algn="just" rtl="0">
+            <a:pPr algn="just">
               <a:lnSpc>
                 <a:spcPct val="100000"/>
               </a:lnSpc>
-              <a:spcBef>
-                <a:spcPts val="500"/>
-              </a:spcBef>
-              <a:spcAft>
-                <a:spcPts val="0"/>
-              </a:spcAft>
-              <a:buNone/>
             </a:pPr>
             <a:r>
-              <a:rPr lang="pt-BR" b="0" i="0" u="none" strike="noStrike" dirty="0">
+              <a:rPr lang="pt-BR" dirty="0">
                 <a:solidFill>
                   <a:schemeClr val="tx1"/>
                 </a:solidFill>
-                <a:effectLst/>
               </a:rPr>
-              <a:t>O código disponibilizado pela equipe anterior traz informações de como o programa funciona, para melhor utilização é necessário um arquivo que recebe as imagens que são capturadas pela câmera e são  tratadas (ENCODE_FACE.txt e RECOGNIZE_FACES_VIDEO.txt).</a:t>
-            </a:r>
-            <a:endParaRPr lang="pt-BR" dirty="0">
-              <a:solidFill>
-                <a:schemeClr val="tx1"/>
-              </a:solidFill>
-            </a:endParaRPr>
+              <a:t>Atualmente na Fatec Carapicuíba os alunos conseguem informações sobre aulas e professores somente pelo site disponibilizado (SIGA e site oficial da Fatec Carapicuíba), entretanto há alunos que possuem dificuldades para realizar consultas sobre horário de aulas e professores. </a:t>
+            </a:r>
+          </a:p>
+          <a:p>
+            <a:pPr algn="just">
+              <a:lnSpc>
+                <a:spcPct val="100000"/>
+              </a:lnSpc>
+            </a:pPr>
+            <a:r>
+              <a:rPr lang="pt-BR" dirty="0">
+                <a:solidFill>
+                  <a:schemeClr val="tx1"/>
+                </a:solidFill>
+              </a:rPr>
+              <a:t>Pensando nisso foi iniciado um projeto para que este problema seja solucionado de forma rápida e eficiente. O projeto nomeado “Fatequino”, possui esse propósito de auxiliar tanto alunos que não possuem conhecimento da instituição, ex: novatos, novos professores e visitantes. Auxiliando-os e facilitando em suas buscas através de uma informação simples e rápida.  </a:t>
+            </a:r>
           </a:p>
         </p:txBody>
       </p:sp>
       <p:sp>
         <p:nvSpPr>
-          <p:cNvPr id="4" name="Espaço Reservado para Conteúdo 2">
+          <p:cNvPr id="5" name="Espaço Reservado para Conteúdo 2">
             <a:extLst>
               <a:ext uri="{FF2B5EF4-FFF2-40B4-BE49-F238E27FC236}">
-                <a16:creationId xmlns:a16="http://schemas.microsoft.com/office/drawing/2014/main" id="{E53DDFE0-2451-43AB-A563-5D047F09792E}"/>
+                <a16:creationId xmlns:a16="http://schemas.microsoft.com/office/drawing/2014/main" id="{8589167B-158C-4E9C-820C-D28FE4C5E498}"/>
               </a:ext>
             </a:extLst>
           </p:cNvPr>
@@ -7167,8 +6733,8 @@
         </p:nvSpPr>
         <p:spPr>
           <a:xfrm>
-            <a:off x="1160471" y="1836445"/>
-            <a:ext cx="10082152" cy="1280890"/>
+            <a:off x="1094282" y="5371575"/>
+            <a:ext cx="10089663" cy="1116120"/>
           </a:xfrm>
           <a:prstGeom prst="rect">
             <a:avLst/>
@@ -7406,17 +6972,17 @@
                   <a:schemeClr val="tx1"/>
                 </a:solidFill>
               </a:rPr>
-              <a:t>Estava desenvolvendo o reconhecimento facial de pessoas para quando o robô entrasse em contato com a pessoa, o Fatequino pudesse reconhecê-la e auxiliá-la através de perguntas feitas pela pessoa.</a:t>
+              <a:t>Nosso objetivo principal é realizar reconhecimento facial de pessoas e objetos, a fim de que seja alcançado o resultado estipulado pelo o Fatequino.</a:t>
             </a:r>
           </a:p>
         </p:txBody>
       </p:sp>
       <p:sp>
         <p:nvSpPr>
-          <p:cNvPr id="5" name="Título 1">
+          <p:cNvPr id="6" name="Título 1">
             <a:extLst>
               <a:ext uri="{FF2B5EF4-FFF2-40B4-BE49-F238E27FC236}">
-                <a16:creationId xmlns:a16="http://schemas.microsoft.com/office/drawing/2014/main" id="{21ED3A7E-6F3F-49B8-957B-A56B89C9F890}"/>
+                <a16:creationId xmlns:a16="http://schemas.microsoft.com/office/drawing/2014/main" id="{3657AB59-D1DD-4782-B72C-E45B5F9155A3}"/>
               </a:ext>
             </a:extLst>
           </p:cNvPr>
@@ -7427,8 +6993,8 @@
         </p:nvSpPr>
         <p:spPr>
           <a:xfrm>
-            <a:off x="1160470" y="3504216"/>
-            <a:ext cx="8911687" cy="886804"/>
+            <a:off x="1228819" y="4459526"/>
+            <a:ext cx="8911687" cy="849543"/>
           </a:xfrm>
           <a:prstGeom prst="rect">
             <a:avLst/>
@@ -7514,22 +7080,22 @@
           </a:lstStyle>
           <a:p>
             <a:r>
-              <a:rPr lang="pt-BR" sz="4800" b="1" dirty="0">
+              <a:rPr lang="pt-BR" sz="4400" b="1" dirty="0">
                 <a:solidFill>
                   <a:schemeClr val="tx1"/>
                 </a:solidFill>
               </a:rPr>
-              <a:t>Análise de Código</a:t>
+              <a:t>Objetivo</a:t>
             </a:r>
           </a:p>
         </p:txBody>
       </p:sp>
       <p:pic>
         <p:nvPicPr>
-          <p:cNvPr id="7" name="Picture 2" descr="https://lh4.googleusercontent.com/5Rwe-hedv2zoUCJ7yVpYSv5dHvCHmP7_N-VQn_XWiI_mGPc7hzOabq8GesVXalU4R6t1mtMjZ6muxkuoLuxr_Bu2t0KDQWAgGThdKNWV1l_u8wpZm2I61j6SBhNGJl0XNTZYsvHI">
+          <p:cNvPr id="4" name="Picture 2" descr="https://lh4.googleusercontent.com/5Rwe-hedv2zoUCJ7yVpYSv5dHvCHmP7_N-VQn_XWiI_mGPc7hzOabq8GesVXalU4R6t1mtMjZ6muxkuoLuxr_Bu2t0KDQWAgGThdKNWV1l_u8wpZm2I61j6SBhNGJl0XNTZYsvHI">
             <a:extLst>
               <a:ext uri="{FF2B5EF4-FFF2-40B4-BE49-F238E27FC236}">
-                <a16:creationId xmlns:a16="http://schemas.microsoft.com/office/drawing/2014/main" id="{676EB3D3-A56B-4459-9954-A80CEEC33FCA}"/>
+                <a16:creationId xmlns:a16="http://schemas.microsoft.com/office/drawing/2014/main" id="{A339A1BF-6A1D-4774-A5E1-F5EA8BD755E7}"/>
               </a:ext>
             </a:extLst>
           </p:cNvPr>
@@ -7618,7 +7184,7 @@
           <p:cNvPr id="9" name="Picture 4" descr="Caracas Geek Fest">
             <a:extLst>
               <a:ext uri="{FF2B5EF4-FFF2-40B4-BE49-F238E27FC236}">
-                <a16:creationId xmlns:a16="http://schemas.microsoft.com/office/drawing/2014/main" id="{3BDDC940-DBE9-4C2D-8C00-59412A360DEF}"/>
+                <a16:creationId xmlns:a16="http://schemas.microsoft.com/office/drawing/2014/main" id="{B9863380-25E1-497A-83CD-820C0B16D173}"/>
               </a:ext>
             </a:extLst>
           </p:cNvPr>
@@ -7661,7 +7227,7 @@
     </p:spTree>
     <p:extLst>
       <p:ext uri="{BB962C8B-B14F-4D97-AF65-F5344CB8AC3E}">
-        <p14:creationId xmlns:p14="http://schemas.microsoft.com/office/powerpoint/2010/main" val="129179993"/>
+        <p14:creationId xmlns:p14="http://schemas.microsoft.com/office/powerpoint/2010/main" val="1639484287"/>
       </p:ext>
     </p:extLst>
   </p:cSld>
@@ -7671,7 +7237,7 @@
 </p:sld>
 </file>
 
-<file path=ppt/slides/slide4.xml><?xml version="1.0" encoding="utf-8"?>
+<file path=ppt/slides/slide3.xml><?xml version="1.0" encoding="utf-8"?>
 <p:sld xmlns:a="http://schemas.openxmlformats.org/drawingml/2006/main" xmlns:r="http://schemas.openxmlformats.org/officeDocument/2006/relationships" xmlns:p="http://schemas.openxmlformats.org/presentationml/2006/main">
   <p:cSld>
     <p:spTree>
@@ -7690,6 +7256,43 @@
       </p:grpSpPr>
       <p:sp>
         <p:nvSpPr>
+          <p:cNvPr id="2" name="Título 1">
+            <a:extLst>
+              <a:ext uri="{FF2B5EF4-FFF2-40B4-BE49-F238E27FC236}">
+                <a16:creationId xmlns:a16="http://schemas.microsoft.com/office/drawing/2014/main" id="{FDF998FF-A72C-4AFD-BB81-842876A9105E}"/>
+              </a:ext>
+            </a:extLst>
+          </p:cNvPr>
+          <p:cNvSpPr>
+            <a:spLocks noGrp="1"/>
+          </p:cNvSpPr>
+          <p:nvPr>
+            <p:ph type="title"/>
+          </p:nvPr>
+        </p:nvSpPr>
+        <p:spPr>
+          <a:xfrm>
+            <a:off x="1160471" y="853012"/>
+            <a:ext cx="8911687" cy="886804"/>
+          </a:xfrm>
+        </p:spPr>
+        <p:txBody>
+          <a:bodyPr/>
+          <a:lstStyle/>
+          <a:p>
+            <a:r>
+              <a:rPr lang="pt-BR" b="1" dirty="0">
+                <a:solidFill>
+                  <a:schemeClr val="tx1"/>
+                </a:solidFill>
+              </a:rPr>
+              <a:t>Grupo Anterior</a:t>
+            </a:r>
+          </a:p>
+        </p:txBody>
+      </p:sp>
+      <p:sp>
+        <p:nvSpPr>
           <p:cNvPr id="3" name="Espaço Reservado para Conteúdo 2">
             <a:extLst>
               <a:ext uri="{FF2B5EF4-FFF2-40B4-BE49-F238E27FC236}">
@@ -7706,8 +7309,8 @@
         </p:nvSpPr>
         <p:spPr>
           <a:xfrm>
-            <a:off x="1054924" y="2201963"/>
-            <a:ext cx="10082152" cy="1860371"/>
+            <a:off x="1160471" y="4572000"/>
+            <a:ext cx="10082152" cy="1169233"/>
           </a:xfrm>
         </p:spPr>
         <p:txBody>
@@ -7716,18 +7319,17 @@
           </a:bodyPr>
           <a:lstStyle/>
           <a:p>
-            <a:pPr algn="just">
+            <a:pPr marL="0" indent="0" algn="just" rtl="0">
               <a:lnSpc>
                 <a:spcPct val="100000"/>
               </a:lnSpc>
               <a:spcBef>
-                <a:spcPts val="0"/>
+                <a:spcPts val="500"/>
               </a:spcBef>
               <a:spcAft>
                 <a:spcPts val="0"/>
               </a:spcAft>
-              <a:buFont typeface="Arial" panose="020B0604020202020204" pitchFamily="34" charset="0"/>
-              <a:buChar char="•"/>
+              <a:buNone/>
             </a:pPr>
             <a:r>
               <a:rPr lang="pt-BR" b="0" i="0" u="none" strike="noStrike" dirty="0">
@@ -7736,95 +7338,22 @@
                 </a:solidFill>
                 <a:effectLst/>
               </a:rPr>
-              <a:t>ENCODE FACES: Nesse arquivo temos as bibliotecas utilizadas na aplicação, a busca de caminho das imagens, a interação com as mesmas e temos os encoding faciais salvos em um arquivo</a:t>
-            </a:r>
-            <a:r>
-              <a:rPr lang="pt-BR" dirty="0">
-                <a:solidFill>
-                  <a:schemeClr val="tx1"/>
-                </a:solidFill>
-              </a:rPr>
-              <a:t>.</a:t>
-            </a:r>
-          </a:p>
-          <a:p>
-            <a:pPr algn="just">
-              <a:lnSpc>
-                <a:spcPct val="100000"/>
-              </a:lnSpc>
-              <a:spcBef>
-                <a:spcPts val="0"/>
-              </a:spcBef>
-              <a:spcAft>
-                <a:spcPts val="0"/>
-              </a:spcAft>
-              <a:buFont typeface="Arial" panose="020B0604020202020204" pitchFamily="34" charset="0"/>
-              <a:buChar char="•"/>
-            </a:pPr>
+              <a:t>O código disponibilizado pela equipe anterior traz informações de como o programa funciona, para melhor utilização é necessário um arquivo que recebe as imagens que são capturadas pela câmera e são  tratadas (ENCODE_FACE.txt e RECOGNIZE_FACES_VIDEO.txt).</a:t>
+            </a:r>
             <a:endParaRPr lang="pt-BR" dirty="0">
               <a:solidFill>
                 <a:schemeClr val="tx1"/>
               </a:solidFill>
             </a:endParaRPr>
           </a:p>
-          <a:p>
-            <a:pPr algn="just">
-              <a:lnSpc>
-                <a:spcPct val="100000"/>
-              </a:lnSpc>
-              <a:spcBef>
-                <a:spcPts val="0"/>
-              </a:spcBef>
-              <a:spcAft>
-                <a:spcPts val="0"/>
-              </a:spcAft>
-              <a:buFont typeface="Arial" panose="020B0604020202020204" pitchFamily="34" charset="0"/>
-              <a:buChar char="•"/>
-            </a:pPr>
-            <a:r>
-              <a:rPr lang="pt-BR" b="0" i="0" u="none" strike="noStrike" dirty="0">
-                <a:solidFill>
-                  <a:schemeClr val="tx1"/>
-                </a:solidFill>
-                <a:effectLst/>
-              </a:rPr>
-              <a:t>RECOGNIZE FACES VIDEO: Já neste arquivo temos as importações de bibliotecas responsáveis pela inicialização da stream de vídeo, busca de encode facial e similares para comparação.</a:t>
-            </a:r>
-            <a:endParaRPr lang="pt-BR" b="0" dirty="0">
-              <a:solidFill>
-                <a:schemeClr val="tx1"/>
-              </a:solidFill>
-              <a:effectLst/>
-            </a:endParaRPr>
-          </a:p>
-          <a:p>
-            <a:pPr marL="0" indent="0" algn="just">
-              <a:lnSpc>
-                <a:spcPct val="100000"/>
-              </a:lnSpc>
-              <a:buNone/>
-            </a:pPr>
-            <a:br>
-              <a:rPr lang="pt-BR" dirty="0">
-                <a:solidFill>
-                  <a:schemeClr val="tx1"/>
-                </a:solidFill>
-              </a:rPr>
-            </a:br>
-            <a:endParaRPr lang="pt-BR" dirty="0">
-              <a:solidFill>
-                <a:schemeClr val="tx1"/>
-              </a:solidFill>
-            </a:endParaRPr>
-          </a:p>
         </p:txBody>
       </p:sp>
       <p:sp>
         <p:nvSpPr>
-          <p:cNvPr id="5" name="Título 1">
+          <p:cNvPr id="4" name="Espaço Reservado para Conteúdo 2">
             <a:extLst>
               <a:ext uri="{FF2B5EF4-FFF2-40B4-BE49-F238E27FC236}">
-                <a16:creationId xmlns:a16="http://schemas.microsoft.com/office/drawing/2014/main" id="{21ED3A7E-6F3F-49B8-957B-A56B89C9F890}"/>
+                <a16:creationId xmlns:a16="http://schemas.microsoft.com/office/drawing/2014/main" id="{E53DDFE0-2451-43AB-A563-5D047F09792E}"/>
               </a:ext>
             </a:extLst>
           </p:cNvPr>
@@ -7835,7 +7364,267 @@
         </p:nvSpPr>
         <p:spPr>
           <a:xfrm>
-            <a:off x="1160471" y="887375"/>
+            <a:off x="1160471" y="1836445"/>
+            <a:ext cx="10082152" cy="1280890"/>
+          </a:xfrm>
+          <a:prstGeom prst="rect">
+            <a:avLst/>
+          </a:prstGeom>
+        </p:spPr>
+        <p:txBody>
+          <a:bodyPr vert="horz" lIns="91440" tIns="45720" rIns="91440" bIns="45720" rtlCol="0">
+            <a:normAutofit/>
+          </a:bodyPr>
+          <a:lstStyle>
+            <a:lvl1pPr marL="342900" indent="-342900" algn="l" defTabSz="457200" rtl="0" eaLnBrk="1" latinLnBrk="0" hangingPunct="1">
+              <a:spcBef>
+                <a:spcPts val="1000"/>
+              </a:spcBef>
+              <a:spcAft>
+                <a:spcPts val="0"/>
+              </a:spcAft>
+              <a:buClr>
+                <a:schemeClr val="accent1"/>
+              </a:buClr>
+              <a:buFont typeface="Wingdings 3" charset="2"/>
+              <a:buChar char=""/>
+              <a:defRPr sz="1800" kern="1200">
+                <a:solidFill>
+                  <a:schemeClr val="tx1">
+                    <a:lumMod val="75000"/>
+                    <a:lumOff val="25000"/>
+                  </a:schemeClr>
+                </a:solidFill>
+                <a:latin typeface="+mn-lt"/>
+                <a:ea typeface="+mn-ea"/>
+                <a:cs typeface="+mn-cs"/>
+              </a:defRPr>
+            </a:lvl1pPr>
+            <a:lvl2pPr marL="742950" indent="-285750" algn="l" defTabSz="457200" rtl="0" eaLnBrk="1" latinLnBrk="0" hangingPunct="1">
+              <a:spcBef>
+                <a:spcPts val="1000"/>
+              </a:spcBef>
+              <a:spcAft>
+                <a:spcPts val="0"/>
+              </a:spcAft>
+              <a:buClr>
+                <a:schemeClr val="accent1"/>
+              </a:buClr>
+              <a:buFont typeface="Wingdings 3" charset="2"/>
+              <a:buChar char=""/>
+              <a:defRPr sz="1600" kern="1200">
+                <a:solidFill>
+                  <a:schemeClr val="tx1">
+                    <a:lumMod val="75000"/>
+                    <a:lumOff val="25000"/>
+                  </a:schemeClr>
+                </a:solidFill>
+                <a:latin typeface="+mn-lt"/>
+                <a:ea typeface="+mn-ea"/>
+                <a:cs typeface="+mn-cs"/>
+              </a:defRPr>
+            </a:lvl2pPr>
+            <a:lvl3pPr marL="1143000" indent="-228600" algn="l" defTabSz="457200" rtl="0" eaLnBrk="1" latinLnBrk="0" hangingPunct="1">
+              <a:spcBef>
+                <a:spcPts val="1000"/>
+              </a:spcBef>
+              <a:spcAft>
+                <a:spcPts val="0"/>
+              </a:spcAft>
+              <a:buClr>
+                <a:schemeClr val="accent1"/>
+              </a:buClr>
+              <a:buFont typeface="Wingdings 3" charset="2"/>
+              <a:buChar char=""/>
+              <a:defRPr sz="1400" kern="1200">
+                <a:solidFill>
+                  <a:schemeClr val="tx1">
+                    <a:lumMod val="75000"/>
+                    <a:lumOff val="25000"/>
+                  </a:schemeClr>
+                </a:solidFill>
+                <a:latin typeface="+mn-lt"/>
+                <a:ea typeface="+mn-ea"/>
+                <a:cs typeface="+mn-cs"/>
+              </a:defRPr>
+            </a:lvl3pPr>
+            <a:lvl4pPr marL="1600200" indent="-228600" algn="l" defTabSz="457200" rtl="0" eaLnBrk="1" latinLnBrk="0" hangingPunct="1">
+              <a:spcBef>
+                <a:spcPts val="1000"/>
+              </a:spcBef>
+              <a:spcAft>
+                <a:spcPts val="0"/>
+              </a:spcAft>
+              <a:buClr>
+                <a:schemeClr val="accent1"/>
+              </a:buClr>
+              <a:buFont typeface="Wingdings 3" charset="2"/>
+              <a:buChar char=""/>
+              <a:defRPr sz="1200" kern="1200">
+                <a:solidFill>
+                  <a:schemeClr val="tx1">
+                    <a:lumMod val="75000"/>
+                    <a:lumOff val="25000"/>
+                  </a:schemeClr>
+                </a:solidFill>
+                <a:latin typeface="+mn-lt"/>
+                <a:ea typeface="+mn-ea"/>
+                <a:cs typeface="+mn-cs"/>
+              </a:defRPr>
+            </a:lvl4pPr>
+            <a:lvl5pPr marL="2057400" indent="-228600" algn="l" defTabSz="457200" rtl="0" eaLnBrk="1" latinLnBrk="0" hangingPunct="1">
+              <a:spcBef>
+                <a:spcPts val="1000"/>
+              </a:spcBef>
+              <a:spcAft>
+                <a:spcPts val="0"/>
+              </a:spcAft>
+              <a:buClr>
+                <a:schemeClr val="accent1"/>
+              </a:buClr>
+              <a:buFont typeface="Wingdings 3" charset="2"/>
+              <a:buChar char=""/>
+              <a:defRPr sz="1200" kern="1200">
+                <a:solidFill>
+                  <a:schemeClr val="tx1">
+                    <a:lumMod val="75000"/>
+                    <a:lumOff val="25000"/>
+                  </a:schemeClr>
+                </a:solidFill>
+                <a:latin typeface="+mn-lt"/>
+                <a:ea typeface="+mn-ea"/>
+                <a:cs typeface="+mn-cs"/>
+              </a:defRPr>
+            </a:lvl5pPr>
+            <a:lvl6pPr marL="2514600" indent="-228600" algn="l" defTabSz="457200" rtl="0" eaLnBrk="1" latinLnBrk="0" hangingPunct="1">
+              <a:spcBef>
+                <a:spcPts val="1000"/>
+              </a:spcBef>
+              <a:spcAft>
+                <a:spcPts val="0"/>
+              </a:spcAft>
+              <a:buClr>
+                <a:schemeClr val="accent1"/>
+              </a:buClr>
+              <a:buFont typeface="Wingdings 3" charset="2"/>
+              <a:buChar char=""/>
+              <a:defRPr sz="1200" kern="1200">
+                <a:solidFill>
+                  <a:schemeClr val="tx1">
+                    <a:lumMod val="75000"/>
+                    <a:lumOff val="25000"/>
+                  </a:schemeClr>
+                </a:solidFill>
+                <a:latin typeface="+mn-lt"/>
+                <a:ea typeface="+mn-ea"/>
+                <a:cs typeface="+mn-cs"/>
+              </a:defRPr>
+            </a:lvl6pPr>
+            <a:lvl7pPr marL="2971800" indent="-228600" algn="l" defTabSz="457200" rtl="0" eaLnBrk="1" latinLnBrk="0" hangingPunct="1">
+              <a:spcBef>
+                <a:spcPts val="1000"/>
+              </a:spcBef>
+              <a:spcAft>
+                <a:spcPts val="0"/>
+              </a:spcAft>
+              <a:buClr>
+                <a:schemeClr val="accent1"/>
+              </a:buClr>
+              <a:buFont typeface="Wingdings 3" charset="2"/>
+              <a:buChar char=""/>
+              <a:defRPr sz="1200" kern="1200">
+                <a:solidFill>
+                  <a:schemeClr val="tx1">
+                    <a:lumMod val="75000"/>
+                    <a:lumOff val="25000"/>
+                  </a:schemeClr>
+                </a:solidFill>
+                <a:latin typeface="+mn-lt"/>
+                <a:ea typeface="+mn-ea"/>
+                <a:cs typeface="+mn-cs"/>
+              </a:defRPr>
+            </a:lvl7pPr>
+            <a:lvl8pPr marL="3429000" indent="-228600" algn="l" defTabSz="457200" rtl="0" eaLnBrk="1" latinLnBrk="0" hangingPunct="1">
+              <a:spcBef>
+                <a:spcPts val="1000"/>
+              </a:spcBef>
+              <a:spcAft>
+                <a:spcPts val="0"/>
+              </a:spcAft>
+              <a:buClr>
+                <a:schemeClr val="accent1"/>
+              </a:buClr>
+              <a:buFont typeface="Wingdings 3" charset="2"/>
+              <a:buChar char=""/>
+              <a:defRPr sz="1200" kern="1200">
+                <a:solidFill>
+                  <a:schemeClr val="tx1">
+                    <a:lumMod val="75000"/>
+                    <a:lumOff val="25000"/>
+                  </a:schemeClr>
+                </a:solidFill>
+                <a:latin typeface="+mn-lt"/>
+                <a:ea typeface="+mn-ea"/>
+                <a:cs typeface="+mn-cs"/>
+              </a:defRPr>
+            </a:lvl8pPr>
+            <a:lvl9pPr marL="3886200" indent="-228600" algn="l" defTabSz="457200" rtl="0" eaLnBrk="1" latinLnBrk="0" hangingPunct="1">
+              <a:spcBef>
+                <a:spcPts val="1000"/>
+              </a:spcBef>
+              <a:spcAft>
+                <a:spcPts val="0"/>
+              </a:spcAft>
+              <a:buClr>
+                <a:schemeClr val="accent1"/>
+              </a:buClr>
+              <a:buFont typeface="Wingdings 3" charset="2"/>
+              <a:buChar char=""/>
+              <a:defRPr sz="1200" kern="1200">
+                <a:solidFill>
+                  <a:schemeClr val="tx1">
+                    <a:lumMod val="75000"/>
+                    <a:lumOff val="25000"/>
+                  </a:schemeClr>
+                </a:solidFill>
+                <a:latin typeface="+mn-lt"/>
+                <a:ea typeface="+mn-ea"/>
+                <a:cs typeface="+mn-cs"/>
+              </a:defRPr>
+            </a:lvl9pPr>
+          </a:lstStyle>
+          <a:p>
+            <a:pPr marL="0" indent="0" algn="just">
+              <a:buNone/>
+            </a:pPr>
+            <a:r>
+              <a:rPr lang="pt-BR" sz="2000" dirty="0">
+                <a:solidFill>
+                  <a:schemeClr val="tx1"/>
+                </a:solidFill>
+              </a:rPr>
+              <a:t>Estava desenvolvendo o reconhecimento facial de pessoas para quando o robô entrasse em contato com a pessoa, o Fatequino pudesse reconhecê-la e auxiliá-la através de perguntas feitas pela pessoa.</a:t>
+            </a:r>
+          </a:p>
+        </p:txBody>
+      </p:sp>
+      <p:sp>
+        <p:nvSpPr>
+          <p:cNvPr id="5" name="Título 1">
+            <a:extLst>
+              <a:ext uri="{FF2B5EF4-FFF2-40B4-BE49-F238E27FC236}">
+                <a16:creationId xmlns:a16="http://schemas.microsoft.com/office/drawing/2014/main" id="{21ED3A7E-6F3F-49B8-957B-A56B89C9F890}"/>
+              </a:ext>
+            </a:extLst>
+          </p:cNvPr>
+          <p:cNvSpPr txBox="1">
+            <a:spLocks/>
+          </p:cNvSpPr>
+          <p:nvPr/>
+        </p:nvSpPr>
+        <p:spPr>
+          <a:xfrm>
+            <a:off x="1160470" y="3504216"/>
             <a:ext cx="8911687" cy="886804"/>
           </a:xfrm>
           <a:prstGeom prst="rect">
@@ -7927,7 +7716,7 @@
                   <a:schemeClr val="tx1"/>
                 </a:solidFill>
               </a:rPr>
-              <a:t>Análise de Código</a:t>
+              <a:t>Análise de Código Anterior</a:t>
             </a:r>
           </a:p>
         </p:txBody>
@@ -8069,7 +7858,7 @@
     </p:spTree>
     <p:extLst>
       <p:ext uri="{BB962C8B-B14F-4D97-AF65-F5344CB8AC3E}">
-        <p14:creationId xmlns:p14="http://schemas.microsoft.com/office/powerpoint/2010/main" val="2069722216"/>
+        <p14:creationId xmlns:p14="http://schemas.microsoft.com/office/powerpoint/2010/main" val="129179993"/>
       </p:ext>
     </p:extLst>
   </p:cSld>
@@ -8079,7 +7868,7 @@
 </p:sld>
 </file>
 
-<file path=ppt/slides/slide5.xml><?xml version="1.0" encoding="utf-8"?>
+<file path=ppt/slides/slide4.xml><?xml version="1.0" encoding="utf-8"?>
 <p:sld xmlns:a="http://schemas.openxmlformats.org/drawingml/2006/main" xmlns:r="http://schemas.openxmlformats.org/officeDocument/2006/relationships" xmlns:p="http://schemas.openxmlformats.org/presentationml/2006/main">
   <p:cSld>
     <p:spTree>
@@ -8114,13 +7903,13 @@
         </p:nvSpPr>
         <p:spPr>
           <a:xfrm>
-            <a:off x="1160471" y="2202190"/>
-            <a:ext cx="10082152" cy="2877092"/>
+            <a:off x="1054924" y="2044116"/>
+            <a:ext cx="10082152" cy="3577874"/>
           </a:xfrm>
         </p:spPr>
         <p:txBody>
           <a:bodyPr>
-            <a:normAutofit/>
+            <a:noAutofit/>
           </a:bodyPr>
           <a:lstStyle/>
           <a:p>
@@ -8128,14 +7917,31 @@
               <a:lnSpc>
                 <a:spcPct val="100000"/>
               </a:lnSpc>
+              <a:spcBef>
+                <a:spcPts val="0"/>
+              </a:spcBef>
+              <a:spcAft>
+                <a:spcPts val="0"/>
+              </a:spcAft>
+              <a:buFont typeface="Arial" panose="020B0604020202020204" pitchFamily="34" charset="0"/>
+              <a:buChar char="•"/>
             </a:pPr>
             <a:r>
+              <a:rPr lang="pt-BR" b="0" i="0" u="none" strike="noStrike" dirty="0">
+                <a:solidFill>
+                  <a:schemeClr val="tx1"/>
+                </a:solidFill>
+                <a:effectLst/>
+              </a:rPr>
+              <a:t>ENCODE FACES: Nesse arquivo temos as bibliotecas utilizadas na aplicação, a busca de caminho das imagens, a interação com as mesmas e temos os encoding faciais salvos em um arquivo</a:t>
+            </a:r>
+            <a:r>
               <a:rPr lang="pt-BR" dirty="0">
                 <a:solidFill>
                   <a:schemeClr val="tx1"/>
                 </a:solidFill>
               </a:rPr>
-              <a:t>Implementar o reconhecimento de objetos com o propósito de poder desviar de paredes, objetos, pessoas que não querem interagir com o robô, evitando impactos para que o Fatequino seja danificado. </a:t>
+              <a:t>.</a:t>
             </a:r>
           </a:p>
           <a:p>
@@ -8143,15 +7949,65 @@
               <a:lnSpc>
                 <a:spcPct val="100000"/>
               </a:lnSpc>
+              <a:spcBef>
+                <a:spcPts val="0"/>
+              </a:spcBef>
+              <a:spcAft>
+                <a:spcPts val="0"/>
+              </a:spcAft>
+              <a:buFont typeface="Arial" panose="020B0604020202020204" pitchFamily="34" charset="0"/>
+              <a:buChar char="•"/>
             </a:pPr>
-            <a:r>
-              <a:rPr lang="pt-BR" dirty="0">
+            <a:endParaRPr lang="pt-BR" dirty="0">
+              <a:solidFill>
+                <a:schemeClr val="tx1"/>
+              </a:solidFill>
+            </a:endParaRPr>
+          </a:p>
+          <a:p>
+            <a:pPr algn="just">
+              <a:lnSpc>
+                <a:spcPct val="100000"/>
+              </a:lnSpc>
+              <a:spcBef>
+                <a:spcPts val="0"/>
+              </a:spcBef>
+              <a:spcAft>
+                <a:spcPts val="0"/>
+              </a:spcAft>
+              <a:buFont typeface="Arial" panose="020B0604020202020204" pitchFamily="34" charset="0"/>
+              <a:buChar char="•"/>
+            </a:pPr>
+            <a:r>
+              <a:rPr lang="pt-BR" b="0" i="0" u="none" strike="noStrike" dirty="0">
                 <a:solidFill>
                   <a:schemeClr val="tx1"/>
                 </a:solidFill>
+                <a:effectLst/>
               </a:rPr>
-              <a:t>Caso alguém queira interagir com o Fatequino, o usuário deverá acenar de forma direta para a câmera do robô a fim de que o Fatequino tenha a ciência de sua solicitação para responder alguma dúvida, seja de alunos ou professores.</a:t>
-            </a:r>
+              <a:t>RECOGNIZE FACES VIDEO: Já neste arquivo temos as importações de bibliotecas responsáveis pela inicialização da stream de vídeo, busca de encode facial e similares para comparação.</a:t>
+            </a:r>
+          </a:p>
+          <a:p>
+            <a:pPr algn="just">
+              <a:lnSpc>
+                <a:spcPct val="100000"/>
+              </a:lnSpc>
+              <a:spcBef>
+                <a:spcPts val="0"/>
+              </a:spcBef>
+              <a:spcAft>
+                <a:spcPts val="0"/>
+              </a:spcAft>
+              <a:buFont typeface="Arial" panose="020B0604020202020204" pitchFamily="34" charset="0"/>
+              <a:buChar char="•"/>
+            </a:pPr>
+            <a:endParaRPr lang="pt-BR" b="0" i="0" u="none" strike="noStrike" dirty="0">
+              <a:solidFill>
+                <a:schemeClr val="tx1"/>
+              </a:solidFill>
+              <a:effectLst/>
+            </a:endParaRPr>
           </a:p>
         </p:txBody>
       </p:sp>
@@ -8171,7 +8027,7 @@
         </p:nvSpPr>
         <p:spPr>
           <a:xfrm>
-            <a:off x="1160471" y="891915"/>
+            <a:off x="1160471" y="887375"/>
             <a:ext cx="8911687" cy="886804"/>
           </a:xfrm>
           <a:prstGeom prst="rect">
@@ -8263,7 +8119,7 @@
                   <a:schemeClr val="tx1"/>
                 </a:solidFill>
               </a:rPr>
-              <a:t>Grupo Atual</a:t>
+              <a:t>Análise do Código Anterior</a:t>
             </a:r>
           </a:p>
         </p:txBody>
@@ -8405,7 +8261,7 @@
     </p:spTree>
     <p:extLst>
       <p:ext uri="{BB962C8B-B14F-4D97-AF65-F5344CB8AC3E}">
-        <p14:creationId xmlns:p14="http://schemas.microsoft.com/office/powerpoint/2010/main" val="257023306"/>
+        <p14:creationId xmlns:p14="http://schemas.microsoft.com/office/powerpoint/2010/main" val="2069722216"/>
       </p:ext>
     </p:extLst>
   </p:cSld>
@@ -8415,7 +8271,7 @@
 </p:sld>
 </file>
 
-<file path=ppt/slides/slide6.xml><?xml version="1.0" encoding="utf-8"?>
+<file path=ppt/slides/slide5.xml><?xml version="1.0" encoding="utf-8"?>
 <p:sld xmlns:a="http://schemas.openxmlformats.org/drawingml/2006/main" xmlns:r="http://schemas.openxmlformats.org/officeDocument/2006/relationships" xmlns:p="http://schemas.openxmlformats.org/presentationml/2006/main">
   <p:cSld>
     <p:spTree>
@@ -8434,10 +8290,10 @@
       </p:grpSpPr>
       <p:sp>
         <p:nvSpPr>
-          <p:cNvPr id="2" name="Título 1">
+          <p:cNvPr id="3" name="Espaço Reservado para Conteúdo 2">
             <a:extLst>
               <a:ext uri="{FF2B5EF4-FFF2-40B4-BE49-F238E27FC236}">
-                <a16:creationId xmlns:a16="http://schemas.microsoft.com/office/drawing/2014/main" id="{FDF998FF-A72C-4AFD-BB81-842876A9105E}"/>
+                <a16:creationId xmlns:a16="http://schemas.microsoft.com/office/drawing/2014/main" id="{77ED0EF2-70A4-424F-91C1-054A9A981E20}"/>
               </a:ext>
             </a:extLst>
           </p:cNvPr>
@@ -8445,326 +8301,279 @@
             <a:spLocks noGrp="1"/>
           </p:cNvSpPr>
           <p:nvPr>
-            <p:ph type="title"/>
+            <p:ph idx="1"/>
           </p:nvPr>
         </p:nvSpPr>
         <p:spPr>
           <a:xfrm>
-            <a:off x="1139252" y="884065"/>
-            <a:ext cx="8911687" cy="886804"/>
+            <a:off x="1054924" y="2133380"/>
+            <a:ext cx="10082152" cy="3907656"/>
           </a:xfrm>
         </p:spPr>
         <p:txBody>
-          <a:bodyPr/>
-          <a:lstStyle/>
-          <a:p>
-            <a:r>
-              <a:rPr lang="pt-BR" b="1" dirty="0">
-                <a:solidFill>
-                  <a:schemeClr val="tx1"/>
-                </a:solidFill>
-              </a:rPr>
-              <a:t>Linguagem</a:t>
-            </a:r>
-          </a:p>
-        </p:txBody>
-      </p:sp>
-      <p:sp>
-        <p:nvSpPr>
-          <p:cNvPr id="4" name="Espaço Reservado para Conteúdo 2">
-            <a:extLst>
-              <a:ext uri="{FF2B5EF4-FFF2-40B4-BE49-F238E27FC236}">
-                <a16:creationId xmlns:a16="http://schemas.microsoft.com/office/drawing/2014/main" id="{E53DDFE0-2451-43AB-A563-5D047F09792E}"/>
-              </a:ext>
-            </a:extLst>
-          </p:cNvPr>
-          <p:cNvSpPr txBox="1">
-            <a:spLocks/>
-          </p:cNvSpPr>
-          <p:nvPr/>
-        </p:nvSpPr>
-        <p:spPr>
-          <a:xfrm>
-            <a:off x="1139252" y="1943962"/>
-            <a:ext cx="10103371" cy="1894571"/>
-          </a:xfrm>
-          <a:prstGeom prst="rect">
-            <a:avLst/>
-          </a:prstGeom>
-        </p:spPr>
-        <p:txBody>
-          <a:bodyPr vert="horz" lIns="91440" tIns="45720" rIns="91440" bIns="45720" rtlCol="0">
+          <a:bodyPr>
             <a:noAutofit/>
           </a:bodyPr>
-          <a:lstStyle>
-            <a:lvl1pPr marL="342900" indent="-342900" algn="l" defTabSz="457200" rtl="0" eaLnBrk="1" latinLnBrk="0" hangingPunct="1">
+          <a:lstStyle/>
+          <a:p>
+            <a:pPr algn="just">
+              <a:lnSpc>
+                <a:spcPct val="100000"/>
+              </a:lnSpc>
               <a:spcBef>
-                <a:spcPts val="1000"/>
+                <a:spcPts val="0"/>
               </a:spcBef>
               <a:spcAft>
                 <a:spcPts val="0"/>
               </a:spcAft>
-              <a:buClr>
-                <a:schemeClr val="accent1"/>
-              </a:buClr>
-              <a:buFont typeface="Wingdings 3" charset="2"/>
-              <a:buChar char=""/>
-              <a:defRPr sz="1800" kern="1200">
-                <a:solidFill>
-                  <a:schemeClr val="tx1">
-                    <a:lumMod val="75000"/>
-                    <a:lumOff val="25000"/>
-                  </a:schemeClr>
-                </a:solidFill>
-                <a:latin typeface="+mn-lt"/>
-                <a:ea typeface="+mn-ea"/>
-                <a:cs typeface="+mn-cs"/>
-              </a:defRPr>
-            </a:lvl1pPr>
-            <a:lvl2pPr marL="742950" indent="-285750" algn="l" defTabSz="457200" rtl="0" eaLnBrk="1" latinLnBrk="0" hangingPunct="1">
+              <a:buFont typeface="Arial" panose="020B0604020202020204" pitchFamily="34" charset="0"/>
+              <a:buChar char="•"/>
+            </a:pPr>
+            <a:r>
+              <a:rPr lang="pt-BR" dirty="0">
+                <a:solidFill>
+                  <a:schemeClr val="tx1"/>
+                </a:solidFill>
+                <a:effectLst/>
+                <a:ea typeface="Arial" panose="020B0604020202020204" pitchFamily="34" charset="0"/>
+              </a:rPr>
+              <a:t>Devido a complicações com algumas bibliotecas no código utilizado pelo grupo anterior, foi recomendado e orientado pelo professor uma alteração dele. Então nos foi dado outras referências, e assim implantamos outro método de reconhecimento de faces pela câmera, utilizando os arquivos landmarks.py e o arquivo .</a:t>
+            </a:r>
+            <a:r>
+              <a:rPr lang="pt-BR" dirty="0" err="1">
+                <a:solidFill>
+                  <a:schemeClr val="tx1"/>
+                </a:solidFill>
+                <a:effectLst/>
+                <a:ea typeface="Arial" panose="020B0604020202020204" pitchFamily="34" charset="0"/>
+              </a:rPr>
+              <a:t>dat</a:t>
+            </a:r>
+            <a:r>
+              <a:rPr lang="pt-BR" dirty="0">
+                <a:solidFill>
+                  <a:schemeClr val="tx1"/>
+                </a:solidFill>
+                <a:effectLst/>
+                <a:ea typeface="Arial" panose="020B0604020202020204" pitchFamily="34" charset="0"/>
+              </a:rPr>
+              <a:t> (que nomeamos como no projeto original). Todo o processo de instalação foi dentro do ambiente virtual Anaconda.</a:t>
+            </a:r>
+            <a:endParaRPr lang="pt-BR" dirty="0">
+              <a:solidFill>
+                <a:schemeClr val="tx1"/>
+              </a:solidFill>
+              <a:ea typeface="Arial" panose="020B0604020202020204" pitchFamily="34" charset="0"/>
+            </a:endParaRPr>
+          </a:p>
+          <a:p>
+            <a:pPr algn="just">
+              <a:lnSpc>
+                <a:spcPct val="100000"/>
+              </a:lnSpc>
               <a:spcBef>
-                <a:spcPts val="1000"/>
+                <a:spcPts val="0"/>
               </a:spcBef>
               <a:spcAft>
                 <a:spcPts val="0"/>
               </a:spcAft>
-              <a:buClr>
-                <a:schemeClr val="accent1"/>
-              </a:buClr>
-              <a:buFont typeface="Wingdings 3" charset="2"/>
-              <a:buChar char=""/>
-              <a:defRPr sz="1600" kern="1200">
-                <a:solidFill>
-                  <a:schemeClr val="tx1">
-                    <a:lumMod val="75000"/>
-                    <a:lumOff val="25000"/>
-                  </a:schemeClr>
-                </a:solidFill>
-                <a:latin typeface="+mn-lt"/>
-                <a:ea typeface="+mn-ea"/>
-                <a:cs typeface="+mn-cs"/>
-              </a:defRPr>
-            </a:lvl2pPr>
-            <a:lvl3pPr marL="1143000" indent="-228600" algn="l" defTabSz="457200" rtl="0" eaLnBrk="1" latinLnBrk="0" hangingPunct="1">
+              <a:buFont typeface="Arial" panose="020B0604020202020204" pitchFamily="34" charset="0"/>
+              <a:buChar char="•"/>
+            </a:pPr>
+            <a:endParaRPr lang="pt-BR" b="1" dirty="0">
+              <a:solidFill>
+                <a:schemeClr val="tx1"/>
+              </a:solidFill>
+              <a:effectLst/>
+              <a:ea typeface="Arial" panose="020B0604020202020204" pitchFamily="34" charset="0"/>
+            </a:endParaRPr>
+          </a:p>
+          <a:p>
+            <a:pPr algn="just">
+              <a:lnSpc>
+                <a:spcPct val="100000"/>
+              </a:lnSpc>
               <a:spcBef>
-                <a:spcPts val="1000"/>
+                <a:spcPts val="0"/>
               </a:spcBef>
               <a:spcAft>
                 <a:spcPts val="0"/>
               </a:spcAft>
-              <a:buClr>
-                <a:schemeClr val="accent1"/>
-              </a:buClr>
-              <a:buFont typeface="Wingdings 3" charset="2"/>
-              <a:buChar char=""/>
-              <a:defRPr sz="1400" kern="1200">
-                <a:solidFill>
-                  <a:schemeClr val="tx1">
-                    <a:lumMod val="75000"/>
-                    <a:lumOff val="25000"/>
-                  </a:schemeClr>
-                </a:solidFill>
-                <a:latin typeface="+mn-lt"/>
-                <a:ea typeface="+mn-ea"/>
-                <a:cs typeface="+mn-cs"/>
-              </a:defRPr>
-            </a:lvl3pPr>
-            <a:lvl4pPr marL="1600200" indent="-228600" algn="l" defTabSz="457200" rtl="0" eaLnBrk="1" latinLnBrk="0" hangingPunct="1">
+              <a:buFont typeface="Arial" panose="020B0604020202020204" pitchFamily="34" charset="0"/>
+              <a:buChar char="•"/>
+            </a:pPr>
+            <a:r>
+              <a:rPr lang="pt-BR" b="1" dirty="0">
+                <a:solidFill>
+                  <a:schemeClr val="tx1"/>
+                </a:solidFill>
+                <a:effectLst/>
+                <a:ea typeface="Arial" panose="020B0604020202020204" pitchFamily="34" charset="0"/>
+              </a:rPr>
+              <a:t>landmarks.py:</a:t>
+            </a:r>
+            <a:r>
+              <a:rPr lang="pt-BR" dirty="0">
+                <a:solidFill>
+                  <a:schemeClr val="tx1"/>
+                </a:solidFill>
+                <a:effectLst/>
+                <a:ea typeface="Arial" panose="020B0604020202020204" pitchFamily="34" charset="0"/>
+              </a:rPr>
+              <a:t> No arquivo encontram-se as bibliotecas, as coordenadas da detecção de 68 pontos de referência de faces pela câmera, que são checados com base no arquivo “.</a:t>
+            </a:r>
+            <a:r>
+              <a:rPr lang="pt-BR" dirty="0" err="1">
+                <a:solidFill>
+                  <a:schemeClr val="tx1"/>
+                </a:solidFill>
+                <a:effectLst/>
+                <a:ea typeface="Arial" panose="020B0604020202020204" pitchFamily="34" charset="0"/>
+              </a:rPr>
+              <a:t>dat</a:t>
+            </a:r>
+            <a:r>
+              <a:rPr lang="pt-BR" dirty="0">
+                <a:solidFill>
+                  <a:schemeClr val="tx1"/>
+                </a:solidFill>
+                <a:effectLst/>
+                <a:ea typeface="Arial" panose="020B0604020202020204" pitchFamily="34" charset="0"/>
+              </a:rPr>
+              <a:t>”. </a:t>
+            </a:r>
+          </a:p>
+          <a:p>
+            <a:pPr algn="just">
+              <a:lnSpc>
+                <a:spcPct val="100000"/>
+              </a:lnSpc>
               <a:spcBef>
-                <a:spcPts val="1000"/>
+                <a:spcPts val="0"/>
               </a:spcBef>
               <a:spcAft>
                 <a:spcPts val="0"/>
               </a:spcAft>
-              <a:buClr>
-                <a:schemeClr val="accent1"/>
-              </a:buClr>
-              <a:buFont typeface="Wingdings 3" charset="2"/>
-              <a:buChar char=""/>
-              <a:defRPr sz="1200" kern="1200">
-                <a:solidFill>
-                  <a:schemeClr val="tx1">
-                    <a:lumMod val="75000"/>
-                    <a:lumOff val="25000"/>
-                  </a:schemeClr>
-                </a:solidFill>
-                <a:latin typeface="+mn-lt"/>
-                <a:ea typeface="+mn-ea"/>
-                <a:cs typeface="+mn-cs"/>
-              </a:defRPr>
-            </a:lvl4pPr>
-            <a:lvl5pPr marL="2057400" indent="-228600" algn="l" defTabSz="457200" rtl="0" eaLnBrk="1" latinLnBrk="0" hangingPunct="1">
+              <a:buFont typeface="Arial" panose="020B0604020202020204" pitchFamily="34" charset="0"/>
+              <a:buChar char="•"/>
+            </a:pPr>
+            <a:endParaRPr lang="pt-BR" b="1" dirty="0">
+              <a:solidFill>
+                <a:schemeClr val="tx1"/>
+              </a:solidFill>
+              <a:ea typeface="Arial" panose="020B0604020202020204" pitchFamily="34" charset="0"/>
+            </a:endParaRPr>
+          </a:p>
+          <a:p>
+            <a:pPr algn="just">
+              <a:lnSpc>
+                <a:spcPct val="100000"/>
+              </a:lnSpc>
               <a:spcBef>
-                <a:spcPts val="1000"/>
+                <a:spcPts val="0"/>
               </a:spcBef>
               <a:spcAft>
                 <a:spcPts val="0"/>
               </a:spcAft>
-              <a:buClr>
-                <a:schemeClr val="accent1"/>
-              </a:buClr>
-              <a:buFont typeface="Wingdings 3" charset="2"/>
-              <a:buChar char=""/>
-              <a:defRPr sz="1200" kern="1200">
-                <a:solidFill>
-                  <a:schemeClr val="tx1">
-                    <a:lumMod val="75000"/>
-                    <a:lumOff val="25000"/>
-                  </a:schemeClr>
-                </a:solidFill>
-                <a:latin typeface="+mn-lt"/>
-                <a:ea typeface="+mn-ea"/>
-                <a:cs typeface="+mn-cs"/>
-              </a:defRPr>
-            </a:lvl5pPr>
-            <a:lvl6pPr marL="2514600" indent="-228600" algn="l" defTabSz="457200" rtl="0" eaLnBrk="1" latinLnBrk="0" hangingPunct="1">
+              <a:buFont typeface="Arial" panose="020B0604020202020204" pitchFamily="34" charset="0"/>
+              <a:buChar char="•"/>
+            </a:pPr>
+            <a:r>
+              <a:rPr lang="pt-BR" b="1" dirty="0">
+                <a:solidFill>
+                  <a:schemeClr val="tx1"/>
+                </a:solidFill>
+                <a:effectLst/>
+                <a:ea typeface="Arial" panose="020B0604020202020204" pitchFamily="34" charset="0"/>
+              </a:rPr>
+              <a:t>“arquivo”.</a:t>
+            </a:r>
+            <a:r>
+              <a:rPr lang="pt-BR" b="1" dirty="0" err="1">
+                <a:solidFill>
+                  <a:schemeClr val="tx1"/>
+                </a:solidFill>
+                <a:effectLst/>
+                <a:ea typeface="Arial" panose="020B0604020202020204" pitchFamily="34" charset="0"/>
+              </a:rPr>
+              <a:t>dat</a:t>
+            </a:r>
+            <a:r>
+              <a:rPr lang="pt-BR" b="1" dirty="0">
+                <a:solidFill>
+                  <a:schemeClr val="tx1"/>
+                </a:solidFill>
+                <a:effectLst/>
+                <a:ea typeface="Arial" panose="020B0604020202020204" pitchFamily="34" charset="0"/>
+              </a:rPr>
+              <a:t>:</a:t>
+            </a:r>
+            <a:r>
+              <a:rPr lang="pt-BR" dirty="0">
+                <a:solidFill>
+                  <a:schemeClr val="tx1"/>
+                </a:solidFill>
+                <a:effectLst/>
+                <a:ea typeface="Arial" panose="020B0604020202020204" pitchFamily="34" charset="0"/>
+              </a:rPr>
+              <a:t> Arquivo identificador de pontos de referência, que no método “</a:t>
+            </a:r>
+            <a:r>
+              <a:rPr lang="pt-BR" dirty="0" err="1">
+                <a:solidFill>
+                  <a:schemeClr val="tx1"/>
+                </a:solidFill>
+                <a:effectLst/>
+                <a:ea typeface="Arial" panose="020B0604020202020204" pitchFamily="34" charset="0"/>
+              </a:rPr>
+              <a:t>shapepredictor</a:t>
+            </a:r>
+            <a:r>
+              <a:rPr lang="pt-BR" dirty="0">
+                <a:solidFill>
+                  <a:schemeClr val="tx1"/>
+                </a:solidFill>
+                <a:effectLst/>
+                <a:ea typeface="Arial" panose="020B0604020202020204" pitchFamily="34" charset="0"/>
+              </a:rPr>
+              <a:t>” da biblioteca </a:t>
+            </a:r>
+            <a:r>
+              <a:rPr lang="pt-BR" dirty="0" err="1">
+                <a:solidFill>
+                  <a:schemeClr val="tx1"/>
+                </a:solidFill>
+                <a:effectLst/>
+                <a:ea typeface="Arial" panose="020B0604020202020204" pitchFamily="34" charset="0"/>
+              </a:rPr>
+              <a:t>dlib</a:t>
+            </a:r>
+            <a:r>
+              <a:rPr lang="pt-BR" dirty="0">
+                <a:solidFill>
+                  <a:schemeClr val="tx1"/>
+                </a:solidFill>
+                <a:effectLst/>
+                <a:ea typeface="Arial" panose="020B0604020202020204" pitchFamily="34" charset="0"/>
+              </a:rPr>
+              <a:t> (no arquivo landmarks.py), busca desse arquivo as coordenadas para a detecção dos pontos de referências.</a:t>
+            </a:r>
+          </a:p>
+          <a:p>
+            <a:pPr algn="just">
+              <a:lnSpc>
+                <a:spcPct val="100000"/>
+              </a:lnSpc>
               <a:spcBef>
-                <a:spcPts val="1000"/>
+                <a:spcPts val="0"/>
               </a:spcBef>
               <a:spcAft>
                 <a:spcPts val="0"/>
               </a:spcAft>
-              <a:buClr>
-                <a:schemeClr val="accent1"/>
-              </a:buClr>
-              <a:buFont typeface="Wingdings 3" charset="2"/>
-              <a:buChar char=""/>
-              <a:defRPr sz="1200" kern="1200">
-                <a:solidFill>
-                  <a:schemeClr val="tx1">
-                    <a:lumMod val="75000"/>
-                    <a:lumOff val="25000"/>
-                  </a:schemeClr>
-                </a:solidFill>
-                <a:latin typeface="+mn-lt"/>
-                <a:ea typeface="+mn-ea"/>
-                <a:cs typeface="+mn-cs"/>
-              </a:defRPr>
-            </a:lvl6pPr>
-            <a:lvl7pPr marL="2971800" indent="-228600" algn="l" defTabSz="457200" rtl="0" eaLnBrk="1" latinLnBrk="0" hangingPunct="1">
-              <a:spcBef>
-                <a:spcPts val="1000"/>
-              </a:spcBef>
-              <a:spcAft>
-                <a:spcPts val="0"/>
-              </a:spcAft>
-              <a:buClr>
-                <a:schemeClr val="accent1"/>
-              </a:buClr>
-              <a:buFont typeface="Wingdings 3" charset="2"/>
-              <a:buChar char=""/>
-              <a:defRPr sz="1200" kern="1200">
-                <a:solidFill>
-                  <a:schemeClr val="tx1">
-                    <a:lumMod val="75000"/>
-                    <a:lumOff val="25000"/>
-                  </a:schemeClr>
-                </a:solidFill>
-                <a:latin typeface="+mn-lt"/>
-                <a:ea typeface="+mn-ea"/>
-                <a:cs typeface="+mn-cs"/>
-              </a:defRPr>
-            </a:lvl7pPr>
-            <a:lvl8pPr marL="3429000" indent="-228600" algn="l" defTabSz="457200" rtl="0" eaLnBrk="1" latinLnBrk="0" hangingPunct="1">
-              <a:spcBef>
-                <a:spcPts val="1000"/>
-              </a:spcBef>
-              <a:spcAft>
-                <a:spcPts val="0"/>
-              </a:spcAft>
-              <a:buClr>
-                <a:schemeClr val="accent1"/>
-              </a:buClr>
-              <a:buFont typeface="Wingdings 3" charset="2"/>
-              <a:buChar char=""/>
-              <a:defRPr sz="1200" kern="1200">
-                <a:solidFill>
-                  <a:schemeClr val="tx1">
-                    <a:lumMod val="75000"/>
-                    <a:lumOff val="25000"/>
-                  </a:schemeClr>
-                </a:solidFill>
-                <a:latin typeface="+mn-lt"/>
-                <a:ea typeface="+mn-ea"/>
-                <a:cs typeface="+mn-cs"/>
-              </a:defRPr>
-            </a:lvl8pPr>
-            <a:lvl9pPr marL="3886200" indent="-228600" algn="l" defTabSz="457200" rtl="0" eaLnBrk="1" latinLnBrk="0" hangingPunct="1">
-              <a:spcBef>
-                <a:spcPts val="1000"/>
-              </a:spcBef>
-              <a:spcAft>
-                <a:spcPts val="0"/>
-              </a:spcAft>
-              <a:buClr>
-                <a:schemeClr val="accent1"/>
-              </a:buClr>
-              <a:buFont typeface="Wingdings 3" charset="2"/>
-              <a:buChar char=""/>
-              <a:defRPr sz="1200" kern="1200">
-                <a:solidFill>
-                  <a:schemeClr val="tx1">
-                    <a:lumMod val="75000"/>
-                    <a:lumOff val="25000"/>
-                  </a:schemeClr>
-                </a:solidFill>
-                <a:latin typeface="+mn-lt"/>
-                <a:ea typeface="+mn-ea"/>
-                <a:cs typeface="+mn-cs"/>
-              </a:defRPr>
-            </a:lvl9pPr>
-          </a:lstStyle>
-          <a:p>
-            <a:pPr marL="0" indent="0" algn="just" rtl="0">
-              <a:spcBef>
-                <a:spcPts val="500"/>
-              </a:spcBef>
-              <a:spcAft>
-                <a:spcPts val="500"/>
-              </a:spcAft>
-              <a:buNone/>
+              <a:buFont typeface="Arial" panose="020B0604020202020204" pitchFamily="34" charset="0"/>
+              <a:buChar char="•"/>
             </a:pPr>
-            <a:r>
-              <a:rPr lang="pt-BR" sz="2000" b="0" i="0" u="none" strike="noStrike" dirty="0">
-                <a:solidFill>
-                  <a:schemeClr val="tx1"/>
-                </a:solidFill>
-                <a:effectLst/>
-              </a:rPr>
-              <a:t>Como nos grupos anteriores continuaremos a utilizar a linguagem Python, pois ela demonstra-se perfeita e compatível para continuarmos o projeto. </a:t>
-            </a:r>
-          </a:p>
-          <a:p>
-            <a:pPr marL="0" indent="0" algn="just" rtl="0">
-              <a:spcBef>
-                <a:spcPts val="500"/>
-              </a:spcBef>
-              <a:spcAft>
-                <a:spcPts val="500"/>
-              </a:spcAft>
-              <a:buNone/>
-            </a:pPr>
-            <a:r>
-              <a:rPr lang="pt-BR" sz="2000" b="0" i="0" u="none" strike="noStrike" dirty="0">
-                <a:solidFill>
-                  <a:schemeClr val="tx1"/>
-                </a:solidFill>
-                <a:effectLst/>
-              </a:rPr>
-              <a:t>Utilizaremos também o OpenCV que é uma biblioteca multiplataforma. Esta ferramenta é totalmente gratuita, voltada para estudos acadêmicos, têm a capacidade de processamento de imagens, ajudando assim, a distinguir os rostos das pessoas que serão cadastradas no Fatequino. </a:t>
-            </a:r>
-            <a:endParaRPr lang="pt-BR" sz="2000" b="0" dirty="0">
-              <a:solidFill>
-                <a:schemeClr val="tx1"/>
-              </a:solidFill>
-              <a:effectLst/>
-            </a:endParaRPr>
-          </a:p>
-          <a:p>
-            <a:pPr marL="0" indent="0">
-              <a:buNone/>
-            </a:pPr>
-            <a:endParaRPr lang="pt-BR" sz="2000" dirty="0">
+            <a:endParaRPr lang="pt-BR" dirty="0">
               <a:solidFill>
                 <a:schemeClr val="tx1"/>
               </a:solidFill>
@@ -8906,100 +8715,123 @@
           </a:extLst>
         </p:spPr>
       </p:pic>
-      <p:pic>
-        <p:nvPicPr>
-          <p:cNvPr id="1026" name="Picture 2" descr="Eu Amo Picles: como explorar desserialização em Python - Real Protect">
+      <p:sp>
+        <p:nvSpPr>
+          <p:cNvPr id="2" name="Título 1">
             <a:extLst>
               <a:ext uri="{FF2B5EF4-FFF2-40B4-BE49-F238E27FC236}">
-                <a16:creationId xmlns:a16="http://schemas.microsoft.com/office/drawing/2014/main" id="{99F5BAFE-5E8A-4073-A2F4-C8F9252DFCD5}"/>
+                <a16:creationId xmlns:a16="http://schemas.microsoft.com/office/drawing/2014/main" id="{E40EE82B-47E9-4B76-958E-771A7B1E9758}"/>
               </a:ext>
             </a:extLst>
           </p:cNvPr>
-          <p:cNvPicPr>
-            <a:picLocks noChangeAspect="1" noChangeArrowheads="1"/>
-          </p:cNvPicPr>
+          <p:cNvSpPr txBox="1">
+            <a:spLocks/>
+          </p:cNvSpPr>
           <p:nvPr/>
-        </p:nvPicPr>
-        <p:blipFill rotWithShape="1">
-          <a:blip r:embed="rId4">
-            <a:extLst>
-              <a:ext uri="{28A0092B-C50C-407E-A947-70E740481C1C}">
-                <a14:useLocalDpi xmlns:a14="http://schemas.microsoft.com/office/drawing/2010/main" val="0"/>
-              </a:ext>
-            </a:extLst>
-          </a:blip>
-          <a:srcRect l="11332" t="11573" r="6283" b="22183"/>
-          <a:stretch/>
-        </p:blipFill>
-        <p:spPr bwMode="auto">
-          <a:xfrm>
-            <a:off x="1636443" y="4481142"/>
-            <a:ext cx="5298465" cy="1439057"/>
+        </p:nvSpPr>
+        <p:spPr>
+          <a:xfrm>
+            <a:off x="1054924" y="1006733"/>
+            <a:ext cx="8911687" cy="886804"/>
           </a:xfrm>
           <a:prstGeom prst="rect">
             <a:avLst/>
           </a:prstGeom>
-          <a:noFill/>
-          <a:extLst>
-            <a:ext uri="{909E8E84-426E-40DD-AFC4-6F175D3DCCD1}">
-              <a14:hiddenFill xmlns:a14="http://schemas.microsoft.com/office/drawing/2010/main">
-                <a:solidFill>
-                  <a:srgbClr val="FFFFFF"/>
-                </a:solidFill>
-              </a14:hiddenFill>
-            </a:ext>
-          </a:extLst>
-        </p:spPr>
-      </p:pic>
-      <p:pic>
-        <p:nvPicPr>
-          <p:cNvPr id="1028" name="Picture 4" descr="Aplicação de visão computacional com OpenCV - Embarcados">
-            <a:extLst>
-              <a:ext uri="{FF2B5EF4-FFF2-40B4-BE49-F238E27FC236}">
-                <a16:creationId xmlns:a16="http://schemas.microsoft.com/office/drawing/2014/main" id="{AC7B159C-0C47-418A-AF0B-8D10EC119055}"/>
-              </a:ext>
-            </a:extLst>
-          </p:cNvPr>
-          <p:cNvPicPr>
-            <a:picLocks noChangeAspect="1" noChangeArrowheads="1"/>
-          </p:cNvPicPr>
-          <p:nvPr/>
-        </p:nvPicPr>
-        <p:blipFill rotWithShape="1">
-          <a:blip r:embed="rId5">
-            <a:extLst>
-              <a:ext uri="{28A0092B-C50C-407E-A947-70E740481C1C}">
-                <a14:useLocalDpi xmlns:a14="http://schemas.microsoft.com/office/drawing/2010/main" val="0"/>
-              </a:ext>
-            </a:extLst>
-          </a:blip>
-          <a:srcRect l="25958" t="16595" r="29543" b="18261"/>
-          <a:stretch/>
-        </p:blipFill>
-        <p:spPr bwMode="auto">
-          <a:xfrm>
-            <a:off x="7976050" y="3755696"/>
-            <a:ext cx="2575793" cy="2262465"/>
-          </a:xfrm>
-          <a:prstGeom prst="rect">
-            <a:avLst/>
-          </a:prstGeom>
-          <a:noFill/>
-          <a:extLst>
-            <a:ext uri="{909E8E84-426E-40DD-AFC4-6F175D3DCCD1}">
-              <a14:hiddenFill xmlns:a14="http://schemas.microsoft.com/office/drawing/2010/main">
-                <a:solidFill>
-                  <a:srgbClr val="FFFFFF"/>
-                </a:solidFill>
-              </a14:hiddenFill>
-            </a:ext>
-          </a:extLst>
-        </p:spPr>
-      </p:pic>
+        </p:spPr>
+        <p:txBody>
+          <a:bodyPr vert="horz" lIns="91440" tIns="45720" rIns="91440" bIns="45720" rtlCol="0" anchor="t">
+            <a:normAutofit/>
+          </a:bodyPr>
+          <a:lstStyle>
+            <a:lvl1pPr algn="l" defTabSz="457200" rtl="0" eaLnBrk="1" latinLnBrk="0" hangingPunct="1">
+              <a:spcBef>
+                <a:spcPct val="0"/>
+              </a:spcBef>
+              <a:buNone/>
+              <a:defRPr sz="3600" kern="1200">
+                <a:solidFill>
+                  <a:schemeClr val="accent2">
+                    <a:lumMod val="75000"/>
+                  </a:schemeClr>
+                </a:solidFill>
+                <a:latin typeface="+mj-lt"/>
+                <a:ea typeface="+mj-ea"/>
+                <a:cs typeface="+mj-cs"/>
+              </a:defRPr>
+            </a:lvl1pPr>
+            <a:lvl2pPr eaLnBrk="1" hangingPunct="1">
+              <a:defRPr>
+                <a:solidFill>
+                  <a:schemeClr val="tx2"/>
+                </a:solidFill>
+              </a:defRPr>
+            </a:lvl2pPr>
+            <a:lvl3pPr eaLnBrk="1" hangingPunct="1">
+              <a:defRPr>
+                <a:solidFill>
+                  <a:schemeClr val="tx2"/>
+                </a:solidFill>
+              </a:defRPr>
+            </a:lvl3pPr>
+            <a:lvl4pPr eaLnBrk="1" hangingPunct="1">
+              <a:defRPr>
+                <a:solidFill>
+                  <a:schemeClr val="tx2"/>
+                </a:solidFill>
+              </a:defRPr>
+            </a:lvl4pPr>
+            <a:lvl5pPr eaLnBrk="1" hangingPunct="1">
+              <a:defRPr>
+                <a:solidFill>
+                  <a:schemeClr val="tx2"/>
+                </a:solidFill>
+              </a:defRPr>
+            </a:lvl5pPr>
+            <a:lvl6pPr eaLnBrk="1" hangingPunct="1">
+              <a:defRPr>
+                <a:solidFill>
+                  <a:schemeClr val="tx2"/>
+                </a:solidFill>
+              </a:defRPr>
+            </a:lvl6pPr>
+            <a:lvl7pPr eaLnBrk="1" hangingPunct="1">
+              <a:defRPr>
+                <a:solidFill>
+                  <a:schemeClr val="tx2"/>
+                </a:solidFill>
+              </a:defRPr>
+            </a:lvl7pPr>
+            <a:lvl8pPr eaLnBrk="1" hangingPunct="1">
+              <a:defRPr>
+                <a:solidFill>
+                  <a:schemeClr val="tx2"/>
+                </a:solidFill>
+              </a:defRPr>
+            </a:lvl8pPr>
+            <a:lvl9pPr eaLnBrk="1" hangingPunct="1">
+              <a:defRPr>
+                <a:solidFill>
+                  <a:schemeClr val="tx2"/>
+                </a:solidFill>
+              </a:defRPr>
+            </a:lvl9pPr>
+          </a:lstStyle>
+          <a:p>
+            <a:r>
+              <a:rPr lang="pt-BR" sz="4800" b="1" dirty="0">
+                <a:solidFill>
+                  <a:schemeClr val="tx1"/>
+                </a:solidFill>
+              </a:rPr>
+              <a:t>Atualização no Código</a:t>
+            </a:r>
+          </a:p>
+        </p:txBody>
+      </p:sp>
     </p:spTree>
     <p:extLst>
       <p:ext uri="{BB962C8B-B14F-4D97-AF65-F5344CB8AC3E}">
-        <p14:creationId xmlns:p14="http://schemas.microsoft.com/office/powerpoint/2010/main" val="2941495196"/>
+        <p14:creationId xmlns:p14="http://schemas.microsoft.com/office/powerpoint/2010/main" val="3596669424"/>
       </p:ext>
     </p:extLst>
   </p:cSld>
@@ -9009,7 +8841,7 @@
 </p:sld>
 </file>
 
-<file path=ppt/slides/slide7.xml><?xml version="1.0" encoding="utf-8"?>
+<file path=ppt/slides/slide6.xml><?xml version="1.0" encoding="utf-8"?>
 <p:sld xmlns:a="http://schemas.openxmlformats.org/drawingml/2006/main" xmlns:r="http://schemas.openxmlformats.org/officeDocument/2006/relationships" xmlns:p="http://schemas.openxmlformats.org/presentationml/2006/main">
   <p:cSld>
     <p:spTree>
@@ -9028,10 +8860,10 @@
       </p:grpSpPr>
       <p:sp>
         <p:nvSpPr>
-          <p:cNvPr id="2" name="Título 1">
+          <p:cNvPr id="3" name="Espaço Reservado para Conteúdo 2">
             <a:extLst>
               <a:ext uri="{FF2B5EF4-FFF2-40B4-BE49-F238E27FC236}">
-                <a16:creationId xmlns:a16="http://schemas.microsoft.com/office/drawing/2014/main" id="{FDF998FF-A72C-4AFD-BB81-842876A9105E}"/>
+                <a16:creationId xmlns:a16="http://schemas.microsoft.com/office/drawing/2014/main" id="{77ED0EF2-70A4-424F-91C1-054A9A981E20}"/>
               </a:ext>
             </a:extLst>
           </p:cNvPr>
@@ -9039,36 +8871,88 @@
             <a:spLocks noGrp="1"/>
           </p:cNvSpPr>
           <p:nvPr>
-            <p:ph type="title"/>
+            <p:ph idx="1"/>
           </p:nvPr>
         </p:nvSpPr>
         <p:spPr>
           <a:xfrm>
-            <a:off x="1160471" y="895307"/>
-            <a:ext cx="8911687" cy="886804"/>
+            <a:off x="1160471" y="2202190"/>
+            <a:ext cx="10082152" cy="2877092"/>
           </a:xfrm>
         </p:spPr>
         <p:txBody>
-          <a:bodyPr/>
+          <a:bodyPr>
+            <a:normAutofit/>
+          </a:bodyPr>
           <a:lstStyle/>
           <a:p>
-            <a:r>
-              <a:rPr lang="pt-BR" b="1" dirty="0">
+            <a:pPr algn="just">
+              <a:lnSpc>
+                <a:spcPct val="100000"/>
+              </a:lnSpc>
+            </a:pPr>
+            <a:r>
+              <a:rPr lang="pt-BR" dirty="0">
                 <a:solidFill>
                   <a:schemeClr val="tx1"/>
                 </a:solidFill>
+                <a:effectLst/>
+                <a:ea typeface="Arial" panose="020B0604020202020204" pitchFamily="34" charset="0"/>
               </a:rPr>
-              <a:t>Inserção das Imagens</a:t>
+              <a:t>Documentar os métodos de instalação no projeto, atualizar no repositório </a:t>
+            </a:r>
+            <a:r>
+              <a:rPr lang="pt-BR" dirty="0" err="1">
+                <a:solidFill>
+                  <a:schemeClr val="tx1"/>
+                </a:solidFill>
+                <a:effectLst/>
+                <a:ea typeface="Arial" panose="020B0604020202020204" pitchFamily="34" charset="0"/>
+              </a:rPr>
+              <a:t>github</a:t>
+            </a:r>
+            <a:r>
+              <a:rPr lang="pt-BR" dirty="0">
+                <a:solidFill>
+                  <a:schemeClr val="tx1"/>
+                </a:solidFill>
+                <a:effectLst/>
+                <a:ea typeface="Arial" panose="020B0604020202020204" pitchFamily="34" charset="0"/>
+              </a:rPr>
+              <a:t> os arquivos e se possível implementar o reconhecimento de </a:t>
+            </a:r>
+            <a:r>
+              <a:rPr lang="pt-BR" dirty="0">
+                <a:solidFill>
+                  <a:schemeClr val="tx1"/>
+                </a:solidFill>
+              </a:rPr>
+              <a:t>objetos com o propósito de poder desviar de paredes, objetos, pessoas que não querem interagir com o robô, evitando impactos para que o Fatequino seja danificado. </a:t>
+            </a:r>
+          </a:p>
+          <a:p>
+            <a:pPr algn="just">
+              <a:lnSpc>
+                <a:spcPct val="100000"/>
+              </a:lnSpc>
+            </a:pPr>
+            <a:r>
+              <a:rPr lang="pt-BR" dirty="0">
+                <a:solidFill>
+                  <a:schemeClr val="tx1"/>
+                </a:solidFill>
+              </a:rPr>
+              <a:t>Caso alguém queira interagir com o Fatequino, o usuário deverá acenar de forma direta para a câmera do robô a fim de que o Fatequino tenha a ciência de sua solicitação para responder alguma dúvida, seja de alunos ou professores.</a:t>
             </a:r>
           </a:p>
         </p:txBody>
       </p:sp>
       <p:sp>
         <p:nvSpPr>
-          <p:cNvPr id="4" name="Espaço Reservado para Conteúdo 2">
+          <p:cNvPr id="5" name="Título 1">
             <a:extLst>
               <a:ext uri="{FF2B5EF4-FFF2-40B4-BE49-F238E27FC236}">
-                <a16:creationId xmlns:a16="http://schemas.microsoft.com/office/drawing/2014/main" id="{E53DDFE0-2451-43AB-A563-5D047F09792E}"/>
+                <a16:creationId xmlns:a16="http://schemas.microsoft.com/office/drawing/2014/main" id="{21ED3A7E-6F3F-49B8-957B-A56B89C9F890}"/>
               </a:ext>
             </a:extLst>
           </p:cNvPr>
@@ -9079,295 +8963,100 @@
         </p:nvSpPr>
         <p:spPr>
           <a:xfrm>
-            <a:off x="1160471" y="1943962"/>
-            <a:ext cx="10082152" cy="1894571"/>
+            <a:off x="1160471" y="891915"/>
+            <a:ext cx="8911687" cy="886804"/>
           </a:xfrm>
           <a:prstGeom prst="rect">
             <a:avLst/>
           </a:prstGeom>
         </p:spPr>
         <p:txBody>
-          <a:bodyPr vert="horz" lIns="91440" tIns="45720" rIns="91440" bIns="45720" rtlCol="0">
-            <a:noAutofit/>
+          <a:bodyPr vert="horz" lIns="91440" tIns="45720" rIns="91440" bIns="45720" rtlCol="0" anchor="t">
+            <a:normAutofit/>
           </a:bodyPr>
           <a:lstStyle>
-            <a:lvl1pPr marL="342900" indent="-342900" algn="l" defTabSz="457200" rtl="0" eaLnBrk="1" latinLnBrk="0" hangingPunct="1">
+            <a:lvl1pPr algn="l" defTabSz="457200" rtl="0" eaLnBrk="1" latinLnBrk="0" hangingPunct="1">
               <a:spcBef>
-                <a:spcPts val="1000"/>
+                <a:spcPct val="0"/>
               </a:spcBef>
-              <a:spcAft>
-                <a:spcPts val="0"/>
-              </a:spcAft>
-              <a:buClr>
-                <a:schemeClr val="accent1"/>
-              </a:buClr>
-              <a:buFont typeface="Wingdings 3" charset="2"/>
-              <a:buChar char=""/>
-              <a:defRPr sz="1800" kern="1200">
-                <a:solidFill>
-                  <a:schemeClr val="tx1">
+              <a:buNone/>
+              <a:defRPr sz="3600" kern="1200">
+                <a:solidFill>
+                  <a:schemeClr val="accent2">
                     <a:lumMod val="75000"/>
-                    <a:lumOff val="25000"/>
                   </a:schemeClr>
                 </a:solidFill>
-                <a:latin typeface="+mn-lt"/>
-                <a:ea typeface="+mn-ea"/>
-                <a:cs typeface="+mn-cs"/>
+                <a:latin typeface="+mj-lt"/>
+                <a:ea typeface="+mj-ea"/>
+                <a:cs typeface="+mj-cs"/>
               </a:defRPr>
             </a:lvl1pPr>
-            <a:lvl2pPr marL="742950" indent="-285750" algn="l" defTabSz="457200" rtl="0" eaLnBrk="1" latinLnBrk="0" hangingPunct="1">
-              <a:spcBef>
-                <a:spcPts val="1000"/>
-              </a:spcBef>
-              <a:spcAft>
-                <a:spcPts val="0"/>
-              </a:spcAft>
-              <a:buClr>
-                <a:schemeClr val="accent1"/>
-              </a:buClr>
-              <a:buFont typeface="Wingdings 3" charset="2"/>
-              <a:buChar char=""/>
-              <a:defRPr sz="1600" kern="1200">
-                <a:solidFill>
-                  <a:schemeClr val="tx1">
-                    <a:lumMod val="75000"/>
-                    <a:lumOff val="25000"/>
-                  </a:schemeClr>
-                </a:solidFill>
-                <a:latin typeface="+mn-lt"/>
-                <a:ea typeface="+mn-ea"/>
-                <a:cs typeface="+mn-cs"/>
+            <a:lvl2pPr eaLnBrk="1" hangingPunct="1">
+              <a:defRPr>
+                <a:solidFill>
+                  <a:schemeClr val="tx2"/>
+                </a:solidFill>
               </a:defRPr>
             </a:lvl2pPr>
-            <a:lvl3pPr marL="1143000" indent="-228600" algn="l" defTabSz="457200" rtl="0" eaLnBrk="1" latinLnBrk="0" hangingPunct="1">
-              <a:spcBef>
-                <a:spcPts val="1000"/>
-              </a:spcBef>
-              <a:spcAft>
-                <a:spcPts val="0"/>
-              </a:spcAft>
-              <a:buClr>
-                <a:schemeClr val="accent1"/>
-              </a:buClr>
-              <a:buFont typeface="Wingdings 3" charset="2"/>
-              <a:buChar char=""/>
-              <a:defRPr sz="1400" kern="1200">
-                <a:solidFill>
-                  <a:schemeClr val="tx1">
-                    <a:lumMod val="75000"/>
-                    <a:lumOff val="25000"/>
-                  </a:schemeClr>
-                </a:solidFill>
-                <a:latin typeface="+mn-lt"/>
-                <a:ea typeface="+mn-ea"/>
-                <a:cs typeface="+mn-cs"/>
+            <a:lvl3pPr eaLnBrk="1" hangingPunct="1">
+              <a:defRPr>
+                <a:solidFill>
+                  <a:schemeClr val="tx2"/>
+                </a:solidFill>
               </a:defRPr>
             </a:lvl3pPr>
-            <a:lvl4pPr marL="1600200" indent="-228600" algn="l" defTabSz="457200" rtl="0" eaLnBrk="1" latinLnBrk="0" hangingPunct="1">
-              <a:spcBef>
-                <a:spcPts val="1000"/>
-              </a:spcBef>
-              <a:spcAft>
-                <a:spcPts val="0"/>
-              </a:spcAft>
-              <a:buClr>
-                <a:schemeClr val="accent1"/>
-              </a:buClr>
-              <a:buFont typeface="Wingdings 3" charset="2"/>
-              <a:buChar char=""/>
-              <a:defRPr sz="1200" kern="1200">
-                <a:solidFill>
-                  <a:schemeClr val="tx1">
-                    <a:lumMod val="75000"/>
-                    <a:lumOff val="25000"/>
-                  </a:schemeClr>
-                </a:solidFill>
-                <a:latin typeface="+mn-lt"/>
-                <a:ea typeface="+mn-ea"/>
-                <a:cs typeface="+mn-cs"/>
+            <a:lvl4pPr eaLnBrk="1" hangingPunct="1">
+              <a:defRPr>
+                <a:solidFill>
+                  <a:schemeClr val="tx2"/>
+                </a:solidFill>
               </a:defRPr>
             </a:lvl4pPr>
-            <a:lvl5pPr marL="2057400" indent="-228600" algn="l" defTabSz="457200" rtl="0" eaLnBrk="1" latinLnBrk="0" hangingPunct="1">
-              <a:spcBef>
-                <a:spcPts val="1000"/>
-              </a:spcBef>
-              <a:spcAft>
-                <a:spcPts val="0"/>
-              </a:spcAft>
-              <a:buClr>
-                <a:schemeClr val="accent1"/>
-              </a:buClr>
-              <a:buFont typeface="Wingdings 3" charset="2"/>
-              <a:buChar char=""/>
-              <a:defRPr sz="1200" kern="1200">
-                <a:solidFill>
-                  <a:schemeClr val="tx1">
-                    <a:lumMod val="75000"/>
-                    <a:lumOff val="25000"/>
-                  </a:schemeClr>
-                </a:solidFill>
-                <a:latin typeface="+mn-lt"/>
-                <a:ea typeface="+mn-ea"/>
-                <a:cs typeface="+mn-cs"/>
+            <a:lvl5pPr eaLnBrk="1" hangingPunct="1">
+              <a:defRPr>
+                <a:solidFill>
+                  <a:schemeClr val="tx2"/>
+                </a:solidFill>
               </a:defRPr>
             </a:lvl5pPr>
-            <a:lvl6pPr marL="2514600" indent="-228600" algn="l" defTabSz="457200" rtl="0" eaLnBrk="1" latinLnBrk="0" hangingPunct="1">
-              <a:spcBef>
-                <a:spcPts val="1000"/>
-              </a:spcBef>
-              <a:spcAft>
-                <a:spcPts val="0"/>
-              </a:spcAft>
-              <a:buClr>
-                <a:schemeClr val="accent1"/>
-              </a:buClr>
-              <a:buFont typeface="Wingdings 3" charset="2"/>
-              <a:buChar char=""/>
-              <a:defRPr sz="1200" kern="1200">
-                <a:solidFill>
-                  <a:schemeClr val="tx1">
-                    <a:lumMod val="75000"/>
-                    <a:lumOff val="25000"/>
-                  </a:schemeClr>
-                </a:solidFill>
-                <a:latin typeface="+mn-lt"/>
-                <a:ea typeface="+mn-ea"/>
-                <a:cs typeface="+mn-cs"/>
+            <a:lvl6pPr eaLnBrk="1" hangingPunct="1">
+              <a:defRPr>
+                <a:solidFill>
+                  <a:schemeClr val="tx2"/>
+                </a:solidFill>
               </a:defRPr>
             </a:lvl6pPr>
-            <a:lvl7pPr marL="2971800" indent="-228600" algn="l" defTabSz="457200" rtl="0" eaLnBrk="1" latinLnBrk="0" hangingPunct="1">
-              <a:spcBef>
-                <a:spcPts val="1000"/>
-              </a:spcBef>
-              <a:spcAft>
-                <a:spcPts val="0"/>
-              </a:spcAft>
-              <a:buClr>
-                <a:schemeClr val="accent1"/>
-              </a:buClr>
-              <a:buFont typeface="Wingdings 3" charset="2"/>
-              <a:buChar char=""/>
-              <a:defRPr sz="1200" kern="1200">
-                <a:solidFill>
-                  <a:schemeClr val="tx1">
-                    <a:lumMod val="75000"/>
-                    <a:lumOff val="25000"/>
-                  </a:schemeClr>
-                </a:solidFill>
-                <a:latin typeface="+mn-lt"/>
-                <a:ea typeface="+mn-ea"/>
-                <a:cs typeface="+mn-cs"/>
+            <a:lvl7pPr eaLnBrk="1" hangingPunct="1">
+              <a:defRPr>
+                <a:solidFill>
+                  <a:schemeClr val="tx2"/>
+                </a:solidFill>
               </a:defRPr>
             </a:lvl7pPr>
-            <a:lvl8pPr marL="3429000" indent="-228600" algn="l" defTabSz="457200" rtl="0" eaLnBrk="1" latinLnBrk="0" hangingPunct="1">
-              <a:spcBef>
-                <a:spcPts val="1000"/>
-              </a:spcBef>
-              <a:spcAft>
-                <a:spcPts val="0"/>
-              </a:spcAft>
-              <a:buClr>
-                <a:schemeClr val="accent1"/>
-              </a:buClr>
-              <a:buFont typeface="Wingdings 3" charset="2"/>
-              <a:buChar char=""/>
-              <a:defRPr sz="1200" kern="1200">
-                <a:solidFill>
-                  <a:schemeClr val="tx1">
-                    <a:lumMod val="75000"/>
-                    <a:lumOff val="25000"/>
-                  </a:schemeClr>
-                </a:solidFill>
-                <a:latin typeface="+mn-lt"/>
-                <a:ea typeface="+mn-ea"/>
-                <a:cs typeface="+mn-cs"/>
+            <a:lvl8pPr eaLnBrk="1" hangingPunct="1">
+              <a:defRPr>
+                <a:solidFill>
+                  <a:schemeClr val="tx2"/>
+                </a:solidFill>
               </a:defRPr>
             </a:lvl8pPr>
-            <a:lvl9pPr marL="3886200" indent="-228600" algn="l" defTabSz="457200" rtl="0" eaLnBrk="1" latinLnBrk="0" hangingPunct="1">
-              <a:spcBef>
-                <a:spcPts val="1000"/>
-              </a:spcBef>
-              <a:spcAft>
-                <a:spcPts val="0"/>
-              </a:spcAft>
-              <a:buClr>
-                <a:schemeClr val="accent1"/>
-              </a:buClr>
-              <a:buFont typeface="Wingdings 3" charset="2"/>
-              <a:buChar char=""/>
-              <a:defRPr sz="1200" kern="1200">
-                <a:solidFill>
-                  <a:schemeClr val="tx1">
-                    <a:lumMod val="75000"/>
-                    <a:lumOff val="25000"/>
-                  </a:schemeClr>
-                </a:solidFill>
-                <a:latin typeface="+mn-lt"/>
-                <a:ea typeface="+mn-ea"/>
-                <a:cs typeface="+mn-cs"/>
+            <a:lvl9pPr eaLnBrk="1" hangingPunct="1">
+              <a:defRPr>
+                <a:solidFill>
+                  <a:schemeClr val="tx2"/>
+                </a:solidFill>
               </a:defRPr>
             </a:lvl9pPr>
           </a:lstStyle>
           <a:p>
-            <a:pPr marL="0" indent="0" algn="just" rtl="0">
-              <a:spcBef>
-                <a:spcPts val="500"/>
-              </a:spcBef>
-              <a:spcAft>
-                <a:spcPts val="500"/>
-              </a:spcAft>
-              <a:buNone/>
-            </a:pPr>
-            <a:r>
-              <a:rPr lang="pt-BR" sz="2000" b="0" i="0" u="none" strike="noStrike" dirty="0">
+            <a:r>
+              <a:rPr lang="pt-BR" sz="4800" b="1" dirty="0">
                 <a:solidFill>
                   <a:schemeClr val="tx1"/>
                 </a:solidFill>
-                <a:effectLst/>
               </a:rPr>
-              <a:t>A equipe web disponibilizará um duplicador do site </a:t>
-            </a:r>
-            <a:r>
-              <a:rPr lang="pt-BR" sz="2000" b="0" i="0" u="none" strike="noStrike" dirty="0" err="1">
-                <a:solidFill>
-                  <a:schemeClr val="tx1"/>
-                </a:solidFill>
-                <a:effectLst/>
-              </a:rPr>
-              <a:t>WordPress</a:t>
-            </a:r>
-            <a:r>
-              <a:rPr lang="pt-BR" sz="2000" b="0" i="0" u="none" strike="noStrike" dirty="0">
-                <a:solidFill>
-                  <a:schemeClr val="tx1"/>
-                </a:solidFill>
-                <a:effectLst/>
-              </a:rPr>
-              <a:t> que ao instalarmos teremos acesso ao Fatequino sem alterar o ambiente de produção, será necessário implementar uma API para consumir os dados das imagens disponibilizadas (ainda não definido pela equipe web).</a:t>
-            </a:r>
-            <a:endParaRPr lang="pt-BR" sz="2000" b="0" dirty="0">
-              <a:solidFill>
-                <a:schemeClr val="tx1"/>
-              </a:solidFill>
-              <a:effectLst/>
-            </a:endParaRPr>
-          </a:p>
-          <a:p>
-            <a:pPr marL="0" indent="0">
-              <a:buNone/>
-            </a:pPr>
-            <a:br>
-              <a:rPr lang="pt-BR" sz="2000" dirty="0">
-                <a:solidFill>
-                  <a:schemeClr val="tx1"/>
-                </a:solidFill>
-              </a:rPr>
-            </a:br>
-            <a:endParaRPr lang="pt-BR" sz="2000" dirty="0">
-              <a:solidFill>
-                <a:schemeClr val="tx1"/>
-              </a:solidFill>
-            </a:endParaRPr>
+              <a:t>Grupo Atual</a:t>
+            </a:r>
           </a:p>
         </p:txBody>
       </p:sp>
@@ -9505,55 +9194,10 @@
           </a:extLst>
         </p:spPr>
       </p:pic>
-      <p:pic>
-        <p:nvPicPr>
-          <p:cNvPr id="3074" name="Picture 2" descr="Wordpress - Alquimia">
-            <a:extLst>
-              <a:ext uri="{FF2B5EF4-FFF2-40B4-BE49-F238E27FC236}">
-                <a16:creationId xmlns:a16="http://schemas.microsoft.com/office/drawing/2014/main" id="{549813FB-DD01-41C3-A918-6A25535BA0ED}"/>
-              </a:ext>
-            </a:extLst>
-          </p:cNvPr>
-          <p:cNvPicPr>
-            <a:picLocks noChangeAspect="1" noChangeArrowheads="1"/>
-          </p:cNvPicPr>
-          <p:nvPr/>
-        </p:nvPicPr>
-        <p:blipFill rotWithShape="1">
-          <a:blip r:embed="rId4">
-            <a:extLst>
-              <a:ext uri="{28A0092B-C50C-407E-A947-70E740481C1C}">
-                <a14:useLocalDpi xmlns:a14="http://schemas.microsoft.com/office/drawing/2010/main" val="0"/>
-              </a:ext>
-            </a:extLst>
-          </a:blip>
-          <a:srcRect t="18575" b="18575"/>
-          <a:stretch/>
-        </p:blipFill>
-        <p:spPr bwMode="auto">
-          <a:xfrm>
-            <a:off x="3552668" y="3275430"/>
-            <a:ext cx="4776071" cy="3001806"/>
-          </a:xfrm>
-          <a:prstGeom prst="rect">
-            <a:avLst/>
-          </a:prstGeom>
-          <a:noFill/>
-          <a:extLst>
-            <a:ext uri="{909E8E84-426E-40DD-AFC4-6F175D3DCCD1}">
-              <a14:hiddenFill xmlns:a14="http://schemas.microsoft.com/office/drawing/2010/main">
-                <a:solidFill>
-                  <a:srgbClr val="FFFFFF"/>
-                </a:solidFill>
-              </a14:hiddenFill>
-            </a:ext>
-          </a:extLst>
-        </p:spPr>
-      </p:pic>
     </p:spTree>
     <p:extLst>
       <p:ext uri="{BB962C8B-B14F-4D97-AF65-F5344CB8AC3E}">
-        <p14:creationId xmlns:p14="http://schemas.microsoft.com/office/powerpoint/2010/main" val="2009375512"/>
+        <p14:creationId xmlns:p14="http://schemas.microsoft.com/office/powerpoint/2010/main" val="257023306"/>
       </p:ext>
     </p:extLst>
   </p:cSld>
@@ -9563,7 +9207,7 @@
 </p:sld>
 </file>
 
-<file path=ppt/slides/slide8.xml><?xml version="1.0" encoding="utf-8"?>
+<file path=ppt/slides/slide7.xml><?xml version="1.0" encoding="utf-8"?>
 <p:sld xmlns:a="http://schemas.openxmlformats.org/drawingml/2006/main" xmlns:r="http://schemas.openxmlformats.org/officeDocument/2006/relationships" xmlns:p="http://schemas.openxmlformats.org/presentationml/2006/main">
   <p:cSld>
     <p:spTree>
@@ -9585,7 +9229,7 @@
           <p:cNvPr id="2" name="Título 1">
             <a:extLst>
               <a:ext uri="{FF2B5EF4-FFF2-40B4-BE49-F238E27FC236}">
-                <a16:creationId xmlns:a16="http://schemas.microsoft.com/office/drawing/2014/main" id="{53D075BD-602D-4FFB-B94F-37A4A3A4881A}"/>
+                <a16:creationId xmlns:a16="http://schemas.microsoft.com/office/drawing/2014/main" id="{FDF998FF-A72C-4AFD-BB81-842876A9105E}"/>
               </a:ext>
             </a:extLst>
           </p:cNvPr>
@@ -9598,8 +9242,8 @@
         </p:nvSpPr>
         <p:spPr>
           <a:xfrm>
-            <a:off x="1097280" y="1006162"/>
-            <a:ext cx="10058400" cy="731198"/>
+            <a:off x="1139252" y="884065"/>
+            <a:ext cx="8911687" cy="886804"/>
           </a:xfrm>
         </p:spPr>
         <p:txBody>
@@ -9612,76 +9256,320 @@
                   <a:schemeClr val="tx1"/>
                 </a:solidFill>
               </a:rPr>
-              <a:t>Implementação</a:t>
+              <a:t>Linguagem</a:t>
             </a:r>
           </a:p>
         </p:txBody>
       </p:sp>
       <p:sp>
         <p:nvSpPr>
-          <p:cNvPr id="3" name="Espaço Reservado para Conteúdo 2">
+          <p:cNvPr id="4" name="Espaço Reservado para Conteúdo 2">
             <a:extLst>
               <a:ext uri="{FF2B5EF4-FFF2-40B4-BE49-F238E27FC236}">
-                <a16:creationId xmlns:a16="http://schemas.microsoft.com/office/drawing/2014/main" id="{605E02A3-AEE4-45CE-BD57-F8D0C5C53E50}"/>
+                <a16:creationId xmlns:a16="http://schemas.microsoft.com/office/drawing/2014/main" id="{E53DDFE0-2451-43AB-A563-5D047F09792E}"/>
               </a:ext>
             </a:extLst>
           </p:cNvPr>
-          <p:cNvSpPr>
-            <a:spLocks noGrp="1"/>
+          <p:cNvSpPr txBox="1">
+            <a:spLocks/>
           </p:cNvSpPr>
-          <p:nvPr>
-            <p:ph idx="1"/>
-          </p:nvPr>
+          <p:nvPr/>
         </p:nvSpPr>
         <p:spPr>
           <a:xfrm>
-            <a:off x="1097279" y="2161413"/>
-            <a:ext cx="10058399" cy="3690425"/>
-          </a:xfrm>
+            <a:off x="1139252" y="1943962"/>
+            <a:ext cx="10103371" cy="2098649"/>
+          </a:xfrm>
+          <a:prstGeom prst="rect">
+            <a:avLst/>
+          </a:prstGeom>
         </p:spPr>
         <p:txBody>
-          <a:bodyPr>
-            <a:normAutofit/>
+          <a:bodyPr vert="horz" lIns="91440" tIns="45720" rIns="91440" bIns="45720" rtlCol="0">
+            <a:noAutofit/>
           </a:bodyPr>
-          <a:lstStyle/>
-          <a:p>
-            <a:pPr algn="just"/>
-            <a:r>
-              <a:rPr lang="pt-BR" dirty="0">
+          <a:lstStyle>
+            <a:lvl1pPr marL="342900" indent="-342900" algn="l" defTabSz="457200" rtl="0" eaLnBrk="1" latinLnBrk="0" hangingPunct="1">
+              <a:spcBef>
+                <a:spcPts val="1000"/>
+              </a:spcBef>
+              <a:spcAft>
+                <a:spcPts val="0"/>
+              </a:spcAft>
+              <a:buClr>
+                <a:schemeClr val="accent1"/>
+              </a:buClr>
+              <a:buFont typeface="Wingdings 3" charset="2"/>
+              <a:buChar char=""/>
+              <a:defRPr sz="1800" kern="1200">
+                <a:solidFill>
+                  <a:schemeClr val="tx1">
+                    <a:lumMod val="75000"/>
+                    <a:lumOff val="25000"/>
+                  </a:schemeClr>
+                </a:solidFill>
+                <a:latin typeface="+mn-lt"/>
+                <a:ea typeface="+mn-ea"/>
+                <a:cs typeface="+mn-cs"/>
+              </a:defRPr>
+            </a:lvl1pPr>
+            <a:lvl2pPr marL="742950" indent="-285750" algn="l" defTabSz="457200" rtl="0" eaLnBrk="1" latinLnBrk="0" hangingPunct="1">
+              <a:spcBef>
+                <a:spcPts val="1000"/>
+              </a:spcBef>
+              <a:spcAft>
+                <a:spcPts val="0"/>
+              </a:spcAft>
+              <a:buClr>
+                <a:schemeClr val="accent1"/>
+              </a:buClr>
+              <a:buFont typeface="Wingdings 3" charset="2"/>
+              <a:buChar char=""/>
+              <a:defRPr sz="1600" kern="1200">
+                <a:solidFill>
+                  <a:schemeClr val="tx1">
+                    <a:lumMod val="75000"/>
+                    <a:lumOff val="25000"/>
+                  </a:schemeClr>
+                </a:solidFill>
+                <a:latin typeface="+mn-lt"/>
+                <a:ea typeface="+mn-ea"/>
+                <a:cs typeface="+mn-cs"/>
+              </a:defRPr>
+            </a:lvl2pPr>
+            <a:lvl3pPr marL="1143000" indent="-228600" algn="l" defTabSz="457200" rtl="0" eaLnBrk="1" latinLnBrk="0" hangingPunct="1">
+              <a:spcBef>
+                <a:spcPts val="1000"/>
+              </a:spcBef>
+              <a:spcAft>
+                <a:spcPts val="0"/>
+              </a:spcAft>
+              <a:buClr>
+                <a:schemeClr val="accent1"/>
+              </a:buClr>
+              <a:buFont typeface="Wingdings 3" charset="2"/>
+              <a:buChar char=""/>
+              <a:defRPr sz="1400" kern="1200">
+                <a:solidFill>
+                  <a:schemeClr val="tx1">
+                    <a:lumMod val="75000"/>
+                    <a:lumOff val="25000"/>
+                  </a:schemeClr>
+                </a:solidFill>
+                <a:latin typeface="+mn-lt"/>
+                <a:ea typeface="+mn-ea"/>
+                <a:cs typeface="+mn-cs"/>
+              </a:defRPr>
+            </a:lvl3pPr>
+            <a:lvl4pPr marL="1600200" indent="-228600" algn="l" defTabSz="457200" rtl="0" eaLnBrk="1" latinLnBrk="0" hangingPunct="1">
+              <a:spcBef>
+                <a:spcPts val="1000"/>
+              </a:spcBef>
+              <a:spcAft>
+                <a:spcPts val="0"/>
+              </a:spcAft>
+              <a:buClr>
+                <a:schemeClr val="accent1"/>
+              </a:buClr>
+              <a:buFont typeface="Wingdings 3" charset="2"/>
+              <a:buChar char=""/>
+              <a:defRPr sz="1200" kern="1200">
+                <a:solidFill>
+                  <a:schemeClr val="tx1">
+                    <a:lumMod val="75000"/>
+                    <a:lumOff val="25000"/>
+                  </a:schemeClr>
+                </a:solidFill>
+                <a:latin typeface="+mn-lt"/>
+                <a:ea typeface="+mn-ea"/>
+                <a:cs typeface="+mn-cs"/>
+              </a:defRPr>
+            </a:lvl4pPr>
+            <a:lvl5pPr marL="2057400" indent="-228600" algn="l" defTabSz="457200" rtl="0" eaLnBrk="1" latinLnBrk="0" hangingPunct="1">
+              <a:spcBef>
+                <a:spcPts val="1000"/>
+              </a:spcBef>
+              <a:spcAft>
+                <a:spcPts val="0"/>
+              </a:spcAft>
+              <a:buClr>
+                <a:schemeClr val="accent1"/>
+              </a:buClr>
+              <a:buFont typeface="Wingdings 3" charset="2"/>
+              <a:buChar char=""/>
+              <a:defRPr sz="1200" kern="1200">
+                <a:solidFill>
+                  <a:schemeClr val="tx1">
+                    <a:lumMod val="75000"/>
+                    <a:lumOff val="25000"/>
+                  </a:schemeClr>
+                </a:solidFill>
+                <a:latin typeface="+mn-lt"/>
+                <a:ea typeface="+mn-ea"/>
+                <a:cs typeface="+mn-cs"/>
+              </a:defRPr>
+            </a:lvl5pPr>
+            <a:lvl6pPr marL="2514600" indent="-228600" algn="l" defTabSz="457200" rtl="0" eaLnBrk="1" latinLnBrk="0" hangingPunct="1">
+              <a:spcBef>
+                <a:spcPts val="1000"/>
+              </a:spcBef>
+              <a:spcAft>
+                <a:spcPts val="0"/>
+              </a:spcAft>
+              <a:buClr>
+                <a:schemeClr val="accent1"/>
+              </a:buClr>
+              <a:buFont typeface="Wingdings 3" charset="2"/>
+              <a:buChar char=""/>
+              <a:defRPr sz="1200" kern="1200">
+                <a:solidFill>
+                  <a:schemeClr val="tx1">
+                    <a:lumMod val="75000"/>
+                    <a:lumOff val="25000"/>
+                  </a:schemeClr>
+                </a:solidFill>
+                <a:latin typeface="+mn-lt"/>
+                <a:ea typeface="+mn-ea"/>
+                <a:cs typeface="+mn-cs"/>
+              </a:defRPr>
+            </a:lvl6pPr>
+            <a:lvl7pPr marL="2971800" indent="-228600" algn="l" defTabSz="457200" rtl="0" eaLnBrk="1" latinLnBrk="0" hangingPunct="1">
+              <a:spcBef>
+                <a:spcPts val="1000"/>
+              </a:spcBef>
+              <a:spcAft>
+                <a:spcPts val="0"/>
+              </a:spcAft>
+              <a:buClr>
+                <a:schemeClr val="accent1"/>
+              </a:buClr>
+              <a:buFont typeface="Wingdings 3" charset="2"/>
+              <a:buChar char=""/>
+              <a:defRPr sz="1200" kern="1200">
+                <a:solidFill>
+                  <a:schemeClr val="tx1">
+                    <a:lumMod val="75000"/>
+                    <a:lumOff val="25000"/>
+                  </a:schemeClr>
+                </a:solidFill>
+                <a:latin typeface="+mn-lt"/>
+                <a:ea typeface="+mn-ea"/>
+                <a:cs typeface="+mn-cs"/>
+              </a:defRPr>
+            </a:lvl7pPr>
+            <a:lvl8pPr marL="3429000" indent="-228600" algn="l" defTabSz="457200" rtl="0" eaLnBrk="1" latinLnBrk="0" hangingPunct="1">
+              <a:spcBef>
+                <a:spcPts val="1000"/>
+              </a:spcBef>
+              <a:spcAft>
+                <a:spcPts val="0"/>
+              </a:spcAft>
+              <a:buClr>
+                <a:schemeClr val="accent1"/>
+              </a:buClr>
+              <a:buFont typeface="Wingdings 3" charset="2"/>
+              <a:buChar char=""/>
+              <a:defRPr sz="1200" kern="1200">
+                <a:solidFill>
+                  <a:schemeClr val="tx1">
+                    <a:lumMod val="75000"/>
+                    <a:lumOff val="25000"/>
+                  </a:schemeClr>
+                </a:solidFill>
+                <a:latin typeface="+mn-lt"/>
+                <a:ea typeface="+mn-ea"/>
+                <a:cs typeface="+mn-cs"/>
+              </a:defRPr>
+            </a:lvl8pPr>
+            <a:lvl9pPr marL="3886200" indent="-228600" algn="l" defTabSz="457200" rtl="0" eaLnBrk="1" latinLnBrk="0" hangingPunct="1">
+              <a:spcBef>
+                <a:spcPts val="1000"/>
+              </a:spcBef>
+              <a:spcAft>
+                <a:spcPts val="0"/>
+              </a:spcAft>
+              <a:buClr>
+                <a:schemeClr val="accent1"/>
+              </a:buClr>
+              <a:buFont typeface="Wingdings 3" charset="2"/>
+              <a:buChar char=""/>
+              <a:defRPr sz="1200" kern="1200">
+                <a:solidFill>
+                  <a:schemeClr val="tx1">
+                    <a:lumMod val="75000"/>
+                    <a:lumOff val="25000"/>
+                  </a:schemeClr>
+                </a:solidFill>
+                <a:latin typeface="+mn-lt"/>
+                <a:ea typeface="+mn-ea"/>
+                <a:cs typeface="+mn-cs"/>
+              </a:defRPr>
+            </a:lvl9pPr>
+          </a:lstStyle>
+          <a:p>
+            <a:pPr marL="0" indent="0" algn="just" rtl="0">
+              <a:spcBef>
+                <a:spcPts val="500"/>
+              </a:spcBef>
+              <a:spcAft>
+                <a:spcPts val="500"/>
+              </a:spcAft>
+              <a:buNone/>
+            </a:pPr>
+            <a:r>
+              <a:rPr lang="pt-BR" sz="2000" b="0" i="0" u="none" strike="noStrike" dirty="0">
                 <a:solidFill>
                   <a:schemeClr val="tx1"/>
                 </a:solidFill>
+                <a:effectLst/>
               </a:rPr>
-              <a:t>Trabalharemos com a segmentação (processamento de imagem) para identificar formas e objetos nas imagens, com o objetivo de poder identificar possíveis obstáculos. </a:t>
-            </a:r>
-          </a:p>
-          <a:p>
-            <a:pPr algn="just"/>
-            <a:endParaRPr lang="pt-BR" dirty="0">
+              <a:t>Como nos grupos anteriores continuaremos a utilizar a linguagem Python, pois ela demonstra-se perfeita e compatível para continuarmos o projeto. </a:t>
+            </a:r>
+          </a:p>
+          <a:p>
+            <a:pPr marL="0" indent="0" algn="just" rtl="0">
+              <a:spcBef>
+                <a:spcPts val="500"/>
+              </a:spcBef>
+              <a:spcAft>
+                <a:spcPts val="500"/>
+              </a:spcAft>
+              <a:buNone/>
+            </a:pPr>
+            <a:r>
+              <a:rPr lang="pt-BR" sz="2000" b="0" i="0" u="none" strike="noStrike" dirty="0">
+                <a:solidFill>
+                  <a:schemeClr val="tx1"/>
+                </a:solidFill>
+                <a:effectLst/>
+              </a:rPr>
+              <a:t>Utilizaremos também o OpenCV2 que é uma biblioteca multiplataforma. Esta ferramenta é totalmente gratuita, voltada para estudos acadêmicos, têm a capacidade de processamento de imagens, ajudando assim, a distinguir os rostos das pessoas que serão cadastradas no Fatequino. </a:t>
+            </a:r>
+            <a:endParaRPr lang="pt-BR" sz="2000" b="0" dirty="0">
+              <a:solidFill>
+                <a:schemeClr val="tx1"/>
+              </a:solidFill>
+              <a:effectLst/>
+            </a:endParaRPr>
+          </a:p>
+          <a:p>
+            <a:pPr marL="0" indent="0">
+              <a:buNone/>
+            </a:pPr>
+            <a:endParaRPr lang="pt-BR" sz="2000" dirty="0">
               <a:solidFill>
                 <a:schemeClr val="tx1"/>
               </a:solidFill>
             </a:endParaRPr>
           </a:p>
-          <a:p>
-            <a:pPr algn="just"/>
-            <a:r>
-              <a:rPr lang="pt-BR" dirty="0">
-                <a:solidFill>
-                  <a:schemeClr val="tx1"/>
-                </a:solidFill>
-              </a:rPr>
-              <a:t>Há vários tipos de segmentação, porém a que mais se adequa ao nosso projeto é a descontinuidade de movimento, pois como o Fatequino estará sempre em movimento na Fatec, os obstáculos serão móveis e não fixos (no caso de pessoas), também como iremos utilizar o aceno, esse tipo de segmentação irá se adequar bem ao que foi sugerido para o projeto.</a:t>
-            </a:r>
-          </a:p>
         </p:txBody>
       </p:sp>
       <p:pic>
         <p:nvPicPr>
-          <p:cNvPr id="5" name="Picture 2" descr="https://lh4.googleusercontent.com/5Rwe-hedv2zoUCJ7yVpYSv5dHvCHmP7_N-VQn_XWiI_mGPc7hzOabq8GesVXalU4R6t1mtMjZ6muxkuoLuxr_Bu2t0KDQWAgGThdKNWV1l_u8wpZm2I61j6SBhNGJl0XNTZYsvHI">
+          <p:cNvPr id="7" name="Picture 2" descr="https://lh4.googleusercontent.com/5Rwe-hedv2zoUCJ7yVpYSv5dHvCHmP7_N-VQn_XWiI_mGPc7hzOabq8GesVXalU4R6t1mtMjZ6muxkuoLuxr_Bu2t0KDQWAgGThdKNWV1l_u8wpZm2I61j6SBhNGJl0XNTZYsvHI">
             <a:extLst>
               <a:ext uri="{FF2B5EF4-FFF2-40B4-BE49-F238E27FC236}">
-                <a16:creationId xmlns:a16="http://schemas.microsoft.com/office/drawing/2014/main" id="{FC0DE60D-57E8-4EA5-B018-800144E754C9}"/>
+                <a16:creationId xmlns:a16="http://schemas.microsoft.com/office/drawing/2014/main" id="{676EB3D3-A56B-4459-9954-A80CEEC33FCA}"/>
               </a:ext>
             </a:extLst>
           </p:cNvPr>
@@ -9767,10 +9655,10 @@
       </p:pic>
       <p:pic>
         <p:nvPicPr>
-          <p:cNvPr id="7" name="Picture 4" descr="Caracas Geek Fest">
+          <p:cNvPr id="9" name="Picture 4" descr="Caracas Geek Fest">
             <a:extLst>
               <a:ext uri="{FF2B5EF4-FFF2-40B4-BE49-F238E27FC236}">
-                <a16:creationId xmlns:a16="http://schemas.microsoft.com/office/drawing/2014/main" id="{AA30737F-57D8-4CBB-8CB5-92AE780EC314}"/>
+                <a16:creationId xmlns:a16="http://schemas.microsoft.com/office/drawing/2014/main" id="{3BDDC940-DBE9-4C2D-8C00-59412A360DEF}"/>
               </a:ext>
             </a:extLst>
           </p:cNvPr>
@@ -9810,10 +9698,100 @@
           </a:extLst>
         </p:spPr>
       </p:pic>
+      <p:pic>
+        <p:nvPicPr>
+          <p:cNvPr id="1026" name="Picture 2" descr="Eu Amo Picles: como explorar desserialização em Python - Real Protect">
+            <a:extLst>
+              <a:ext uri="{FF2B5EF4-FFF2-40B4-BE49-F238E27FC236}">
+                <a16:creationId xmlns:a16="http://schemas.microsoft.com/office/drawing/2014/main" id="{99F5BAFE-5E8A-4073-A2F4-C8F9252DFCD5}"/>
+              </a:ext>
+            </a:extLst>
+          </p:cNvPr>
+          <p:cNvPicPr>
+            <a:picLocks noChangeAspect="1" noChangeArrowheads="1"/>
+          </p:cNvPicPr>
+          <p:nvPr/>
+        </p:nvPicPr>
+        <p:blipFill rotWithShape="1">
+          <a:blip r:embed="rId4">
+            <a:extLst>
+              <a:ext uri="{28A0092B-C50C-407E-A947-70E740481C1C}">
+                <a14:useLocalDpi xmlns:a14="http://schemas.microsoft.com/office/drawing/2010/main" val="0"/>
+              </a:ext>
+            </a:extLst>
+          </a:blip>
+          <a:srcRect l="11332" t="11573" r="6283" b="22183"/>
+          <a:stretch/>
+        </p:blipFill>
+        <p:spPr bwMode="auto">
+          <a:xfrm>
+            <a:off x="1636443" y="4481142"/>
+            <a:ext cx="5298465" cy="1439057"/>
+          </a:xfrm>
+          <a:prstGeom prst="rect">
+            <a:avLst/>
+          </a:prstGeom>
+          <a:noFill/>
+          <a:extLst>
+            <a:ext uri="{909E8E84-426E-40DD-AFC4-6F175D3DCCD1}">
+              <a14:hiddenFill xmlns:a14="http://schemas.microsoft.com/office/drawing/2010/main">
+                <a:solidFill>
+                  <a:srgbClr val="FFFFFF"/>
+                </a:solidFill>
+              </a14:hiddenFill>
+            </a:ext>
+          </a:extLst>
+        </p:spPr>
+      </p:pic>
+      <p:pic>
+        <p:nvPicPr>
+          <p:cNvPr id="1028" name="Picture 4" descr="Aplicação de visão computacional com OpenCV - Embarcados">
+            <a:extLst>
+              <a:ext uri="{FF2B5EF4-FFF2-40B4-BE49-F238E27FC236}">
+                <a16:creationId xmlns:a16="http://schemas.microsoft.com/office/drawing/2014/main" id="{AC7B159C-0C47-418A-AF0B-8D10EC119055}"/>
+              </a:ext>
+            </a:extLst>
+          </p:cNvPr>
+          <p:cNvPicPr>
+            <a:picLocks noChangeAspect="1" noChangeArrowheads="1"/>
+          </p:cNvPicPr>
+          <p:nvPr/>
+        </p:nvPicPr>
+        <p:blipFill rotWithShape="1">
+          <a:blip r:embed="rId5">
+            <a:extLst>
+              <a:ext uri="{28A0092B-C50C-407E-A947-70E740481C1C}">
+                <a14:useLocalDpi xmlns:a14="http://schemas.microsoft.com/office/drawing/2010/main" val="0"/>
+              </a:ext>
+            </a:extLst>
+          </a:blip>
+          <a:srcRect l="25958" t="16595" r="29543" b="18261"/>
+          <a:stretch/>
+        </p:blipFill>
+        <p:spPr bwMode="auto">
+          <a:xfrm>
+            <a:off x="7976050" y="3755696"/>
+            <a:ext cx="2575793" cy="2262465"/>
+          </a:xfrm>
+          <a:prstGeom prst="rect">
+            <a:avLst/>
+          </a:prstGeom>
+          <a:noFill/>
+          <a:extLst>
+            <a:ext uri="{909E8E84-426E-40DD-AFC4-6F175D3DCCD1}">
+              <a14:hiddenFill xmlns:a14="http://schemas.microsoft.com/office/drawing/2010/main">
+                <a:solidFill>
+                  <a:srgbClr val="FFFFFF"/>
+                </a:solidFill>
+              </a14:hiddenFill>
+            </a:ext>
+          </a:extLst>
+        </p:spPr>
+      </p:pic>
     </p:spTree>
     <p:extLst>
       <p:ext uri="{BB962C8B-B14F-4D97-AF65-F5344CB8AC3E}">
-        <p14:creationId xmlns:p14="http://schemas.microsoft.com/office/powerpoint/2010/main" val="396118331"/>
+        <p14:creationId xmlns:p14="http://schemas.microsoft.com/office/powerpoint/2010/main" val="2941495196"/>
       </p:ext>
     </p:extLst>
   </p:cSld>
@@ -9823,7 +9801,7 @@
 </p:sld>
 </file>
 
-<file path=ppt/slides/slide9.xml><?xml version="1.0" encoding="utf-8"?>
+<file path=ppt/slides/slide8.xml><?xml version="1.0" encoding="utf-8"?>
 <p:sld xmlns:a="http://schemas.openxmlformats.org/drawingml/2006/main" xmlns:r="http://schemas.openxmlformats.org/officeDocument/2006/relationships" xmlns:p="http://schemas.openxmlformats.org/presentationml/2006/main">
   <p:cSld>
     <p:spTree>
@@ -9845,7 +9823,7 @@
           <p:cNvPr id="2" name="Título 1">
             <a:extLst>
               <a:ext uri="{FF2B5EF4-FFF2-40B4-BE49-F238E27FC236}">
-                <a16:creationId xmlns:a16="http://schemas.microsoft.com/office/drawing/2014/main" id="{7CF622F5-B13D-4417-AEC6-AC1C808D4F4F}"/>
+                <a16:creationId xmlns:a16="http://schemas.microsoft.com/office/drawing/2014/main" id="{FDF998FF-A72C-4AFD-BB81-842876A9105E}"/>
               </a:ext>
             </a:extLst>
           </p:cNvPr>
@@ -9858,8 +9836,8 @@
         </p:nvSpPr>
         <p:spPr>
           <a:xfrm>
-            <a:off x="1097280" y="1006162"/>
-            <a:ext cx="10058400" cy="731198"/>
+            <a:off x="1160471" y="895307"/>
+            <a:ext cx="8911687" cy="886804"/>
           </a:xfrm>
         </p:spPr>
         <p:txBody>
@@ -9872,92 +9850,307 @@
                   <a:schemeClr val="tx1"/>
                 </a:solidFill>
               </a:rPr>
-              <a:t>O que é Segmentação</a:t>
+              <a:t>Inserção das Imagens</a:t>
             </a:r>
           </a:p>
         </p:txBody>
       </p:sp>
       <p:sp>
         <p:nvSpPr>
-          <p:cNvPr id="3" name="Espaço Reservado para Conteúdo 2">
+          <p:cNvPr id="4" name="Espaço Reservado para Conteúdo 2">
             <a:extLst>
               <a:ext uri="{FF2B5EF4-FFF2-40B4-BE49-F238E27FC236}">
-                <a16:creationId xmlns:a16="http://schemas.microsoft.com/office/drawing/2014/main" id="{8483478B-9051-4A28-A4A9-060E706ED9E0}"/>
+                <a16:creationId xmlns:a16="http://schemas.microsoft.com/office/drawing/2014/main" id="{E53DDFE0-2451-43AB-A563-5D047F09792E}"/>
               </a:ext>
             </a:extLst>
           </p:cNvPr>
-          <p:cNvSpPr>
-            <a:spLocks noGrp="1"/>
+          <p:cNvSpPr txBox="1">
+            <a:spLocks/>
           </p:cNvSpPr>
-          <p:nvPr>
-            <p:ph idx="1"/>
-          </p:nvPr>
+          <p:nvPr/>
         </p:nvSpPr>
         <p:spPr>
           <a:xfrm>
-            <a:off x="1097280" y="2133600"/>
-            <a:ext cx="10058400" cy="4281268"/>
-          </a:xfrm>
+            <a:off x="1160471" y="1943962"/>
+            <a:ext cx="10082152" cy="1894571"/>
+          </a:xfrm>
+          <a:prstGeom prst="rect">
+            <a:avLst/>
+          </a:prstGeom>
         </p:spPr>
         <p:txBody>
-          <a:bodyPr>
-            <a:normAutofit/>
+          <a:bodyPr vert="horz" lIns="91440" tIns="45720" rIns="91440" bIns="45720" rtlCol="0">
+            <a:noAutofit/>
           </a:bodyPr>
-          <a:lstStyle/>
-          <a:p>
-            <a:pPr algn="just"/>
-            <a:r>
-              <a:rPr lang="pt-BR" dirty="0">
+          <a:lstStyle>
+            <a:lvl1pPr marL="342900" indent="-342900" algn="l" defTabSz="457200" rtl="0" eaLnBrk="1" latinLnBrk="0" hangingPunct="1">
+              <a:spcBef>
+                <a:spcPts val="1000"/>
+              </a:spcBef>
+              <a:spcAft>
+                <a:spcPts val="0"/>
+              </a:spcAft>
+              <a:buClr>
+                <a:schemeClr val="accent1"/>
+              </a:buClr>
+              <a:buFont typeface="Wingdings 3" charset="2"/>
+              <a:buChar char=""/>
+              <a:defRPr sz="1800" kern="1200">
+                <a:solidFill>
+                  <a:schemeClr val="tx1">
+                    <a:lumMod val="75000"/>
+                    <a:lumOff val="25000"/>
+                  </a:schemeClr>
+                </a:solidFill>
+                <a:latin typeface="+mn-lt"/>
+                <a:ea typeface="+mn-ea"/>
+                <a:cs typeface="+mn-cs"/>
+              </a:defRPr>
+            </a:lvl1pPr>
+            <a:lvl2pPr marL="742950" indent="-285750" algn="l" defTabSz="457200" rtl="0" eaLnBrk="1" latinLnBrk="0" hangingPunct="1">
+              <a:spcBef>
+                <a:spcPts val="1000"/>
+              </a:spcBef>
+              <a:spcAft>
+                <a:spcPts val="0"/>
+              </a:spcAft>
+              <a:buClr>
+                <a:schemeClr val="accent1"/>
+              </a:buClr>
+              <a:buFont typeface="Wingdings 3" charset="2"/>
+              <a:buChar char=""/>
+              <a:defRPr sz="1600" kern="1200">
+                <a:solidFill>
+                  <a:schemeClr val="tx1">
+                    <a:lumMod val="75000"/>
+                    <a:lumOff val="25000"/>
+                  </a:schemeClr>
+                </a:solidFill>
+                <a:latin typeface="+mn-lt"/>
+                <a:ea typeface="+mn-ea"/>
+                <a:cs typeface="+mn-cs"/>
+              </a:defRPr>
+            </a:lvl2pPr>
+            <a:lvl3pPr marL="1143000" indent="-228600" algn="l" defTabSz="457200" rtl="0" eaLnBrk="1" latinLnBrk="0" hangingPunct="1">
+              <a:spcBef>
+                <a:spcPts val="1000"/>
+              </a:spcBef>
+              <a:spcAft>
+                <a:spcPts val="0"/>
+              </a:spcAft>
+              <a:buClr>
+                <a:schemeClr val="accent1"/>
+              </a:buClr>
+              <a:buFont typeface="Wingdings 3" charset="2"/>
+              <a:buChar char=""/>
+              <a:defRPr sz="1400" kern="1200">
+                <a:solidFill>
+                  <a:schemeClr val="tx1">
+                    <a:lumMod val="75000"/>
+                    <a:lumOff val="25000"/>
+                  </a:schemeClr>
+                </a:solidFill>
+                <a:latin typeface="+mn-lt"/>
+                <a:ea typeface="+mn-ea"/>
+                <a:cs typeface="+mn-cs"/>
+              </a:defRPr>
+            </a:lvl3pPr>
+            <a:lvl4pPr marL="1600200" indent="-228600" algn="l" defTabSz="457200" rtl="0" eaLnBrk="1" latinLnBrk="0" hangingPunct="1">
+              <a:spcBef>
+                <a:spcPts val="1000"/>
+              </a:spcBef>
+              <a:spcAft>
+                <a:spcPts val="0"/>
+              </a:spcAft>
+              <a:buClr>
+                <a:schemeClr val="accent1"/>
+              </a:buClr>
+              <a:buFont typeface="Wingdings 3" charset="2"/>
+              <a:buChar char=""/>
+              <a:defRPr sz="1200" kern="1200">
+                <a:solidFill>
+                  <a:schemeClr val="tx1">
+                    <a:lumMod val="75000"/>
+                    <a:lumOff val="25000"/>
+                  </a:schemeClr>
+                </a:solidFill>
+                <a:latin typeface="+mn-lt"/>
+                <a:ea typeface="+mn-ea"/>
+                <a:cs typeface="+mn-cs"/>
+              </a:defRPr>
+            </a:lvl4pPr>
+            <a:lvl5pPr marL="2057400" indent="-228600" algn="l" defTabSz="457200" rtl="0" eaLnBrk="1" latinLnBrk="0" hangingPunct="1">
+              <a:spcBef>
+                <a:spcPts val="1000"/>
+              </a:spcBef>
+              <a:spcAft>
+                <a:spcPts val="0"/>
+              </a:spcAft>
+              <a:buClr>
+                <a:schemeClr val="accent1"/>
+              </a:buClr>
+              <a:buFont typeface="Wingdings 3" charset="2"/>
+              <a:buChar char=""/>
+              <a:defRPr sz="1200" kern="1200">
+                <a:solidFill>
+                  <a:schemeClr val="tx1">
+                    <a:lumMod val="75000"/>
+                    <a:lumOff val="25000"/>
+                  </a:schemeClr>
+                </a:solidFill>
+                <a:latin typeface="+mn-lt"/>
+                <a:ea typeface="+mn-ea"/>
+                <a:cs typeface="+mn-cs"/>
+              </a:defRPr>
+            </a:lvl5pPr>
+            <a:lvl6pPr marL="2514600" indent="-228600" algn="l" defTabSz="457200" rtl="0" eaLnBrk="1" latinLnBrk="0" hangingPunct="1">
+              <a:spcBef>
+                <a:spcPts val="1000"/>
+              </a:spcBef>
+              <a:spcAft>
+                <a:spcPts val="0"/>
+              </a:spcAft>
+              <a:buClr>
+                <a:schemeClr val="accent1"/>
+              </a:buClr>
+              <a:buFont typeface="Wingdings 3" charset="2"/>
+              <a:buChar char=""/>
+              <a:defRPr sz="1200" kern="1200">
+                <a:solidFill>
+                  <a:schemeClr val="tx1">
+                    <a:lumMod val="75000"/>
+                    <a:lumOff val="25000"/>
+                  </a:schemeClr>
+                </a:solidFill>
+                <a:latin typeface="+mn-lt"/>
+                <a:ea typeface="+mn-ea"/>
+                <a:cs typeface="+mn-cs"/>
+              </a:defRPr>
+            </a:lvl6pPr>
+            <a:lvl7pPr marL="2971800" indent="-228600" algn="l" defTabSz="457200" rtl="0" eaLnBrk="1" latinLnBrk="0" hangingPunct="1">
+              <a:spcBef>
+                <a:spcPts val="1000"/>
+              </a:spcBef>
+              <a:spcAft>
+                <a:spcPts val="0"/>
+              </a:spcAft>
+              <a:buClr>
+                <a:schemeClr val="accent1"/>
+              </a:buClr>
+              <a:buFont typeface="Wingdings 3" charset="2"/>
+              <a:buChar char=""/>
+              <a:defRPr sz="1200" kern="1200">
+                <a:solidFill>
+                  <a:schemeClr val="tx1">
+                    <a:lumMod val="75000"/>
+                    <a:lumOff val="25000"/>
+                  </a:schemeClr>
+                </a:solidFill>
+                <a:latin typeface="+mn-lt"/>
+                <a:ea typeface="+mn-ea"/>
+                <a:cs typeface="+mn-cs"/>
+              </a:defRPr>
+            </a:lvl7pPr>
+            <a:lvl8pPr marL="3429000" indent="-228600" algn="l" defTabSz="457200" rtl="0" eaLnBrk="1" latinLnBrk="0" hangingPunct="1">
+              <a:spcBef>
+                <a:spcPts val="1000"/>
+              </a:spcBef>
+              <a:spcAft>
+                <a:spcPts val="0"/>
+              </a:spcAft>
+              <a:buClr>
+                <a:schemeClr val="accent1"/>
+              </a:buClr>
+              <a:buFont typeface="Wingdings 3" charset="2"/>
+              <a:buChar char=""/>
+              <a:defRPr sz="1200" kern="1200">
+                <a:solidFill>
+                  <a:schemeClr val="tx1">
+                    <a:lumMod val="75000"/>
+                    <a:lumOff val="25000"/>
+                  </a:schemeClr>
+                </a:solidFill>
+                <a:latin typeface="+mn-lt"/>
+                <a:ea typeface="+mn-ea"/>
+                <a:cs typeface="+mn-cs"/>
+              </a:defRPr>
+            </a:lvl8pPr>
+            <a:lvl9pPr marL="3886200" indent="-228600" algn="l" defTabSz="457200" rtl="0" eaLnBrk="1" latinLnBrk="0" hangingPunct="1">
+              <a:spcBef>
+                <a:spcPts val="1000"/>
+              </a:spcBef>
+              <a:spcAft>
+                <a:spcPts val="0"/>
+              </a:spcAft>
+              <a:buClr>
+                <a:schemeClr val="accent1"/>
+              </a:buClr>
+              <a:buFont typeface="Wingdings 3" charset="2"/>
+              <a:buChar char=""/>
+              <a:defRPr sz="1200" kern="1200">
+                <a:solidFill>
+                  <a:schemeClr val="tx1">
+                    <a:lumMod val="75000"/>
+                    <a:lumOff val="25000"/>
+                  </a:schemeClr>
+                </a:solidFill>
+                <a:latin typeface="+mn-lt"/>
+                <a:ea typeface="+mn-ea"/>
+                <a:cs typeface="+mn-cs"/>
+              </a:defRPr>
+            </a:lvl9pPr>
+          </a:lstStyle>
+          <a:p>
+            <a:pPr marL="0" indent="0" algn="just" rtl="0">
+              <a:spcBef>
+                <a:spcPts val="500"/>
+              </a:spcBef>
+              <a:spcAft>
+                <a:spcPts val="500"/>
+              </a:spcAft>
+              <a:buNone/>
+            </a:pPr>
+            <a:r>
+              <a:rPr lang="pt-BR" sz="2000" b="0" i="0" u="none" strike="noStrike" dirty="0">
                 <a:solidFill>
                   <a:schemeClr val="tx1"/>
                 </a:solidFill>
+                <a:effectLst/>
               </a:rPr>
-              <a:t>Em visão computacional, segmentação se refere ao processo de dividir uma imagem digital em múltiplas regiões (conjunto de pixels) ou objetos, com o objetivo de simplificar e/ou mudar a representação de uma imagem para facilitar a sua análise. Segmentação de imagens é tipicamente usada para localizar objetos e formas (linhas, curvas, </a:t>
-            </a:r>
-            <a:r>
-              <a:rPr lang="pt-BR" dirty="0" err="1">
+              <a:t>A equipe web disponibilizará um duplicador do site WordPress que ao instalarmos teremos acesso ao Fatequino sem alterar o ambiente de produção, será necessário implementar uma API para consumir os dados das imagens disponibilizadas (ainda não definido pela equipe web).</a:t>
+            </a:r>
+            <a:endParaRPr lang="pt-BR" sz="2000" b="0" dirty="0">
+              <a:solidFill>
+                <a:schemeClr val="tx1"/>
+              </a:solidFill>
+              <a:effectLst/>
+            </a:endParaRPr>
+          </a:p>
+          <a:p>
+            <a:pPr marL="0" indent="0">
+              <a:buNone/>
+            </a:pPr>
+            <a:br>
+              <a:rPr lang="pt-BR" sz="2000" dirty="0">
                 <a:solidFill>
                   <a:schemeClr val="tx1"/>
                 </a:solidFill>
               </a:rPr>
-              <a:t>etc</a:t>
-            </a:r>
-            <a:r>
-              <a:rPr lang="pt-BR" dirty="0">
-                <a:solidFill>
-                  <a:schemeClr val="tx1"/>
-                </a:solidFill>
-              </a:rPr>
-              <a:t>) em imagens.</a:t>
-            </a:r>
-          </a:p>
-          <a:p>
-            <a:pPr algn="just"/>
-            <a:endParaRPr lang="pt-BR" dirty="0">
+            </a:br>
+            <a:endParaRPr lang="pt-BR" sz="2000" dirty="0">
               <a:solidFill>
                 <a:schemeClr val="tx1"/>
               </a:solidFill>
             </a:endParaRPr>
           </a:p>
-          <a:p>
-            <a:pPr algn="just"/>
-            <a:r>
-              <a:rPr lang="pt-BR" dirty="0">
-                <a:solidFill>
-                  <a:schemeClr val="tx1"/>
-                </a:solidFill>
-              </a:rPr>
-              <a:t>O resultado da segmentação de imagens é um conjunto de regiões/objetos ou um conjunto de contornos extraídos da imagem (ver detecção de borda). Como resultado, cada um dos pixels em uma mesma região é similar com referência a alguma característica ou propriedade computacional, tais como cor, intensidade, textura ou continuidade. Regiões adjacentes devem possuir diferenças significativas com respeito a mesma característica(s).</a:t>
-            </a:r>
-          </a:p>
         </p:txBody>
       </p:sp>
       <p:pic>
         <p:nvPicPr>
-          <p:cNvPr id="5" name="Picture 2" descr="https://lh4.googleusercontent.com/5Rwe-hedv2zoUCJ7yVpYSv5dHvCHmP7_N-VQn_XWiI_mGPc7hzOabq8GesVXalU4R6t1mtMjZ6muxkuoLuxr_Bu2t0KDQWAgGThdKNWV1l_u8wpZm2I61j6SBhNGJl0XNTZYsvHI">
+          <p:cNvPr id="7" name="Picture 2" descr="https://lh4.googleusercontent.com/5Rwe-hedv2zoUCJ7yVpYSv5dHvCHmP7_N-VQn_XWiI_mGPc7hzOabq8GesVXalU4R6t1mtMjZ6muxkuoLuxr_Bu2t0KDQWAgGThdKNWV1l_u8wpZm2I61j6SBhNGJl0XNTZYsvHI">
             <a:extLst>
               <a:ext uri="{FF2B5EF4-FFF2-40B4-BE49-F238E27FC236}">
-                <a16:creationId xmlns:a16="http://schemas.microsoft.com/office/drawing/2014/main" id="{9F3BD1B3-FF39-4380-A472-FE83C7D52FBA}"/>
+                <a16:creationId xmlns:a16="http://schemas.microsoft.com/office/drawing/2014/main" id="{676EB3D3-A56B-4459-9954-A80CEEC33FCA}"/>
               </a:ext>
             </a:extLst>
           </p:cNvPr>
@@ -10043,10 +10236,10 @@
       </p:pic>
       <p:pic>
         <p:nvPicPr>
-          <p:cNvPr id="7" name="Picture 4" descr="Caracas Geek Fest">
+          <p:cNvPr id="9" name="Picture 4" descr="Caracas Geek Fest">
             <a:extLst>
               <a:ext uri="{FF2B5EF4-FFF2-40B4-BE49-F238E27FC236}">
-                <a16:creationId xmlns:a16="http://schemas.microsoft.com/office/drawing/2014/main" id="{A7947242-7D45-4E9E-B61A-EB6B360063BD}"/>
+                <a16:creationId xmlns:a16="http://schemas.microsoft.com/office/drawing/2014/main" id="{3BDDC940-DBE9-4C2D-8C00-59412A360DEF}"/>
               </a:ext>
             </a:extLst>
           </p:cNvPr>
@@ -10086,10 +10279,315 @@
           </a:extLst>
         </p:spPr>
       </p:pic>
+      <p:pic>
+        <p:nvPicPr>
+          <p:cNvPr id="3074" name="Picture 2" descr="Wordpress - Alquimia">
+            <a:extLst>
+              <a:ext uri="{FF2B5EF4-FFF2-40B4-BE49-F238E27FC236}">
+                <a16:creationId xmlns:a16="http://schemas.microsoft.com/office/drawing/2014/main" id="{549813FB-DD01-41C3-A918-6A25535BA0ED}"/>
+              </a:ext>
+            </a:extLst>
+          </p:cNvPr>
+          <p:cNvPicPr>
+            <a:picLocks noChangeAspect="1" noChangeArrowheads="1"/>
+          </p:cNvPicPr>
+          <p:nvPr/>
+        </p:nvPicPr>
+        <p:blipFill rotWithShape="1">
+          <a:blip r:embed="rId4">
+            <a:extLst>
+              <a:ext uri="{28A0092B-C50C-407E-A947-70E740481C1C}">
+                <a14:useLocalDpi xmlns:a14="http://schemas.microsoft.com/office/drawing/2010/main" val="0"/>
+              </a:ext>
+            </a:extLst>
+          </a:blip>
+          <a:srcRect t="18575" b="18575"/>
+          <a:stretch/>
+        </p:blipFill>
+        <p:spPr bwMode="auto">
+          <a:xfrm>
+            <a:off x="3552668" y="3275430"/>
+            <a:ext cx="4776071" cy="3001806"/>
+          </a:xfrm>
+          <a:prstGeom prst="rect">
+            <a:avLst/>
+          </a:prstGeom>
+          <a:noFill/>
+          <a:extLst>
+            <a:ext uri="{909E8E84-426E-40DD-AFC4-6F175D3DCCD1}">
+              <a14:hiddenFill xmlns:a14="http://schemas.microsoft.com/office/drawing/2010/main">
+                <a:solidFill>
+                  <a:srgbClr val="FFFFFF"/>
+                </a:solidFill>
+              </a14:hiddenFill>
+            </a:ext>
+          </a:extLst>
+        </p:spPr>
+      </p:pic>
     </p:spTree>
     <p:extLst>
       <p:ext uri="{BB962C8B-B14F-4D97-AF65-F5344CB8AC3E}">
-        <p14:creationId xmlns:p14="http://schemas.microsoft.com/office/powerpoint/2010/main" val="4165188233"/>
+        <p14:creationId xmlns:p14="http://schemas.microsoft.com/office/powerpoint/2010/main" val="2009375512"/>
+      </p:ext>
+    </p:extLst>
+  </p:cSld>
+  <p:clrMapOvr>
+    <a:masterClrMapping/>
+  </p:clrMapOvr>
+</p:sld>
+</file>
+
+<file path=ppt/slides/slide9.xml><?xml version="1.0" encoding="utf-8"?>
+<p:sld xmlns:a="http://schemas.openxmlformats.org/drawingml/2006/main" xmlns:r="http://schemas.openxmlformats.org/officeDocument/2006/relationships" xmlns:p="http://schemas.openxmlformats.org/presentationml/2006/main">
+  <p:cSld>
+    <p:spTree>
+      <p:nvGrpSpPr>
+        <p:cNvPr id="1" name=""/>
+        <p:cNvGrpSpPr/>
+        <p:nvPr/>
+      </p:nvGrpSpPr>
+      <p:grpSpPr>
+        <a:xfrm>
+          <a:off x="0" y="0"/>
+          <a:ext cx="0" cy="0"/>
+          <a:chOff x="0" y="0"/>
+          <a:chExt cx="0" cy="0"/>
+        </a:xfrm>
+      </p:grpSpPr>
+      <p:sp>
+        <p:nvSpPr>
+          <p:cNvPr id="2" name="Título 1">
+            <a:extLst>
+              <a:ext uri="{FF2B5EF4-FFF2-40B4-BE49-F238E27FC236}">
+                <a16:creationId xmlns:a16="http://schemas.microsoft.com/office/drawing/2014/main" id="{53D075BD-602D-4FFB-B94F-37A4A3A4881A}"/>
+              </a:ext>
+            </a:extLst>
+          </p:cNvPr>
+          <p:cNvSpPr>
+            <a:spLocks noGrp="1"/>
+          </p:cNvSpPr>
+          <p:nvPr>
+            <p:ph type="title"/>
+          </p:nvPr>
+        </p:nvSpPr>
+        <p:spPr>
+          <a:xfrm>
+            <a:off x="1097280" y="1006162"/>
+            <a:ext cx="10058400" cy="731198"/>
+          </a:xfrm>
+        </p:spPr>
+        <p:txBody>
+          <a:bodyPr/>
+          <a:lstStyle/>
+          <a:p>
+            <a:r>
+              <a:rPr lang="pt-BR" b="1" dirty="0">
+                <a:solidFill>
+                  <a:schemeClr val="tx1"/>
+                </a:solidFill>
+              </a:rPr>
+              <a:t>Implementação</a:t>
+            </a:r>
+          </a:p>
+        </p:txBody>
+      </p:sp>
+      <p:sp>
+        <p:nvSpPr>
+          <p:cNvPr id="3" name="Espaço Reservado para Conteúdo 2">
+            <a:extLst>
+              <a:ext uri="{FF2B5EF4-FFF2-40B4-BE49-F238E27FC236}">
+                <a16:creationId xmlns:a16="http://schemas.microsoft.com/office/drawing/2014/main" id="{605E02A3-AEE4-45CE-BD57-F8D0C5C53E50}"/>
+              </a:ext>
+            </a:extLst>
+          </p:cNvPr>
+          <p:cNvSpPr>
+            <a:spLocks noGrp="1"/>
+          </p:cNvSpPr>
+          <p:nvPr>
+            <p:ph idx="1"/>
+          </p:nvPr>
+        </p:nvSpPr>
+        <p:spPr>
+          <a:xfrm>
+            <a:off x="1097279" y="2161413"/>
+            <a:ext cx="10058399" cy="3690425"/>
+          </a:xfrm>
+        </p:spPr>
+        <p:txBody>
+          <a:bodyPr>
+            <a:normAutofit/>
+          </a:bodyPr>
+          <a:lstStyle/>
+          <a:p>
+            <a:pPr algn="just"/>
+            <a:r>
+              <a:rPr lang="pt-BR" dirty="0">
+                <a:solidFill>
+                  <a:schemeClr val="tx1"/>
+                </a:solidFill>
+              </a:rPr>
+              <a:t>Trabalharemos com a segmentação (processamento de imagem) para identificar formas e objetos nas imagens, com o objetivo de poder identificar possíveis obstáculos. </a:t>
+            </a:r>
+          </a:p>
+          <a:p>
+            <a:pPr algn="just"/>
+            <a:endParaRPr lang="pt-BR" dirty="0">
+              <a:solidFill>
+                <a:schemeClr val="tx1"/>
+              </a:solidFill>
+            </a:endParaRPr>
+          </a:p>
+          <a:p>
+            <a:pPr algn="just"/>
+            <a:r>
+              <a:rPr lang="pt-BR" dirty="0">
+                <a:solidFill>
+                  <a:schemeClr val="tx1"/>
+                </a:solidFill>
+              </a:rPr>
+              <a:t>Há vários tipos de segmentação, porém a que mais se adequa ao nosso projeto é a descontinuidade de movimento, pois como o Fatequino estará sempre em movimento na Fatec, os obstáculos serão móveis e não fixos (no caso de pessoas), também como iremos utilizar o aceno, esse tipo de segmentação irá se adequar bem ao que foi sugerido para o projeto.</a:t>
+            </a:r>
+          </a:p>
+        </p:txBody>
+      </p:sp>
+      <p:pic>
+        <p:nvPicPr>
+          <p:cNvPr id="5" name="Picture 2" descr="https://lh4.googleusercontent.com/5Rwe-hedv2zoUCJ7yVpYSv5dHvCHmP7_N-VQn_XWiI_mGPc7hzOabq8GesVXalU4R6t1mtMjZ6muxkuoLuxr_Bu2t0KDQWAgGThdKNWV1l_u8wpZm2I61j6SBhNGJl0XNTZYsvHI">
+            <a:extLst>
+              <a:ext uri="{FF2B5EF4-FFF2-40B4-BE49-F238E27FC236}">
+                <a16:creationId xmlns:a16="http://schemas.microsoft.com/office/drawing/2014/main" id="{FC0DE60D-57E8-4EA5-B018-800144E754C9}"/>
+              </a:ext>
+            </a:extLst>
+          </p:cNvPr>
+          <p:cNvPicPr>
+            <a:picLocks noChangeAspect="1" noChangeArrowheads="1"/>
+          </p:cNvPicPr>
+          <p:nvPr/>
+        </p:nvPicPr>
+        <p:blipFill>
+          <a:blip r:embed="rId2" cstate="print">
+            <a:extLst>
+              <a:ext uri="{28A0092B-C50C-407E-A947-70E740481C1C}">
+                <a14:useLocalDpi xmlns:a14="http://schemas.microsoft.com/office/drawing/2010/main" val="0"/>
+              </a:ext>
+            </a:extLst>
+          </a:blip>
+          <a:stretch>
+            <a:fillRect/>
+          </a:stretch>
+        </p:blipFill>
+        <p:spPr bwMode="auto">
+          <a:xfrm>
+            <a:off x="8598563" y="0"/>
+            <a:ext cx="3593438" cy="1006162"/>
+          </a:xfrm>
+          <a:custGeom>
+            <a:avLst/>
+            <a:gdLst>
+              <a:gd name="connsiteX0" fmla="*/ 0 w 4636009"/>
+              <a:gd name="connsiteY0" fmla="*/ 0 h 5032375"/>
+              <a:gd name="connsiteX1" fmla="*/ 4636009 w 4636009"/>
+              <a:gd name="connsiteY1" fmla="*/ 0 h 5032375"/>
+              <a:gd name="connsiteX2" fmla="*/ 4636009 w 4636009"/>
+              <a:gd name="connsiteY2" fmla="*/ 5032375 h 5032375"/>
+              <a:gd name="connsiteX3" fmla="*/ 0 w 4636009"/>
+              <a:gd name="connsiteY3" fmla="*/ 5032375 h 5032375"/>
+            </a:gdLst>
+            <a:ahLst/>
+            <a:cxnLst>
+              <a:cxn ang="0">
+                <a:pos x="connsiteX0" y="connsiteY0"/>
+              </a:cxn>
+              <a:cxn ang="0">
+                <a:pos x="connsiteX1" y="connsiteY1"/>
+              </a:cxn>
+              <a:cxn ang="0">
+                <a:pos x="connsiteX2" y="connsiteY2"/>
+              </a:cxn>
+              <a:cxn ang="0">
+                <a:pos x="connsiteX3" y="connsiteY3"/>
+              </a:cxn>
+            </a:cxnLst>
+            <a:rect l="l" t="t" r="r" b="b"/>
+            <a:pathLst>
+              <a:path w="4636009" h="5032375">
+                <a:moveTo>
+                  <a:pt x="0" y="0"/>
+                </a:moveTo>
+                <a:lnTo>
+                  <a:pt x="4636009" y="0"/>
+                </a:lnTo>
+                <a:lnTo>
+                  <a:pt x="4636009" y="5032375"/>
+                </a:lnTo>
+                <a:lnTo>
+                  <a:pt x="0" y="5032375"/>
+                </a:lnTo>
+                <a:close/>
+              </a:path>
+            </a:pathLst>
+          </a:custGeom>
+          <a:noFill/>
+          <a:extLst>
+            <a:ext uri="{909E8E84-426E-40DD-AFC4-6F175D3DCCD1}">
+              <a14:hiddenFill xmlns:a14="http://schemas.microsoft.com/office/drawing/2010/main">
+                <a:solidFill>
+                  <a:srgbClr val="FFFFFF"/>
+                </a:solidFill>
+              </a14:hiddenFill>
+            </a:ext>
+          </a:extLst>
+        </p:spPr>
+      </p:pic>
+      <p:pic>
+        <p:nvPicPr>
+          <p:cNvPr id="7" name="Picture 4" descr="Caracas Geek Fest">
+            <a:extLst>
+              <a:ext uri="{FF2B5EF4-FFF2-40B4-BE49-F238E27FC236}">
+                <a16:creationId xmlns:a16="http://schemas.microsoft.com/office/drawing/2014/main" id="{AA30737F-57D8-4CBB-8CB5-92AE780EC314}"/>
+              </a:ext>
+            </a:extLst>
+          </p:cNvPr>
+          <p:cNvPicPr>
+            <a:picLocks noChangeAspect="1" noChangeArrowheads="1"/>
+          </p:cNvPicPr>
+          <p:nvPr/>
+        </p:nvPicPr>
+        <p:blipFill rotWithShape="1">
+          <a:blip r:embed="rId3">
+            <a:extLst>
+              <a:ext uri="{28A0092B-C50C-407E-A947-70E740481C1C}">
+                <a14:useLocalDpi xmlns:a14="http://schemas.microsoft.com/office/drawing/2010/main" val="0"/>
+              </a:ext>
+            </a:extLst>
+          </a:blip>
+          <a:srcRect t="13743" b="24102"/>
+          <a:stretch/>
+        </p:blipFill>
+        <p:spPr bwMode="auto">
+          <a:xfrm>
+            <a:off x="0" y="0"/>
+            <a:ext cx="2073180" cy="1006162"/>
+          </a:xfrm>
+          <a:prstGeom prst="rect">
+            <a:avLst/>
+          </a:prstGeom>
+          <a:noFill/>
+          <a:extLst>
+            <a:ext uri="{909E8E84-426E-40DD-AFC4-6F175D3DCCD1}">
+              <a14:hiddenFill xmlns:a14="http://schemas.microsoft.com/office/drawing/2010/main">
+                <a:solidFill>
+                  <a:srgbClr val="FFFFFF"/>
+                </a:solidFill>
+              </a14:hiddenFill>
+            </a:ext>
+          </a:extLst>
+        </p:spPr>
+      </p:pic>
+    </p:spTree>
+    <p:extLst>
+      <p:ext uri="{BB962C8B-B14F-4D97-AF65-F5344CB8AC3E}">
+        <p14:creationId xmlns:p14="http://schemas.microsoft.com/office/powerpoint/2010/main" val="396118331"/>
       </p:ext>
     </p:extLst>
   </p:cSld>
